--- a/캡스톤 파일/월별 계획표 ppt/3월 계획_4조_주문의민족.pptx
+++ b/캡스톤 파일/월별 계획표 ppt/3월 계획_4조_주문의민족.pptx
@@ -719,7 +719,7 @@
           </a:ln>
           <a:extLst>
             <a:ext uri="{C572A759-6A51-4108-AA02-DFA0A04FC94B}">
-              <ma14:wrappingTextBoxFlag xmlns="" xmlns:m="http://schemas.openxmlformats.org/officeDocument/2006/math" xmlns:a14="http://schemas.microsoft.com/office/drawing/2010/main" xmlns:ma14="http://schemas.microsoft.com/office/mac/drawingml/2011/main" val="1"/>
+              <ma14:wrappingTextBoxFlag xmlns:ma14="http://schemas.microsoft.com/office/mac/drawingml/2011/main" xmlns:a14="http://schemas.microsoft.com/office/drawing/2010/main" xmlns:m="http://schemas.openxmlformats.org/officeDocument/2006/math" xmlns="" val="1"/>
             </a:ext>
           </a:extLst>
         </p:spPr>
@@ -758,7 +758,7 @@
           </a:ln>
           <a:extLst>
             <a:ext uri="{C572A759-6A51-4108-AA02-DFA0A04FC94B}">
-              <ma14:wrappingTextBoxFlag xmlns="" xmlns:m="http://schemas.openxmlformats.org/officeDocument/2006/math" xmlns:a14="http://schemas.microsoft.com/office/drawing/2010/main" xmlns:ma14="http://schemas.microsoft.com/office/mac/drawingml/2011/main" val="1"/>
+              <ma14:wrappingTextBoxFlag xmlns:ma14="http://schemas.microsoft.com/office/mac/drawingml/2011/main" xmlns:a14="http://schemas.microsoft.com/office/drawing/2010/main" xmlns:m="http://schemas.openxmlformats.org/officeDocument/2006/math" xmlns="" val="1"/>
             </a:ext>
           </a:extLst>
         </p:spPr>
@@ -1744,8 +1744,8 @@
         </p:nvSpPr>
         <p:spPr>
           <a:xfrm>
-            <a:off x="1119565" y="2200077"/>
-            <a:ext cx="4643015" cy="8023349"/>
+            <a:off x="903091" y="1321308"/>
+            <a:ext cx="4948829" cy="3976087"/>
           </a:xfrm>
           <a:prstGeom prst="rect">
             <a:avLst/>
@@ -1755,19 +1755,18 @@
           </a:ln>
           <a:extLst>
             <a:ext uri="{C572A759-6A51-4108-AA02-DFA0A04FC94B}">
-              <ma14:wrappingTextBoxFlag xmlns="" xmlns:m="http://schemas.openxmlformats.org/officeDocument/2006/math" xmlns:a14="http://schemas.microsoft.com/office/drawing/2010/main" xmlns:ma14="http://schemas.microsoft.com/office/mac/drawingml/2011/main" val="1"/>
+              <ma14:wrappingTextBoxFlag xmlns:ma14="http://schemas.microsoft.com/office/mac/drawingml/2011/main" xmlns:a14="http://schemas.microsoft.com/office/drawing/2010/main" xmlns:m="http://schemas.openxmlformats.org/officeDocument/2006/math" xmlns="" val="1"/>
             </a:ext>
           </a:extLst>
         </p:spPr>
         <p:txBody>
-          <a:bodyPr lIns="71437" tIns="71437" rIns="71437" bIns="71437">
+          <a:bodyPr wrap="square" lIns="71437" tIns="71437" rIns="71437" bIns="71437">
             <a:spAutoFit/>
           </a:bodyPr>
           <a:lstStyle/>
           <a:p>
-            <a:pPr marL="380999" indent="-380999" algn="l" defTabSz="584200">
+            <a:pPr algn="l" defTabSz="584200">
               <a:buSzPct val="100000"/>
-              <a:buAutoNum type="arabicPeriod"/>
               <a:defRPr sz="3400" b="0" spc="-102">
                 <a:latin typeface="나눔바른고딕OTF Light"/>
                 <a:ea typeface="나눔바른고딕OTF Light"/>
@@ -1776,19 +1775,34 @@
               </a:defRPr>
             </a:pPr>
             <a:r>
-              <a:rPr b="0" dirty="0" err="1">
-                <a:latin typeface="NanumBarunGothicOTF Light" panose="02000303000000000000" pitchFamily="2" charset="-128"/>
-                <a:ea typeface="NanumBarunGothicOTF Light" panose="02000303000000000000" pitchFamily="2" charset="-128"/>
-              </a:rPr>
-              <a:t>사전준비</a:t>
-            </a:r>
-            <a:endParaRPr b="0" dirty="0">
+              <a:rPr lang="ko-KR" altLang="en-US" sz="3400" b="0" dirty="0">
+                <a:latin typeface="NanumBarunGothicOTF Light" panose="02000303000000000000" pitchFamily="2" charset="-128"/>
+                <a:ea typeface="NanumBarunGothicOTF Light" panose="02000303000000000000" pitchFamily="2" charset="-128"/>
+              </a:rPr>
+              <a:t>앱</a:t>
+            </a:r>
+            <a:r>
+              <a:rPr lang="en-US" altLang="ko-KR" sz="3400" b="0" dirty="0">
+                <a:latin typeface="NanumBarunGothicOTF Light" panose="02000303000000000000" pitchFamily="2" charset="-128"/>
+                <a:ea typeface="NanumBarunGothicOTF Light" panose="02000303000000000000" pitchFamily="2" charset="-128"/>
+              </a:rPr>
+              <a:t>-</a:t>
+            </a:r>
+            <a:r>
+              <a:rPr lang="ko-KR" altLang="en-US" sz="3400" b="0" dirty="0">
+                <a:latin typeface="NanumBarunGothicOTF Light" panose="02000303000000000000" pitchFamily="2" charset="-128"/>
+                <a:ea typeface="NanumBarunGothicOTF Light" panose="02000303000000000000" pitchFamily="2" charset="-128"/>
+              </a:rPr>
+              <a:t>사업자</a:t>
+            </a:r>
+            <a:endParaRPr lang="en-US" sz="3400" b="0" dirty="0">
               <a:latin typeface="NanumBarunGothicOTF Light" panose="02000303000000000000" pitchFamily="2" charset="-128"/>
               <a:ea typeface="NanumBarunGothicOTF Light" panose="02000303000000000000" pitchFamily="2" charset="-128"/>
             </a:endParaRPr>
           </a:p>
           <a:p>
             <a:pPr algn="l" defTabSz="584200">
+              <a:buSzPct val="100000"/>
               <a:defRPr sz="3400" b="0" spc="-102">
                 <a:latin typeface="나눔바른고딕OTF Light"/>
                 <a:ea typeface="나눔바른고딕OTF Light"/>
@@ -1796,15 +1810,56 @@
                 <a:sym typeface="나눔바른고딕OTF Light"/>
               </a:defRPr>
             </a:pPr>
-            <a:endParaRPr b="0" dirty="0">
+            <a:r>
+              <a:rPr lang="en-US" sz="2500" b="0" dirty="0">
+                <a:latin typeface="NanumBarunGothicOTF Light" panose="02000303000000000000" pitchFamily="2" charset="-128"/>
+                <a:ea typeface="NanumBarunGothicOTF Light" panose="02000303000000000000" pitchFamily="2" charset="-128"/>
+              </a:rPr>
+              <a:t>1. </a:t>
+            </a:r>
+            <a:r>
+              <a:rPr lang="ko-KR" altLang="en-US" sz="2500" b="0" dirty="0">
+                <a:latin typeface="NanumBarunGothicOTF Light" panose="02000303000000000000" pitchFamily="2" charset="-128"/>
+                <a:ea typeface="NanumBarunGothicOTF Light" panose="02000303000000000000" pitchFamily="2" charset="-128"/>
+              </a:rPr>
+              <a:t>레이아웃</a:t>
+            </a:r>
+            <a:r>
+              <a:rPr lang="en-US" altLang="ko-KR" sz="2500" b="0" dirty="0">
+                <a:latin typeface="NanumBarunGothicOTF Light" panose="02000303000000000000" pitchFamily="2" charset="-128"/>
+                <a:ea typeface="NanumBarunGothicOTF Light" panose="02000303000000000000" pitchFamily="2" charset="-128"/>
+              </a:rPr>
+              <a:t>(</a:t>
+            </a:r>
+            <a:r>
+              <a:rPr lang="ko-KR" altLang="en-US" sz="2500" b="0" dirty="0">
+                <a:latin typeface="NanumBarunGothicOTF Light" panose="02000303000000000000" pitchFamily="2" charset="-128"/>
+                <a:ea typeface="NanumBarunGothicOTF Light" panose="02000303000000000000" pitchFamily="2" charset="-128"/>
+              </a:rPr>
+              <a:t>앱</a:t>
+            </a:r>
+            <a:r>
+              <a:rPr lang="en-US" altLang="ko-KR" sz="2500" b="0" dirty="0">
+                <a:latin typeface="NanumBarunGothicOTF Light" panose="02000303000000000000" pitchFamily="2" charset="-128"/>
+                <a:ea typeface="NanumBarunGothicOTF Light" panose="02000303000000000000" pitchFamily="2" charset="-128"/>
+              </a:rPr>
+              <a:t>)</a:t>
+            </a:r>
+            <a:r>
+              <a:rPr lang="ko-KR" altLang="en-US" sz="2500" b="0" dirty="0">
+                <a:latin typeface="NanumBarunGothicOTF Light" panose="02000303000000000000" pitchFamily="2" charset="-128"/>
+                <a:ea typeface="NanumBarunGothicOTF Light" panose="02000303000000000000" pitchFamily="2" charset="-128"/>
+              </a:rPr>
+              <a:t> 디자인</a:t>
+            </a:r>
+            <a:endParaRPr lang="en-US" altLang="ko-KR" sz="2500" b="0" dirty="0">
               <a:latin typeface="NanumBarunGothicOTF Light" panose="02000303000000000000" pitchFamily="2" charset="-128"/>
               <a:ea typeface="NanumBarunGothicOTF Light" panose="02000303000000000000" pitchFamily="2" charset="-128"/>
             </a:endParaRPr>
           </a:p>
           <a:p>
-            <a:pPr marL="380999" indent="-380999" algn="l" defTabSz="584200">
+            <a:pPr algn="l" defTabSz="584200">
               <a:buSzPct val="100000"/>
-              <a:buAutoNum type="arabicPeriod" startAt="2"/>
               <a:defRPr sz="3400" b="0" spc="-102">
                 <a:latin typeface="나눔바른고딕OTF Light"/>
                 <a:ea typeface="나눔바른고딕OTF Light"/>
@@ -1813,15 +1868,58 @@
               </a:defRPr>
             </a:pPr>
             <a:r>
-              <a:rPr b="0" dirty="0">
-                <a:latin typeface="NanumBarunGothicOTF Light" panose="02000303000000000000" pitchFamily="2" charset="-128"/>
-                <a:ea typeface="NanumBarunGothicOTF Light" panose="02000303000000000000" pitchFamily="2" charset="-128"/>
-              </a:rPr>
-              <a:t>KICK-OFF</a:t>
+              <a:rPr lang="en-US" sz="2000" b="0" dirty="0">
+                <a:latin typeface="NanumBarunGothicOTF Light" panose="02000303000000000000" pitchFamily="2" charset="-128"/>
+                <a:ea typeface="NanumBarunGothicOTF Light" panose="02000303000000000000" pitchFamily="2" charset="-128"/>
+              </a:rPr>
+              <a:t>    (</a:t>
+            </a:r>
+            <a:r>
+              <a:rPr lang="ko-KR" altLang="en-US" sz="2000" b="0" dirty="0">
+                <a:latin typeface="NanumBarunGothicOTF Light" panose="02000303000000000000" pitchFamily="2" charset="-128"/>
+                <a:ea typeface="NanumBarunGothicOTF Light" panose="02000303000000000000" pitchFamily="2" charset="-128"/>
+              </a:rPr>
+              <a:t>매장 등록 </a:t>
+            </a:r>
+            <a:r>
+              <a:rPr lang="en-US" altLang="ko-KR" sz="2000" b="0" dirty="0">
+                <a:latin typeface="NanumBarunGothicOTF Light" panose="02000303000000000000" pitchFamily="2" charset="-128"/>
+                <a:ea typeface="NanumBarunGothicOTF Light" panose="02000303000000000000" pitchFamily="2" charset="-128"/>
+              </a:rPr>
+              <a:t>/ </a:t>
+            </a:r>
+            <a:r>
+              <a:rPr lang="ko-KR" altLang="en-US" sz="2000" b="0" dirty="0">
+                <a:latin typeface="NanumBarunGothicOTF Light" panose="02000303000000000000" pitchFamily="2" charset="-128"/>
+                <a:ea typeface="NanumBarunGothicOTF Light" panose="02000303000000000000" pitchFamily="2" charset="-128"/>
+              </a:rPr>
+              <a:t>리뷰 관리</a:t>
+            </a:r>
+            <a:r>
+              <a:rPr lang="en-US" altLang="ko-KR" sz="2000" b="0" dirty="0">
+                <a:latin typeface="NanumBarunGothicOTF Light" panose="02000303000000000000" pitchFamily="2" charset="-128"/>
+                <a:ea typeface="NanumBarunGothicOTF Light" panose="02000303000000000000" pitchFamily="2" charset="-128"/>
+              </a:rPr>
+              <a:t> / </a:t>
+            </a:r>
+            <a:r>
+              <a:rPr lang="ko-KR" altLang="en-US" sz="2000" b="0" dirty="0">
+                <a:latin typeface="NanumBarunGothicOTF Light" panose="02000303000000000000" pitchFamily="2" charset="-128"/>
+                <a:ea typeface="NanumBarunGothicOTF Light" panose="02000303000000000000" pitchFamily="2" charset="-128"/>
+              </a:rPr>
+              <a:t>메뉴 관리</a:t>
+            </a:r>
+            <a:r>
+              <a:rPr lang="en-US" altLang="ko-KR" sz="2000" b="0" dirty="0">
+                <a:latin typeface="NanumBarunGothicOTF Light" panose="02000303000000000000" pitchFamily="2" charset="-128"/>
+                <a:ea typeface="NanumBarunGothicOTF Light" panose="02000303000000000000" pitchFamily="2" charset="-128"/>
+              </a:rPr>
+              <a:t> /</a:t>
             </a:r>
           </a:p>
           <a:p>
             <a:pPr algn="l" defTabSz="584200">
+              <a:buSzPct val="100000"/>
               <a:defRPr sz="3400" b="0" spc="-102">
                 <a:latin typeface="나눔바른고딕OTF Light"/>
                 <a:ea typeface="나눔바른고딕OTF Light"/>
@@ -1829,15 +1927,66 @@
                 <a:sym typeface="나눔바른고딕OTF Light"/>
               </a:defRPr>
             </a:pPr>
-            <a:endParaRPr b="0" dirty="0">
-              <a:latin typeface="NanumBarunGothicOTF Light" panose="02000303000000000000" pitchFamily="2" charset="-128"/>
-              <a:ea typeface="NanumBarunGothicOTF Light" panose="02000303000000000000" pitchFamily="2" charset="-128"/>
-            </a:endParaRPr>
-          </a:p>
-          <a:p>
-            <a:pPr marL="380999" indent="-380999" algn="l" defTabSz="584200">
+            <a:r>
+              <a:rPr lang="en-US" altLang="ko-KR" sz="2000" b="0" dirty="0">
+                <a:latin typeface="NanumBarunGothicOTF Light" panose="02000303000000000000" pitchFamily="2" charset="-128"/>
+                <a:ea typeface="NanumBarunGothicOTF Light" panose="02000303000000000000" pitchFamily="2" charset="-128"/>
+              </a:rPr>
+              <a:t>     </a:t>
+            </a:r>
+            <a:r>
+              <a:rPr lang="ko-KR" altLang="en-US" sz="2000" b="0" dirty="0" err="1">
+                <a:latin typeface="NanumBarunGothicOTF Light" panose="02000303000000000000" pitchFamily="2" charset="-128"/>
+                <a:ea typeface="NanumBarunGothicOTF Light" panose="02000303000000000000" pitchFamily="2" charset="-128"/>
+              </a:rPr>
+              <a:t>채팅방</a:t>
+            </a:r>
+            <a:r>
+              <a:rPr lang="ko-KR" altLang="en-US" sz="2000" b="0" dirty="0">
+                <a:latin typeface="NanumBarunGothicOTF Light" panose="02000303000000000000" pitchFamily="2" charset="-128"/>
+                <a:ea typeface="NanumBarunGothicOTF Light" panose="02000303000000000000" pitchFamily="2" charset="-128"/>
+              </a:rPr>
+              <a:t> 관리 </a:t>
+            </a:r>
+            <a:r>
+              <a:rPr lang="en-US" altLang="ko-KR" sz="2000" b="0" dirty="0">
+                <a:latin typeface="NanumBarunGothicOTF Light" panose="02000303000000000000" pitchFamily="2" charset="-128"/>
+                <a:ea typeface="NanumBarunGothicOTF Light" panose="02000303000000000000" pitchFamily="2" charset="-128"/>
+              </a:rPr>
+              <a:t>/ </a:t>
+            </a:r>
+            <a:r>
+              <a:rPr lang="ko-KR" altLang="en-US" sz="2000" b="0" dirty="0">
+                <a:latin typeface="NanumBarunGothicOTF Light" panose="02000303000000000000" pitchFamily="2" charset="-128"/>
+                <a:ea typeface="NanumBarunGothicOTF Light" panose="02000303000000000000" pitchFamily="2" charset="-128"/>
+              </a:rPr>
+              <a:t>예약 설정</a:t>
+            </a:r>
+            <a:r>
+              <a:rPr lang="en-US" altLang="ko-KR" sz="2000" b="0" dirty="0">
+                <a:latin typeface="NanumBarunGothicOTF Light" panose="02000303000000000000" pitchFamily="2" charset="-128"/>
+                <a:ea typeface="NanumBarunGothicOTF Light" panose="02000303000000000000" pitchFamily="2" charset="-128"/>
+              </a:rPr>
+              <a:t> / </a:t>
+            </a:r>
+            <a:r>
+              <a:rPr lang="ko-KR" altLang="en-US" sz="2000" b="0" dirty="0">
+                <a:latin typeface="NanumBarunGothicOTF Light" panose="02000303000000000000" pitchFamily="2" charset="-128"/>
+                <a:ea typeface="NanumBarunGothicOTF Light" panose="02000303000000000000" pitchFamily="2" charset="-128"/>
+              </a:rPr>
+              <a:t>운영 설정 등</a:t>
+            </a:r>
+            <a:r>
+              <a:rPr lang="en-US" sz="2000" b="0" dirty="0">
+                <a:latin typeface="NanumBarunGothicOTF Light" panose="02000303000000000000" pitchFamily="2" charset="-128"/>
+                <a:ea typeface="NanumBarunGothicOTF Light" panose="02000303000000000000" pitchFamily="2" charset="-128"/>
+              </a:rPr>
+              <a:t>)</a:t>
+            </a:r>
+          </a:p>
+          <a:p>
+            <a:pPr algn="l" defTabSz="584200">
               <a:buSzPct val="100000"/>
-              <a:buAutoNum type="arabicPeriod" startAt="3"/>
               <a:defRPr sz="3400" b="0" spc="-102">
                 <a:latin typeface="나눔바른고딕OTF Light"/>
                 <a:ea typeface="나눔바른고딕OTF Light"/>
@@ -1845,34 +1994,14 @@
                 <a:sym typeface="나눔바른고딕OTF Light"/>
               </a:defRPr>
             </a:pPr>
-            <a:r>
-              <a:rPr b="0" dirty="0" err="1">
-                <a:latin typeface="NanumBarunGothicOTF Light" panose="02000303000000000000" pitchFamily="2" charset="-128"/>
-                <a:ea typeface="NanumBarunGothicOTF Light" panose="02000303000000000000" pitchFamily="2" charset="-128"/>
-              </a:rPr>
-              <a:t>선진사</a:t>
-            </a:r>
-            <a:r>
-              <a:rPr b="0" dirty="0">
-                <a:latin typeface="NanumBarunGothicOTF Light" panose="02000303000000000000" pitchFamily="2" charset="-128"/>
-                <a:ea typeface="NanumBarunGothicOTF Light" panose="02000303000000000000" pitchFamily="2" charset="-128"/>
-              </a:rPr>
-              <a:t> </a:t>
-            </a:r>
-            <a:r>
-              <a:rPr b="0" dirty="0" err="1">
-                <a:latin typeface="NanumBarunGothicOTF Light" panose="02000303000000000000" pitchFamily="2" charset="-128"/>
-                <a:ea typeface="NanumBarunGothicOTF Light" panose="02000303000000000000" pitchFamily="2" charset="-128"/>
-              </a:rPr>
-              <a:t>벤치마킹</a:t>
-            </a:r>
-            <a:endParaRPr b="0" dirty="0">
+            <a:endParaRPr lang="en-US" sz="2000" b="0" dirty="0">
               <a:latin typeface="NanumBarunGothicOTF Light" panose="02000303000000000000" pitchFamily="2" charset="-128"/>
               <a:ea typeface="NanumBarunGothicOTF Light" panose="02000303000000000000" pitchFamily="2" charset="-128"/>
             </a:endParaRPr>
           </a:p>
           <a:p>
             <a:pPr algn="l" defTabSz="584200">
+              <a:buSzPct val="100000"/>
               <a:defRPr sz="3400" b="0" spc="-102">
                 <a:latin typeface="나눔바른고딕OTF Light"/>
                 <a:ea typeface="나눔바른고딕OTF Light"/>
@@ -1880,15 +2009,59 @@
                 <a:sym typeface="나눔바른고딕OTF Light"/>
               </a:defRPr>
             </a:pPr>
-            <a:endParaRPr b="0" dirty="0">
-              <a:latin typeface="NanumBarunGothicOTF Light" panose="02000303000000000000" pitchFamily="2" charset="-128"/>
-              <a:ea typeface="NanumBarunGothicOTF Light" panose="02000303000000000000" pitchFamily="2" charset="-128"/>
-            </a:endParaRPr>
-          </a:p>
-          <a:p>
-            <a:pPr marL="380999" indent="-380999" algn="l" defTabSz="584200">
+            <a:r>
+              <a:rPr lang="en-US" sz="2500" b="0" dirty="0">
+                <a:latin typeface="NanumBarunGothicOTF Light" panose="02000303000000000000" pitchFamily="2" charset="-128"/>
+                <a:ea typeface="NanumBarunGothicOTF Light" panose="02000303000000000000" pitchFamily="2" charset="-128"/>
+              </a:rPr>
+              <a:t>2. </a:t>
+            </a:r>
+            <a:r>
+              <a:rPr lang="ko-KR" altLang="en-US" sz="2500" b="0" dirty="0">
+                <a:latin typeface="NanumBarunGothicOTF Light" panose="02000303000000000000" pitchFamily="2" charset="-128"/>
+                <a:ea typeface="NanumBarunGothicOTF Light" panose="02000303000000000000" pitchFamily="2" charset="-128"/>
+              </a:rPr>
+              <a:t>회원가입</a:t>
+            </a:r>
+            <a:r>
+              <a:rPr lang="en-US" altLang="ko-KR" sz="2500" b="0" dirty="0">
+                <a:latin typeface="NanumBarunGothicOTF Light" panose="02000303000000000000" pitchFamily="2" charset="-128"/>
+                <a:ea typeface="NanumBarunGothicOTF Light" panose="02000303000000000000" pitchFamily="2" charset="-128"/>
+              </a:rPr>
+              <a:t>/</a:t>
+            </a:r>
+            <a:r>
+              <a:rPr lang="ko-KR" altLang="en-US" sz="2500" b="0" dirty="0">
+                <a:latin typeface="NanumBarunGothicOTF Light" panose="02000303000000000000" pitchFamily="2" charset="-128"/>
+                <a:ea typeface="NanumBarunGothicOTF Light" panose="02000303000000000000" pitchFamily="2" charset="-128"/>
+              </a:rPr>
+              <a:t>로그인</a:t>
+            </a:r>
+            <a:r>
+              <a:rPr lang="en-US" altLang="ko-KR" sz="2500" b="0" dirty="0">
+                <a:latin typeface="NanumBarunGothicOTF Light" panose="02000303000000000000" pitchFamily="2" charset="-128"/>
+                <a:ea typeface="NanumBarunGothicOTF Light" panose="02000303000000000000" pitchFamily="2" charset="-128"/>
+              </a:rPr>
+              <a:t>(</a:t>
+            </a:r>
+            <a:r>
+              <a:rPr lang="ko-KR" altLang="en-US" sz="2500" b="0" dirty="0">
+                <a:latin typeface="NanumBarunGothicOTF Light" panose="02000303000000000000" pitchFamily="2" charset="-128"/>
+                <a:ea typeface="NanumBarunGothicOTF Light" panose="02000303000000000000" pitchFamily="2" charset="-128"/>
+              </a:rPr>
+              <a:t>앱</a:t>
+            </a:r>
+            <a:r>
+              <a:rPr lang="en-US" altLang="ko-KR" sz="2500" b="0" dirty="0">
+                <a:latin typeface="NanumBarunGothicOTF Light" panose="02000303000000000000" pitchFamily="2" charset="-128"/>
+                <a:ea typeface="NanumBarunGothicOTF Light" panose="02000303000000000000" pitchFamily="2" charset="-128"/>
+              </a:rPr>
+              <a:t>)</a:t>
+            </a:r>
+          </a:p>
+          <a:p>
+            <a:pPr algn="l" defTabSz="584200">
               <a:buSzPct val="100000"/>
-              <a:buAutoNum type="arabicPeriod" startAt="4"/>
               <a:defRPr sz="3400" b="0" spc="-102">
                 <a:latin typeface="나눔바른고딕OTF Light"/>
                 <a:ea typeface="나눔바른고딕OTF Light"/>
@@ -1897,15 +2070,65 @@
               </a:defRPr>
             </a:pPr>
             <a:r>
-              <a:rPr b="0" dirty="0">
-                <a:latin typeface="NanumBarunGothicOTF Light" panose="02000303000000000000" pitchFamily="2" charset="-128"/>
-                <a:ea typeface="NanumBarunGothicOTF Light" panose="02000303000000000000" pitchFamily="2" charset="-128"/>
-              </a:rPr>
-              <a:t>To-Be Workshop</a:t>
+              <a:rPr lang="en-US" altLang="ko-KR" sz="2000" b="0" dirty="0">
+                <a:latin typeface="NanumBarunGothicOTF Light" panose="02000303000000000000" pitchFamily="2" charset="-128"/>
+                <a:ea typeface="NanumBarunGothicOTF Light" panose="02000303000000000000" pitchFamily="2" charset="-128"/>
+              </a:rPr>
+              <a:t>    (</a:t>
+            </a:r>
+            <a:r>
+              <a:rPr lang="ko-KR" altLang="en-US" sz="2000" b="0" dirty="0">
+                <a:latin typeface="NanumBarunGothicOTF Light" panose="02000303000000000000" pitchFamily="2" charset="-128"/>
+                <a:ea typeface="NanumBarunGothicOTF Light" panose="02000303000000000000" pitchFamily="2" charset="-128"/>
+              </a:rPr>
+              <a:t>사용자 </a:t>
+            </a:r>
+            <a:r>
+              <a:rPr lang="en-US" altLang="ko-KR" sz="2000" b="0" dirty="0">
+                <a:latin typeface="NanumBarunGothicOTF Light" panose="02000303000000000000" pitchFamily="2" charset="-128"/>
+                <a:ea typeface="NanumBarunGothicOTF Light" panose="02000303000000000000" pitchFamily="2" charset="-128"/>
+              </a:rPr>
+              <a:t>/ </a:t>
+            </a:r>
+            <a:r>
+              <a:rPr lang="ko-KR" altLang="en-US" sz="2000" b="0" dirty="0">
+                <a:latin typeface="NanumBarunGothicOTF Light" panose="02000303000000000000" pitchFamily="2" charset="-128"/>
+                <a:ea typeface="NanumBarunGothicOTF Light" panose="02000303000000000000" pitchFamily="2" charset="-128"/>
+              </a:rPr>
+              <a:t>사업자 </a:t>
+            </a:r>
+            <a:r>
+              <a:rPr lang="en-US" altLang="ko-KR" sz="2000" b="0" dirty="0">
+                <a:latin typeface="NanumBarunGothicOTF Light" panose="02000303000000000000" pitchFamily="2" charset="-128"/>
+                <a:ea typeface="NanumBarunGothicOTF Light" panose="02000303000000000000" pitchFamily="2" charset="-128"/>
+              </a:rPr>
+              <a:t>/ </a:t>
+            </a:r>
+            <a:r>
+              <a:rPr lang="ko-KR" altLang="en-US" sz="2000" b="0" dirty="0" err="1">
+                <a:latin typeface="NanumBarunGothicOTF Light" panose="02000303000000000000" pitchFamily="2" charset="-128"/>
+                <a:ea typeface="NanumBarunGothicOTF Light" panose="02000303000000000000" pitchFamily="2" charset="-128"/>
+              </a:rPr>
+              <a:t>소셜로그인</a:t>
+            </a:r>
+            <a:r>
+              <a:rPr lang="ko-KR" altLang="en-US" sz="2000" b="0" dirty="0">
+                <a:latin typeface="NanumBarunGothicOTF Light" panose="02000303000000000000" pitchFamily="2" charset="-128"/>
+                <a:ea typeface="NanumBarunGothicOTF Light" panose="02000303000000000000" pitchFamily="2" charset="-128"/>
+              </a:rPr>
+              <a:t> </a:t>
+            </a:r>
+            <a:r>
+              <a:rPr lang="en-US" altLang="ko-KR" sz="2000" b="0" dirty="0">
+                <a:latin typeface="NanumBarunGothicOTF Light" panose="02000303000000000000" pitchFamily="2" charset="-128"/>
+                <a:ea typeface="NanumBarunGothicOTF Light" panose="02000303000000000000" pitchFamily="2" charset="-128"/>
+              </a:rPr>
+              <a:t>/ DB)</a:t>
             </a:r>
           </a:p>
           <a:p>
             <a:pPr algn="l" defTabSz="584200">
+              <a:buSzPct val="100000"/>
               <a:defRPr sz="3400" b="0" spc="-102">
                 <a:latin typeface="나눔바른고딕OTF Light"/>
                 <a:ea typeface="나눔바른고딕OTF Light"/>
@@ -1913,15 +2136,14 @@
                 <a:sym typeface="나눔바른고딕OTF Light"/>
               </a:defRPr>
             </a:pPr>
-            <a:endParaRPr b="0" dirty="0">
+            <a:endParaRPr lang="en-US" sz="2000" b="0" dirty="0">
               <a:latin typeface="NanumBarunGothicOTF Light" panose="02000303000000000000" pitchFamily="2" charset="-128"/>
               <a:ea typeface="NanumBarunGothicOTF Light" panose="02000303000000000000" pitchFamily="2" charset="-128"/>
             </a:endParaRPr>
           </a:p>
           <a:p>
-            <a:pPr marL="380999" indent="-380999" algn="l" defTabSz="584200">
+            <a:pPr algn="l" defTabSz="584200">
               <a:buSzPct val="100000"/>
-              <a:buAutoNum type="arabicPeriod" startAt="5"/>
               <a:defRPr sz="3400" b="0" spc="-102">
                 <a:latin typeface="나눔바른고딕OTF Light"/>
                 <a:ea typeface="나눔바른고딕OTF Light"/>
@@ -1930,195 +2152,44 @@
               </a:defRPr>
             </a:pPr>
             <a:r>
-              <a:rPr b="0" dirty="0" err="1">
-                <a:latin typeface="NanumBarunGothicOTF Light" panose="02000303000000000000" pitchFamily="2" charset="-128"/>
-                <a:ea typeface="NanumBarunGothicOTF Light" panose="02000303000000000000" pitchFamily="2" charset="-128"/>
-              </a:rPr>
-              <a:t>시스템</a:t>
-            </a:r>
-            <a:r>
-              <a:rPr b="0" dirty="0">
-                <a:latin typeface="NanumBarunGothicOTF Light" panose="02000303000000000000" pitchFamily="2" charset="-128"/>
-                <a:ea typeface="NanumBarunGothicOTF Light" panose="02000303000000000000" pitchFamily="2" charset="-128"/>
-              </a:rPr>
-              <a:t> </a:t>
-            </a:r>
-            <a:r>
-              <a:rPr b="0" dirty="0" err="1">
-                <a:latin typeface="NanumBarunGothicOTF Light" panose="02000303000000000000" pitchFamily="2" charset="-128"/>
-                <a:ea typeface="NanumBarunGothicOTF Light" panose="02000303000000000000" pitchFamily="2" charset="-128"/>
-              </a:rPr>
-              <a:t>구축</a:t>
-            </a:r>
-            <a:endParaRPr b="0" dirty="0">
-              <a:latin typeface="NanumBarunGothicOTF Light" panose="02000303000000000000" pitchFamily="2" charset="-128"/>
-              <a:ea typeface="NanumBarunGothicOTF Light" panose="02000303000000000000" pitchFamily="2" charset="-128"/>
-            </a:endParaRPr>
-          </a:p>
-          <a:p>
-            <a:pPr marL="698500" lvl="1" indent="-444500" algn="l" defTabSz="584200">
-              <a:buSzPct val="125000"/>
-              <a:buChar char="•"/>
-              <a:defRPr sz="2600" b="0" spc="-78">
-                <a:latin typeface="나눔바른고딕OTF Light"/>
-                <a:ea typeface="나눔바른고딕OTF Light"/>
-                <a:cs typeface="나눔바른고딕OTF Light"/>
-                <a:sym typeface="나눔바른고딕OTF Light"/>
-              </a:defRPr>
-            </a:pPr>
-            <a:r>
-              <a:rPr b="0" dirty="0" err="1">
-                <a:latin typeface="NanumBarunGothicOTF Light" panose="02000303000000000000" pitchFamily="2" charset="-128"/>
-                <a:ea typeface="NanumBarunGothicOTF Light" panose="02000303000000000000" pitchFamily="2" charset="-128"/>
-              </a:rPr>
-              <a:t>프로세스</a:t>
-            </a:r>
-            <a:r>
-              <a:rPr b="0" dirty="0">
-                <a:latin typeface="NanumBarunGothicOTF Light" panose="02000303000000000000" pitchFamily="2" charset="-128"/>
-                <a:ea typeface="NanumBarunGothicOTF Light" panose="02000303000000000000" pitchFamily="2" charset="-128"/>
-              </a:rPr>
-              <a:t>, </a:t>
-            </a:r>
-            <a:r>
-              <a:rPr b="0" dirty="0" err="1">
-                <a:latin typeface="NanumBarunGothicOTF Light" panose="02000303000000000000" pitchFamily="2" charset="-128"/>
-                <a:ea typeface="NanumBarunGothicOTF Light" panose="02000303000000000000" pitchFamily="2" charset="-128"/>
-              </a:rPr>
-              <a:t>업무</a:t>
-            </a:r>
-            <a:r>
-              <a:rPr b="0" dirty="0">
-                <a:latin typeface="NanumBarunGothicOTF Light" panose="02000303000000000000" pitchFamily="2" charset="-128"/>
-                <a:ea typeface="NanumBarunGothicOTF Light" panose="02000303000000000000" pitchFamily="2" charset="-128"/>
-              </a:rPr>
-              <a:t> </a:t>
-            </a:r>
-            <a:r>
-              <a:rPr b="0" dirty="0" err="1">
-                <a:latin typeface="NanumBarunGothicOTF Light" panose="02000303000000000000" pitchFamily="2" charset="-128"/>
-                <a:ea typeface="NanumBarunGothicOTF Light" panose="02000303000000000000" pitchFamily="2" charset="-128"/>
-              </a:rPr>
-              <a:t>절차</a:t>
-            </a:r>
-            <a:r>
-              <a:rPr b="0" dirty="0">
-                <a:latin typeface="NanumBarunGothicOTF Light" panose="02000303000000000000" pitchFamily="2" charset="-128"/>
-                <a:ea typeface="NanumBarunGothicOTF Light" panose="02000303000000000000" pitchFamily="2" charset="-128"/>
-              </a:rPr>
-              <a:t> </a:t>
-            </a:r>
-            <a:r>
-              <a:rPr b="0" dirty="0" err="1">
-                <a:latin typeface="NanumBarunGothicOTF Light" panose="02000303000000000000" pitchFamily="2" charset="-128"/>
-                <a:ea typeface="NanumBarunGothicOTF Light" panose="02000303000000000000" pitchFamily="2" charset="-128"/>
-              </a:rPr>
-              <a:t>정의</a:t>
-            </a:r>
-            <a:endParaRPr b="0" dirty="0">
-              <a:latin typeface="NanumBarunGothicOTF Light" panose="02000303000000000000" pitchFamily="2" charset="-128"/>
-              <a:ea typeface="NanumBarunGothicOTF Light" panose="02000303000000000000" pitchFamily="2" charset="-128"/>
-            </a:endParaRPr>
-          </a:p>
-          <a:p>
-            <a:pPr marL="698500" lvl="1" indent="-444500" algn="l" defTabSz="584200">
-              <a:buSzPct val="125000"/>
-              <a:buChar char="•"/>
-              <a:defRPr sz="2600" b="0" spc="-78">
-                <a:latin typeface="나눔바른고딕OTF Light"/>
-                <a:ea typeface="나눔바른고딕OTF Light"/>
-                <a:cs typeface="나눔바른고딕OTF Light"/>
-                <a:sym typeface="나눔바른고딕OTF Light"/>
-              </a:defRPr>
-            </a:pPr>
-            <a:r>
-              <a:rPr b="0" dirty="0">
-                <a:latin typeface="NanumBarunGothicOTF Light" panose="02000303000000000000" pitchFamily="2" charset="-128"/>
-                <a:ea typeface="NanumBarunGothicOTF Light" panose="02000303000000000000" pitchFamily="2" charset="-128"/>
-              </a:rPr>
-              <a:t>ERP </a:t>
-            </a:r>
-            <a:r>
-              <a:rPr b="0" dirty="0" err="1">
-                <a:latin typeface="NanumBarunGothicOTF Light" panose="02000303000000000000" pitchFamily="2" charset="-128"/>
-                <a:ea typeface="NanumBarunGothicOTF Light" panose="02000303000000000000" pitchFamily="2" charset="-128"/>
-              </a:rPr>
-              <a:t>시스템</a:t>
-            </a:r>
-            <a:r>
-              <a:rPr b="0" dirty="0">
-                <a:latin typeface="NanumBarunGothicOTF Light" panose="02000303000000000000" pitchFamily="2" charset="-128"/>
-                <a:ea typeface="NanumBarunGothicOTF Light" panose="02000303000000000000" pitchFamily="2" charset="-128"/>
-              </a:rPr>
-              <a:t> </a:t>
-            </a:r>
-            <a:r>
-              <a:rPr b="0" dirty="0" err="1">
-                <a:latin typeface="NanumBarunGothicOTF Light" panose="02000303000000000000" pitchFamily="2" charset="-128"/>
-                <a:ea typeface="NanumBarunGothicOTF Light" panose="02000303000000000000" pitchFamily="2" charset="-128"/>
-              </a:rPr>
-              <a:t>구축</a:t>
-            </a:r>
-            <a:endParaRPr b="0" dirty="0">
-              <a:latin typeface="NanumBarunGothicOTF Light" panose="02000303000000000000" pitchFamily="2" charset="-128"/>
-              <a:ea typeface="NanumBarunGothicOTF Light" panose="02000303000000000000" pitchFamily="2" charset="-128"/>
-            </a:endParaRPr>
-          </a:p>
-          <a:p>
-            <a:pPr marL="698500" lvl="1" indent="-444500" algn="l" defTabSz="584200">
-              <a:buSzPct val="125000"/>
-              <a:buChar char="•"/>
-              <a:defRPr sz="2600" b="0" spc="-78">
-                <a:latin typeface="나눔바른고딕OTF Light"/>
-                <a:ea typeface="나눔바른고딕OTF Light"/>
-                <a:cs typeface="나눔바른고딕OTF Light"/>
-                <a:sym typeface="나눔바른고딕OTF Light"/>
-              </a:defRPr>
-            </a:pPr>
-            <a:r>
-              <a:rPr b="0" dirty="0" err="1">
-                <a:latin typeface="NanumBarunGothicOTF Light" panose="02000303000000000000" pitchFamily="2" charset="-128"/>
-                <a:ea typeface="NanumBarunGothicOTF Light" panose="02000303000000000000" pitchFamily="2" charset="-128"/>
-              </a:rPr>
-              <a:t>표준화</a:t>
-            </a:r>
-            <a:r>
-              <a:rPr b="0" dirty="0">
-                <a:latin typeface="NanumBarunGothicOTF Light" panose="02000303000000000000" pitchFamily="2" charset="-128"/>
-                <a:ea typeface="NanumBarunGothicOTF Light" panose="02000303000000000000" pitchFamily="2" charset="-128"/>
-              </a:rPr>
-              <a:t> </a:t>
-            </a:r>
-            <a:r>
-              <a:rPr b="0" dirty="0" err="1">
-                <a:latin typeface="NanumBarunGothicOTF Light" panose="02000303000000000000" pitchFamily="2" charset="-128"/>
-                <a:ea typeface="NanumBarunGothicOTF Light" panose="02000303000000000000" pitchFamily="2" charset="-128"/>
-              </a:rPr>
-              <a:t>작업</a:t>
-            </a:r>
-            <a:endParaRPr b="0" dirty="0">
-              <a:latin typeface="NanumBarunGothicOTF Light" panose="02000303000000000000" pitchFamily="2" charset="-128"/>
-              <a:ea typeface="NanumBarunGothicOTF Light" panose="02000303000000000000" pitchFamily="2" charset="-128"/>
-            </a:endParaRPr>
+              <a:rPr lang="en-US" sz="2500" b="0" dirty="0">
+                <a:latin typeface="NanumBarunGothicOTF Light" panose="02000303000000000000" pitchFamily="2" charset="-128"/>
+                <a:ea typeface="NanumBarunGothicOTF Light" panose="02000303000000000000" pitchFamily="2" charset="-128"/>
+              </a:rPr>
+              <a:t>3. </a:t>
+            </a:r>
+            <a:r>
+              <a:rPr lang="ko-KR" altLang="en-US" sz="2500" b="0" dirty="0">
+                <a:latin typeface="NanumBarunGothicOTF Light" panose="02000303000000000000" pitchFamily="2" charset="-128"/>
+                <a:ea typeface="NanumBarunGothicOTF Light" panose="02000303000000000000" pitchFamily="2" charset="-128"/>
+              </a:rPr>
+              <a:t>사업자 기능 구현</a:t>
+            </a:r>
+            <a:r>
+              <a:rPr lang="en-US" altLang="ko-KR" sz="2500" b="0" dirty="0">
+                <a:latin typeface="NanumBarunGothicOTF Light" panose="02000303000000000000" pitchFamily="2" charset="-128"/>
+                <a:ea typeface="NanumBarunGothicOTF Light" panose="02000303000000000000" pitchFamily="2" charset="-128"/>
+              </a:rPr>
+              <a:t>(</a:t>
+            </a:r>
+            <a:r>
+              <a:rPr lang="ko-KR" altLang="en-US" sz="2500" b="0" dirty="0">
+                <a:latin typeface="NanumBarunGothicOTF Light" panose="02000303000000000000" pitchFamily="2" charset="-128"/>
+                <a:ea typeface="NanumBarunGothicOTF Light" panose="02000303000000000000" pitchFamily="2" charset="-128"/>
+              </a:rPr>
+              <a:t>앱</a:t>
+            </a:r>
+            <a:r>
+              <a:rPr lang="en-US" altLang="ko-KR" sz="2500" b="0" dirty="0">
+                <a:latin typeface="NanumBarunGothicOTF Light" panose="02000303000000000000" pitchFamily="2" charset="-128"/>
+                <a:ea typeface="NanumBarunGothicOTF Light" panose="02000303000000000000" pitchFamily="2" charset="-128"/>
+              </a:rPr>
+              <a:t>)</a:t>
+            </a:r>
           </a:p>
           <a:p>
             <a:pPr algn="l" defTabSz="584200">
-              <a:defRPr sz="2600" b="0" spc="-78">
-                <a:latin typeface="나눔바른고딕OTF Light"/>
-                <a:ea typeface="나눔바른고딕OTF Light"/>
-                <a:cs typeface="나눔바른고딕OTF Light"/>
-                <a:sym typeface="나눔바른고딕OTF Light"/>
-              </a:defRPr>
-            </a:pPr>
-            <a:endParaRPr b="0" dirty="0">
-              <a:latin typeface="NanumBarunGothicOTF Light" panose="02000303000000000000" pitchFamily="2" charset="-128"/>
-              <a:ea typeface="NanumBarunGothicOTF Light" panose="02000303000000000000" pitchFamily="2" charset="-128"/>
-            </a:endParaRPr>
-          </a:p>
-          <a:p>
-            <a:pPr marL="380999" indent="-380999" algn="l" defTabSz="584200">
               <a:buSzPct val="100000"/>
-              <a:buAutoNum type="arabicPeriod" startAt="6"/>
               <a:defRPr sz="3400" b="0" spc="-102">
                 <a:latin typeface="나눔바른고딕OTF Light"/>
                 <a:ea typeface="나눔바른고딕OTF Light"/>
@@ -2127,33 +2198,58 @@
               </a:defRPr>
             </a:pPr>
             <a:r>
-              <a:rPr b="0" dirty="0" err="1">
-                <a:latin typeface="NanumBarunGothicOTF Light" panose="02000303000000000000" pitchFamily="2" charset="-128"/>
-                <a:ea typeface="NanumBarunGothicOTF Light" panose="02000303000000000000" pitchFamily="2" charset="-128"/>
-              </a:rPr>
-              <a:t>사용자</a:t>
-            </a:r>
-            <a:r>
-              <a:rPr b="0" dirty="0">
-                <a:latin typeface="NanumBarunGothicOTF Light" panose="02000303000000000000" pitchFamily="2" charset="-128"/>
-                <a:ea typeface="NanumBarunGothicOTF Light" panose="02000303000000000000" pitchFamily="2" charset="-128"/>
-              </a:rPr>
-              <a:t> </a:t>
-            </a:r>
-            <a:r>
-              <a:rPr b="0" dirty="0" err="1">
-                <a:latin typeface="NanumBarunGothicOTF Light" panose="02000303000000000000" pitchFamily="2" charset="-128"/>
-                <a:ea typeface="NanumBarunGothicOTF Light" panose="02000303000000000000" pitchFamily="2" charset="-128"/>
-              </a:rPr>
-              <a:t>교육</a:t>
-            </a:r>
-            <a:endParaRPr b="0" dirty="0">
-              <a:latin typeface="NanumBarunGothicOTF Light" panose="02000303000000000000" pitchFamily="2" charset="-128"/>
-              <a:ea typeface="NanumBarunGothicOTF Light" panose="02000303000000000000" pitchFamily="2" charset="-128"/>
-            </a:endParaRPr>
+              <a:rPr lang="en-US" altLang="ko-KR" sz="2000" b="0" dirty="0">
+                <a:latin typeface="NanumBarunGothicOTF Light" panose="02000303000000000000" pitchFamily="2" charset="-128"/>
+                <a:ea typeface="NanumBarunGothicOTF Light" panose="02000303000000000000" pitchFamily="2" charset="-128"/>
+              </a:rPr>
+              <a:t>    (</a:t>
+            </a:r>
+            <a:r>
+              <a:rPr lang="ko-KR" altLang="en-US" sz="2000" b="0" dirty="0">
+                <a:latin typeface="NanumBarunGothicOTF Light" panose="02000303000000000000" pitchFamily="2" charset="-128"/>
+                <a:ea typeface="NanumBarunGothicOTF Light" panose="02000303000000000000" pitchFamily="2" charset="-128"/>
+              </a:rPr>
+              <a:t>매장 등록 </a:t>
+            </a:r>
+            <a:r>
+              <a:rPr lang="en-US" altLang="ko-KR" sz="2000" b="0" dirty="0">
+                <a:latin typeface="NanumBarunGothicOTF Light" panose="02000303000000000000" pitchFamily="2" charset="-128"/>
+                <a:ea typeface="NanumBarunGothicOTF Light" panose="02000303000000000000" pitchFamily="2" charset="-128"/>
+              </a:rPr>
+              <a:t>/ </a:t>
+            </a:r>
+            <a:r>
+              <a:rPr lang="ko-KR" altLang="en-US" sz="2000" b="0" dirty="0">
+                <a:latin typeface="NanumBarunGothicOTF Light" panose="02000303000000000000" pitchFamily="2" charset="-128"/>
+                <a:ea typeface="NanumBarunGothicOTF Light" panose="02000303000000000000" pitchFamily="2" charset="-128"/>
+              </a:rPr>
+              <a:t>리뷰 관리 </a:t>
+            </a:r>
+            <a:r>
+              <a:rPr lang="en-US" altLang="ko-KR" sz="2000" b="0" dirty="0">
+                <a:latin typeface="NanumBarunGothicOTF Light" panose="02000303000000000000" pitchFamily="2" charset="-128"/>
+                <a:ea typeface="NanumBarunGothicOTF Light" panose="02000303000000000000" pitchFamily="2" charset="-128"/>
+              </a:rPr>
+              <a:t>/ </a:t>
+            </a:r>
+            <a:r>
+              <a:rPr lang="ko-KR" altLang="en-US" sz="2000" b="0" dirty="0">
+                <a:latin typeface="NanumBarunGothicOTF Light" panose="02000303000000000000" pitchFamily="2" charset="-128"/>
+                <a:ea typeface="NanumBarunGothicOTF Light" panose="02000303000000000000" pitchFamily="2" charset="-128"/>
+              </a:rPr>
+              <a:t>메뉴 관리 </a:t>
+            </a:r>
+            <a:r>
+              <a:rPr lang="en-US" altLang="ko-KR" sz="2000" b="0" dirty="0">
+                <a:latin typeface="NanumBarunGothicOTF Light" panose="02000303000000000000" pitchFamily="2" charset="-128"/>
+                <a:ea typeface="NanumBarunGothicOTF Light" panose="02000303000000000000" pitchFamily="2" charset="-128"/>
+              </a:rPr>
+              <a:t>/</a:t>
+            </a:r>
           </a:p>
           <a:p>
             <a:pPr algn="l" defTabSz="584200">
+              <a:buSzPct val="100000"/>
               <a:defRPr sz="3400" b="0" spc="-102">
                 <a:latin typeface="나눔바른고딕OTF Light"/>
                 <a:ea typeface="나눔바른고딕OTF Light"/>
@@ -2161,83 +2257,61 @@
                 <a:sym typeface="나눔바른고딕OTF Light"/>
               </a:defRPr>
             </a:pPr>
-            <a:endParaRPr b="0" dirty="0">
-              <a:latin typeface="NanumBarunGothicOTF Light" panose="02000303000000000000" pitchFamily="2" charset="-128"/>
-              <a:ea typeface="NanumBarunGothicOTF Light" panose="02000303000000000000" pitchFamily="2" charset="-128"/>
-            </a:endParaRPr>
-          </a:p>
-          <a:p>
-            <a:pPr marL="380999" indent="-380999" algn="l" defTabSz="584200">
-              <a:buSzPct val="100000"/>
-              <a:buAutoNum type="arabicPeriod" startAt="7"/>
-              <a:defRPr sz="3400" b="0" spc="-102">
-                <a:latin typeface="나눔바른고딕OTF Light"/>
-                <a:ea typeface="나눔바른고딕OTF Light"/>
-                <a:cs typeface="나눔바른고딕OTF Light"/>
-                <a:sym typeface="나눔바른고딕OTF Light"/>
-              </a:defRPr>
-            </a:pPr>
-            <a:r>
-              <a:rPr b="0" dirty="0" err="1">
-                <a:latin typeface="NanumBarunGothicOTF Light" panose="02000303000000000000" pitchFamily="2" charset="-128"/>
-                <a:ea typeface="NanumBarunGothicOTF Light" panose="02000303000000000000" pitchFamily="2" charset="-128"/>
-              </a:rPr>
-              <a:t>병행</a:t>
-            </a:r>
-            <a:r>
-              <a:rPr b="0" dirty="0">
-                <a:latin typeface="NanumBarunGothicOTF Light" panose="02000303000000000000" pitchFamily="2" charset="-128"/>
-                <a:ea typeface="NanumBarunGothicOTF Light" panose="02000303000000000000" pitchFamily="2" charset="-128"/>
-              </a:rPr>
-              <a:t>  Test</a:t>
-            </a:r>
-          </a:p>
-        </p:txBody>
-      </p:sp>
-      <p:sp>
-        <p:nvSpPr>
-          <p:cNvPr id="28" name="Agenda"/>
-          <p:cNvSpPr txBox="1"/>
-          <p:nvPr/>
-        </p:nvSpPr>
-        <p:spPr>
-          <a:xfrm>
-            <a:off x="1972320" y="885529"/>
-            <a:ext cx="2271456" cy="795089"/>
-          </a:xfrm>
-          <a:prstGeom prst="rect">
-            <a:avLst/>
-          </a:prstGeom>
-          <a:ln w="12700">
-            <a:miter lim="400000"/>
-          </a:ln>
-          <a:extLst>
-            <a:ext uri="{C572A759-6A51-4108-AA02-DFA0A04FC94B}">
-              <ma14:wrappingTextBoxFlag xmlns="" xmlns:m="http://schemas.openxmlformats.org/officeDocument/2006/math" xmlns:a14="http://schemas.microsoft.com/office/drawing/2010/main" xmlns:ma14="http://schemas.microsoft.com/office/mac/drawingml/2011/main" val="1"/>
-            </a:ext>
-          </a:extLst>
-        </p:spPr>
-        <p:txBody>
-          <a:bodyPr wrap="none" lIns="50800" tIns="50800" rIns="50800" bIns="50800">
-            <a:spAutoFit/>
-          </a:bodyPr>
-          <a:lstStyle>
-            <a:lvl1pPr algn="l">
-              <a:defRPr sz="4500" b="0">
-                <a:latin typeface="나눔바른고딕OTF Light"/>
-                <a:ea typeface="나눔바른고딕OTF Light"/>
-                <a:cs typeface="나눔바른고딕OTF Light"/>
-                <a:sym typeface="나눔바른고딕OTF Light"/>
-              </a:defRPr>
-            </a:lvl1pPr>
-          </a:lstStyle>
-          <a:p>
-            <a:r>
-              <a:rPr dirty="0">
-                <a:latin typeface="NanumBarunGothicOTF Light" panose="02000303000000000000" pitchFamily="2" charset="-128"/>
-                <a:ea typeface="NanumBarunGothicOTF Light" panose="02000303000000000000" pitchFamily="2" charset="-128"/>
-              </a:rPr>
-              <a:t> Agenda</a:t>
+            <a:r>
+              <a:rPr lang="en-US" altLang="ko-KR" sz="2000" b="0" dirty="0">
+                <a:latin typeface="NanumBarunGothicOTF Light" panose="02000303000000000000" pitchFamily="2" charset="-128"/>
+                <a:ea typeface="NanumBarunGothicOTF Light" panose="02000303000000000000" pitchFamily="2" charset="-128"/>
+              </a:rPr>
+              <a:t>     </a:t>
+            </a:r>
+            <a:r>
+              <a:rPr lang="ko-KR" altLang="en-US" sz="2000" b="0" dirty="0" err="1">
+                <a:latin typeface="NanumBarunGothicOTF Light" panose="02000303000000000000" pitchFamily="2" charset="-128"/>
+                <a:ea typeface="NanumBarunGothicOTF Light" panose="02000303000000000000" pitchFamily="2" charset="-128"/>
+              </a:rPr>
+              <a:t>채팅방</a:t>
+            </a:r>
+            <a:r>
+              <a:rPr lang="ko-KR" altLang="en-US" sz="2000" b="0" dirty="0">
+                <a:latin typeface="NanumBarunGothicOTF Light" panose="02000303000000000000" pitchFamily="2" charset="-128"/>
+                <a:ea typeface="NanumBarunGothicOTF Light" panose="02000303000000000000" pitchFamily="2" charset="-128"/>
+              </a:rPr>
+              <a:t> 관리 </a:t>
+            </a:r>
+            <a:r>
+              <a:rPr lang="en-US" altLang="ko-KR" sz="2000" b="0" dirty="0">
+                <a:latin typeface="NanumBarunGothicOTF Light" panose="02000303000000000000" pitchFamily="2" charset="-128"/>
+                <a:ea typeface="NanumBarunGothicOTF Light" panose="02000303000000000000" pitchFamily="2" charset="-128"/>
+              </a:rPr>
+              <a:t>/ </a:t>
+            </a:r>
+            <a:r>
+              <a:rPr lang="ko-KR" altLang="en-US" sz="2000" b="0" dirty="0">
+                <a:latin typeface="NanumBarunGothicOTF Light" panose="02000303000000000000" pitchFamily="2" charset="-128"/>
+                <a:ea typeface="NanumBarunGothicOTF Light" panose="02000303000000000000" pitchFamily="2" charset="-128"/>
+              </a:rPr>
+              <a:t>예약 설정 </a:t>
+            </a:r>
+            <a:r>
+              <a:rPr lang="en-US" altLang="ko-KR" sz="2000" b="0" dirty="0">
+                <a:latin typeface="NanumBarunGothicOTF Light" panose="02000303000000000000" pitchFamily="2" charset="-128"/>
+                <a:ea typeface="NanumBarunGothicOTF Light" panose="02000303000000000000" pitchFamily="2" charset="-128"/>
+              </a:rPr>
+              <a:t>/ </a:t>
+            </a:r>
+            <a:r>
+              <a:rPr lang="ko-KR" altLang="en-US" sz="2000" b="0" dirty="0">
+                <a:latin typeface="NanumBarunGothicOTF Light" panose="02000303000000000000" pitchFamily="2" charset="-128"/>
+                <a:ea typeface="NanumBarunGothicOTF Light" panose="02000303000000000000" pitchFamily="2" charset="-128"/>
+              </a:rPr>
+              <a:t>운영 설정</a:t>
+            </a:r>
+            <a:r>
+              <a:rPr lang="en-US" altLang="ko-KR" sz="2000" b="0" dirty="0">
+                <a:latin typeface="NanumBarunGothicOTF Light" panose="02000303000000000000" pitchFamily="2" charset="-128"/>
+                <a:ea typeface="NanumBarunGothicOTF Light" panose="02000303000000000000" pitchFamily="2" charset="-128"/>
+              </a:rPr>
+              <a:t>)</a:t>
             </a:r>
           </a:p>
         </p:txBody>
@@ -2261,7 +2335,7 @@
           </a:ln>
           <a:extLst>
             <a:ext uri="{C572A759-6A51-4108-AA02-DFA0A04FC94B}">
-              <ma14:wrappingTextBoxFlag xmlns="" xmlns:m="http://schemas.openxmlformats.org/officeDocument/2006/math" xmlns:a14="http://schemas.microsoft.com/office/drawing/2010/main" xmlns:ma14="http://schemas.microsoft.com/office/mac/drawingml/2011/main" val="1"/>
+              <ma14:wrappingTextBoxFlag xmlns:ma14="http://schemas.microsoft.com/office/mac/drawingml/2011/main" xmlns:a14="http://schemas.microsoft.com/office/drawing/2010/main" xmlns:m="http://schemas.openxmlformats.org/officeDocument/2006/math" xmlns="" val="1"/>
             </a:ext>
           </a:extLst>
         </p:spPr>
@@ -2314,7 +2388,7 @@
           </a:ln>
           <a:extLst>
             <a:ext uri="{C572A759-6A51-4108-AA02-DFA0A04FC94B}">
-              <ma14:wrappingTextBoxFlag xmlns="" xmlns:m="http://schemas.openxmlformats.org/officeDocument/2006/math" xmlns:a14="http://schemas.microsoft.com/office/drawing/2010/main" xmlns:ma14="http://schemas.microsoft.com/office/mac/drawingml/2011/main" val="1"/>
+              <ma14:wrappingTextBoxFlag xmlns:ma14="http://schemas.microsoft.com/office/mac/drawingml/2011/main" xmlns:a14="http://schemas.microsoft.com/office/drawing/2010/main" xmlns:m="http://schemas.openxmlformats.org/officeDocument/2006/math" xmlns="" val="1"/>
             </a:ext>
           </a:extLst>
         </p:spPr>
@@ -2336,12 +2410,22 @@
           <a:p>
             <a:r>
               <a:rPr lang="en-US" dirty="0">
+                <a:solidFill>
+                  <a:schemeClr val="bg2">
+                    <a:lumMod val="90000"/>
+                  </a:schemeClr>
+                </a:solidFill>
                 <a:latin typeface="NanumBarunGothicOTF Light" panose="02000303000000000000" pitchFamily="2" charset="-128"/>
                 <a:ea typeface="NanumBarunGothicOTF Light" panose="02000303000000000000" pitchFamily="2" charset="-128"/>
               </a:rPr>
               <a:t>28</a:t>
             </a:r>
             <a:endParaRPr dirty="0">
+              <a:solidFill>
+                <a:schemeClr val="bg2">
+                  <a:lumMod val="90000"/>
+                </a:schemeClr>
+              </a:solidFill>
               <a:latin typeface="NanumBarunGothicOTF Light" panose="02000303000000000000" pitchFamily="2" charset="-128"/>
               <a:ea typeface="NanumBarunGothicOTF Light" panose="02000303000000000000" pitchFamily="2" charset="-128"/>
             </a:endParaRPr>
@@ -2431,7 +2515,7 @@
           </a:ln>
           <a:extLst>
             <a:ext uri="{C572A759-6A51-4108-AA02-DFA0A04FC94B}">
-              <ma14:wrappingTextBoxFlag xmlns="" xmlns:m="http://schemas.openxmlformats.org/officeDocument/2006/math" xmlns:a14="http://schemas.microsoft.com/office/drawing/2010/main" xmlns:ma14="http://schemas.microsoft.com/office/mac/drawingml/2011/main" val="1"/>
+              <ma14:wrappingTextBoxFlag xmlns:ma14="http://schemas.microsoft.com/office/mac/drawingml/2011/main" xmlns:a14="http://schemas.microsoft.com/office/drawing/2010/main" xmlns:m="http://schemas.openxmlformats.org/officeDocument/2006/math" xmlns="" val="1"/>
             </a:ext>
           </a:extLst>
         </p:spPr>
@@ -2484,7 +2568,7 @@
           </a:ln>
           <a:extLst>
             <a:ext uri="{C572A759-6A51-4108-AA02-DFA0A04FC94B}">
-              <ma14:wrappingTextBoxFlag xmlns="" xmlns:m="http://schemas.openxmlformats.org/officeDocument/2006/math" xmlns:a14="http://schemas.microsoft.com/office/drawing/2010/main" xmlns:ma14="http://schemas.microsoft.com/office/mac/drawingml/2011/main" val="1"/>
+              <ma14:wrappingTextBoxFlag xmlns:ma14="http://schemas.microsoft.com/office/mac/drawingml/2011/main" xmlns:a14="http://schemas.microsoft.com/office/drawing/2010/main" xmlns:m="http://schemas.openxmlformats.org/officeDocument/2006/math" xmlns="" val="1"/>
             </a:ext>
           </a:extLst>
         </p:spPr>
@@ -2502,13 +2586,19 @@
           </a:lstStyle>
           <a:p>
             <a:r>
-              <a:rPr lang="en-US" dirty="0">
+              <a:rPr lang="en-US" b="1" dirty="0">
+                <a:solidFill>
+                  <a:srgbClr val="FF0000"/>
+                </a:solidFill>
                 <a:latin typeface="NanumBarunGothicOTF Light" panose="02000303000000000000" pitchFamily="2" charset="-128"/>
                 <a:ea typeface="NanumBarunGothicOTF Light" panose="02000303000000000000" pitchFamily="2" charset="-128"/>
               </a:rPr>
               <a:t>1</a:t>
             </a:r>
-            <a:endParaRPr dirty="0">
+            <a:endParaRPr b="1" dirty="0">
+              <a:solidFill>
+                <a:srgbClr val="FF0000"/>
+              </a:solidFill>
               <a:latin typeface="NanumBarunGothicOTF Light" panose="02000303000000000000" pitchFamily="2" charset="-128"/>
               <a:ea typeface="NanumBarunGothicOTF Light" panose="02000303000000000000" pitchFamily="2" charset="-128"/>
             </a:endParaRPr>
@@ -2574,7 +2664,7 @@
           </a:ln>
           <a:extLst>
             <a:ext uri="{C572A759-6A51-4108-AA02-DFA0A04FC94B}">
-              <ma14:wrappingTextBoxFlag xmlns="" xmlns:m="http://schemas.openxmlformats.org/officeDocument/2006/math" xmlns:a14="http://schemas.microsoft.com/office/drawing/2010/main" xmlns:ma14="http://schemas.microsoft.com/office/mac/drawingml/2011/main" val="1"/>
+              <ma14:wrappingTextBoxFlag xmlns:ma14="http://schemas.microsoft.com/office/mac/drawingml/2011/main" xmlns:a14="http://schemas.microsoft.com/office/drawing/2010/main" xmlns:m="http://schemas.openxmlformats.org/officeDocument/2006/math" xmlns="" val="1"/>
             </a:ext>
           </a:extLst>
         </p:spPr>
@@ -2784,7 +2874,7 @@
           </a:ln>
           <a:extLst>
             <a:ext uri="{C572A759-6A51-4108-AA02-DFA0A04FC94B}">
-              <ma14:wrappingTextBoxFlag xmlns="" xmlns:m="http://schemas.openxmlformats.org/officeDocument/2006/math" xmlns:a14="http://schemas.microsoft.com/office/drawing/2010/main" xmlns:ma14="http://schemas.microsoft.com/office/mac/drawingml/2011/main" val="1"/>
+              <ma14:wrappingTextBoxFlag xmlns:ma14="http://schemas.microsoft.com/office/mac/drawingml/2011/main" xmlns:a14="http://schemas.microsoft.com/office/drawing/2010/main" xmlns:m="http://schemas.openxmlformats.org/officeDocument/2006/math" xmlns="" val="1"/>
             </a:ext>
           </a:extLst>
         </p:spPr>
@@ -2834,7 +2924,7 @@
           </a:ln>
           <a:extLst>
             <a:ext uri="{C572A759-6A51-4108-AA02-DFA0A04FC94B}">
-              <ma14:wrappingTextBoxFlag xmlns="" xmlns:m="http://schemas.openxmlformats.org/officeDocument/2006/math" xmlns:a14="http://schemas.microsoft.com/office/drawing/2010/main" xmlns:ma14="http://schemas.microsoft.com/office/mac/drawingml/2011/main" val="1"/>
+              <ma14:wrappingTextBoxFlag xmlns:ma14="http://schemas.microsoft.com/office/mac/drawingml/2011/main" xmlns:a14="http://schemas.microsoft.com/office/drawing/2010/main" xmlns:m="http://schemas.openxmlformats.org/officeDocument/2006/math" xmlns="" val="1"/>
             </a:ext>
           </a:extLst>
         </p:spPr>
@@ -2852,13 +2942,13 @@
           </a:lstStyle>
           <a:p>
             <a:r>
-              <a:rPr lang="en-US" dirty="0">
+              <a:rPr lang="en-US" b="1" dirty="0">
                 <a:latin typeface="NanumBarunGothicOTF Light" panose="02000303000000000000" pitchFamily="2" charset="-128"/>
                 <a:ea typeface="NanumBarunGothicOTF Light" panose="02000303000000000000" pitchFamily="2" charset="-128"/>
               </a:rPr>
               <a:t>3</a:t>
             </a:r>
-            <a:endParaRPr dirty="0">
+            <a:endParaRPr b="1" dirty="0">
               <a:latin typeface="NanumBarunGothicOTF Light" panose="02000303000000000000" pitchFamily="2" charset="-128"/>
               <a:ea typeface="NanumBarunGothicOTF Light" panose="02000303000000000000" pitchFamily="2" charset="-128"/>
             </a:endParaRPr>
@@ -2948,7 +3038,7 @@
           </a:ln>
           <a:extLst>
             <a:ext uri="{C572A759-6A51-4108-AA02-DFA0A04FC94B}">
-              <ma14:wrappingTextBoxFlag xmlns="" xmlns:m="http://schemas.openxmlformats.org/officeDocument/2006/math" xmlns:a14="http://schemas.microsoft.com/office/drawing/2010/main" xmlns:ma14="http://schemas.microsoft.com/office/mac/drawingml/2011/main" val="1"/>
+              <ma14:wrappingTextBoxFlag xmlns:ma14="http://schemas.microsoft.com/office/mac/drawingml/2011/main" xmlns:a14="http://schemas.microsoft.com/office/drawing/2010/main" xmlns:m="http://schemas.openxmlformats.org/officeDocument/2006/math" xmlns="" val="1"/>
             </a:ext>
           </a:extLst>
         </p:spPr>
@@ -2998,7 +3088,7 @@
           </a:ln>
           <a:extLst>
             <a:ext uri="{C572A759-6A51-4108-AA02-DFA0A04FC94B}">
-              <ma14:wrappingTextBoxFlag xmlns="" xmlns:m="http://schemas.openxmlformats.org/officeDocument/2006/math" xmlns:a14="http://schemas.microsoft.com/office/drawing/2010/main" xmlns:ma14="http://schemas.microsoft.com/office/mac/drawingml/2011/main" val="1"/>
+              <ma14:wrappingTextBoxFlag xmlns:ma14="http://schemas.microsoft.com/office/mac/drawingml/2011/main" xmlns:a14="http://schemas.microsoft.com/office/drawing/2010/main" xmlns:m="http://schemas.openxmlformats.org/officeDocument/2006/math" xmlns="" val="1"/>
             </a:ext>
           </a:extLst>
         </p:spPr>
@@ -3016,13 +3106,13 @@
           </a:lstStyle>
           <a:p>
             <a:r>
-              <a:rPr lang="en-US" dirty="0">
+              <a:rPr lang="en-US" b="1" dirty="0">
                 <a:latin typeface="NanumBarunGothicOTF Light" panose="02000303000000000000" pitchFamily="2" charset="-128"/>
                 <a:ea typeface="NanumBarunGothicOTF Light" panose="02000303000000000000" pitchFamily="2" charset="-128"/>
               </a:rPr>
               <a:t>4</a:t>
             </a:r>
-            <a:endParaRPr dirty="0">
+            <a:endParaRPr b="1" dirty="0">
               <a:latin typeface="NanumBarunGothicOTF Light" panose="02000303000000000000" pitchFamily="2" charset="-128"/>
               <a:ea typeface="NanumBarunGothicOTF Light" panose="02000303000000000000" pitchFamily="2" charset="-128"/>
             </a:endParaRPr>
@@ -3088,7 +3178,7 @@
           </a:ln>
           <a:extLst>
             <a:ext uri="{C572A759-6A51-4108-AA02-DFA0A04FC94B}">
-              <ma14:wrappingTextBoxFlag xmlns="" xmlns:m="http://schemas.openxmlformats.org/officeDocument/2006/math" xmlns:a14="http://schemas.microsoft.com/office/drawing/2010/main" xmlns:ma14="http://schemas.microsoft.com/office/mac/drawingml/2011/main" val="1"/>
+              <ma14:wrappingTextBoxFlag xmlns:ma14="http://schemas.microsoft.com/office/mac/drawingml/2011/main" xmlns:a14="http://schemas.microsoft.com/office/drawing/2010/main" xmlns:m="http://schemas.openxmlformats.org/officeDocument/2006/math" xmlns="" val="1"/>
             </a:ext>
           </a:extLst>
         </p:spPr>
@@ -3298,7 +3388,7 @@
           </a:ln>
           <a:extLst>
             <a:ext uri="{C572A759-6A51-4108-AA02-DFA0A04FC94B}">
-              <ma14:wrappingTextBoxFlag xmlns="" xmlns:m="http://schemas.openxmlformats.org/officeDocument/2006/math" xmlns:a14="http://schemas.microsoft.com/office/drawing/2010/main" xmlns:ma14="http://schemas.microsoft.com/office/mac/drawingml/2011/main" val="1"/>
+              <ma14:wrappingTextBoxFlag xmlns:ma14="http://schemas.microsoft.com/office/mac/drawingml/2011/main" xmlns:a14="http://schemas.microsoft.com/office/drawing/2010/main" xmlns:m="http://schemas.openxmlformats.org/officeDocument/2006/math" xmlns="" val="1"/>
             </a:ext>
           </a:extLst>
         </p:spPr>
@@ -3396,7 +3486,7 @@
           </a:ln>
           <a:extLst>
             <a:ext uri="{C572A759-6A51-4108-AA02-DFA0A04FC94B}">
-              <ma14:wrappingTextBoxFlag xmlns="" xmlns:m="http://schemas.openxmlformats.org/officeDocument/2006/math" xmlns:a14="http://schemas.microsoft.com/office/drawing/2010/main" xmlns:ma14="http://schemas.microsoft.com/office/mac/drawingml/2011/main" val="1"/>
+              <ma14:wrappingTextBoxFlag xmlns:ma14="http://schemas.microsoft.com/office/mac/drawingml/2011/main" xmlns:a14="http://schemas.microsoft.com/office/drawing/2010/main" xmlns:m="http://schemas.openxmlformats.org/officeDocument/2006/math" xmlns="" val="1"/>
             </a:ext>
           </a:extLst>
         </p:spPr>
@@ -3418,12 +3508,22 @@
           <a:p>
             <a:r>
               <a:rPr dirty="0" err="1">
+                <a:solidFill>
+                  <a:schemeClr val="accent1">
+                    <a:lumMod val="50000"/>
+                  </a:schemeClr>
+                </a:solidFill>
                 <a:latin typeface="NanumBarunGothicOTF Light" panose="02000303000000000000" pitchFamily="2" charset="-128"/>
                 <a:ea typeface="NanumBarunGothicOTF Light" panose="02000303000000000000" pitchFamily="2" charset="-128"/>
               </a:rPr>
               <a:t>토요일</a:t>
             </a:r>
             <a:endParaRPr dirty="0">
+              <a:solidFill>
+                <a:schemeClr val="accent1">
+                  <a:lumMod val="50000"/>
+                </a:schemeClr>
+              </a:solidFill>
               <a:latin typeface="NanumBarunGothicOTF Light" panose="02000303000000000000" pitchFamily="2" charset="-128"/>
               <a:ea typeface="NanumBarunGothicOTF Light" panose="02000303000000000000" pitchFamily="2" charset="-128"/>
             </a:endParaRPr>
@@ -3449,7 +3549,7 @@
           </a:ln>
           <a:extLst>
             <a:ext uri="{C572A759-6A51-4108-AA02-DFA0A04FC94B}">
-              <ma14:wrappingTextBoxFlag xmlns="" xmlns:m="http://schemas.openxmlformats.org/officeDocument/2006/math" xmlns:a14="http://schemas.microsoft.com/office/drawing/2010/main" xmlns:ma14="http://schemas.microsoft.com/office/mac/drawingml/2011/main" val="1"/>
+              <ma14:wrappingTextBoxFlag xmlns:ma14="http://schemas.microsoft.com/office/mac/drawingml/2011/main" xmlns:a14="http://schemas.microsoft.com/office/drawing/2010/main" xmlns:m="http://schemas.openxmlformats.org/officeDocument/2006/math" xmlns="" val="1"/>
             </a:ext>
           </a:extLst>
         </p:spPr>
@@ -3467,13 +3567,13 @@
           </a:lstStyle>
           <a:p>
             <a:r>
-              <a:rPr lang="en-US" dirty="0">
+              <a:rPr lang="en-US" b="1" dirty="0">
                 <a:latin typeface="NanumBarunGothicOTF Light" panose="02000303000000000000" pitchFamily="2" charset="-128"/>
                 <a:ea typeface="NanumBarunGothicOTF Light" panose="02000303000000000000" pitchFamily="2" charset="-128"/>
               </a:rPr>
               <a:t>5</a:t>
             </a:r>
-            <a:endParaRPr dirty="0">
+            <a:endParaRPr b="1" dirty="0">
               <a:latin typeface="NanumBarunGothicOTF Light" panose="02000303000000000000" pitchFamily="2" charset="-128"/>
               <a:ea typeface="NanumBarunGothicOTF Light" panose="02000303000000000000" pitchFamily="2" charset="-128"/>
             </a:endParaRPr>
@@ -3499,7 +3599,7 @@
           </a:ln>
           <a:extLst>
             <a:ext uri="{C572A759-6A51-4108-AA02-DFA0A04FC94B}">
-              <ma14:wrappingTextBoxFlag xmlns="" xmlns:m="http://schemas.openxmlformats.org/officeDocument/2006/math" xmlns:a14="http://schemas.microsoft.com/office/drawing/2010/main" xmlns:ma14="http://schemas.microsoft.com/office/mac/drawingml/2011/main" val="1"/>
+              <ma14:wrappingTextBoxFlag xmlns:ma14="http://schemas.microsoft.com/office/mac/drawingml/2011/main" xmlns:a14="http://schemas.microsoft.com/office/drawing/2010/main" xmlns:m="http://schemas.openxmlformats.org/officeDocument/2006/math" xmlns="" val="1"/>
             </a:ext>
           </a:extLst>
         </p:spPr>
@@ -3520,13 +3620,23 @@
           </a:lstStyle>
           <a:p>
             <a:r>
-              <a:rPr lang="en-US" dirty="0">
+              <a:rPr lang="en-US" b="1" dirty="0">
+                <a:solidFill>
+                  <a:schemeClr val="accent1">
+                    <a:lumMod val="50000"/>
+                  </a:schemeClr>
+                </a:solidFill>
                 <a:latin typeface="NanumBarunGothicOTF Light" panose="02000303000000000000" pitchFamily="2" charset="-128"/>
                 <a:ea typeface="NanumBarunGothicOTF Light" panose="02000303000000000000" pitchFamily="2" charset="-128"/>
               </a:rPr>
               <a:t>6</a:t>
             </a:r>
-            <a:endParaRPr dirty="0">
+            <a:endParaRPr b="1" dirty="0">
+              <a:solidFill>
+                <a:schemeClr val="accent1">
+                  <a:lumMod val="50000"/>
+                </a:schemeClr>
+              </a:solidFill>
               <a:latin typeface="NanumBarunGothicOTF Light" panose="02000303000000000000" pitchFamily="2" charset="-128"/>
               <a:ea typeface="NanumBarunGothicOTF Light" panose="02000303000000000000" pitchFamily="2" charset="-128"/>
             </a:endParaRPr>
@@ -3552,7 +3662,7 @@
           </a:ln>
           <a:extLst>
             <a:ext uri="{C572A759-6A51-4108-AA02-DFA0A04FC94B}">
-              <ma14:wrappingTextBoxFlag xmlns="" xmlns:m="http://schemas.openxmlformats.org/officeDocument/2006/math" xmlns:a14="http://schemas.microsoft.com/office/drawing/2010/main" xmlns:ma14="http://schemas.microsoft.com/office/mac/drawingml/2011/main" val="1"/>
+              <ma14:wrappingTextBoxFlag xmlns:ma14="http://schemas.microsoft.com/office/mac/drawingml/2011/main" xmlns:a14="http://schemas.microsoft.com/office/drawing/2010/main" xmlns:m="http://schemas.openxmlformats.org/officeDocument/2006/math" xmlns="" val="1"/>
             </a:ext>
           </a:extLst>
         </p:spPr>
@@ -3570,72 +3680,16 @@
           </a:lstStyle>
           <a:p>
             <a:r>
-              <a:rPr lang="en-US" dirty="0">
+              <a:rPr lang="en-US" b="1" dirty="0">
                 <a:latin typeface="NanumBarunGothicOTF Light" panose="02000303000000000000" pitchFamily="2" charset="-128"/>
                 <a:ea typeface="NanumBarunGothicOTF Light" panose="02000303000000000000" pitchFamily="2" charset="-128"/>
               </a:rPr>
               <a:t>2</a:t>
             </a:r>
-            <a:endParaRPr dirty="0">
+            <a:endParaRPr b="1" dirty="0">
               <a:latin typeface="NanumBarunGothicOTF Light" panose="02000303000000000000" pitchFamily="2" charset="-128"/>
               <a:ea typeface="NanumBarunGothicOTF Light" panose="02000303000000000000" pitchFamily="2" charset="-128"/>
             </a:endParaRPr>
-          </a:p>
-        </p:txBody>
-      </p:sp>
-      <p:sp>
-        <p:nvSpPr>
-          <p:cNvPr id="78" name="1월"/>
-          <p:cNvSpPr txBox="1"/>
-          <p:nvPr/>
-        </p:nvSpPr>
-        <p:spPr>
-          <a:xfrm>
-            <a:off x="8048200" y="2195819"/>
-            <a:ext cx="959584" cy="727076"/>
-          </a:xfrm>
-          <a:prstGeom prst="rect">
-            <a:avLst/>
-          </a:prstGeom>
-          <a:ln w="12700">
-            <a:miter lim="400000"/>
-          </a:ln>
-          <a:extLst>
-            <a:ext uri="{C572A759-6A51-4108-AA02-DFA0A04FC94B}">
-              <ma14:wrappingTextBoxFlag xmlns="" xmlns:m="http://schemas.openxmlformats.org/officeDocument/2006/math" xmlns:a14="http://schemas.microsoft.com/office/drawing/2010/main" xmlns:ma14="http://schemas.microsoft.com/office/mac/drawingml/2011/main" val="1"/>
-            </a:ext>
-          </a:extLst>
-        </p:spPr>
-        <p:txBody>
-          <a:bodyPr lIns="71437" tIns="71437" rIns="71437" bIns="71437"/>
-          <a:lstStyle>
-            <a:lvl1pPr defTabSz="584200">
-              <a:defRPr sz="4000" b="0" spc="-119">
-                <a:solidFill>
-                  <a:srgbClr val="A9A9A9"/>
-                </a:solidFill>
-                <a:latin typeface="나눔바른고딕OTF Light"/>
-                <a:ea typeface="나눔바른고딕OTF Light"/>
-                <a:cs typeface="나눔바른고딕OTF Light"/>
-                <a:sym typeface="나눔바른고딕OTF Light"/>
-              </a:defRPr>
-            </a:lvl1pPr>
-          </a:lstStyle>
-          <a:p>
-            <a:r>
-              <a:rPr lang="en-US" dirty="0">
-                <a:latin typeface="NanumBarunGothicOTF Light" panose="02000303000000000000" pitchFamily="2" charset="-128"/>
-                <a:ea typeface="NanumBarunGothicOTF Light" panose="02000303000000000000" pitchFamily="2" charset="-128"/>
-              </a:rPr>
-              <a:t>2</a:t>
-            </a:r>
-            <a:r>
-              <a:rPr dirty="0">
-                <a:latin typeface="NanumBarunGothicOTF Light" panose="02000303000000000000" pitchFamily="2" charset="-128"/>
-                <a:ea typeface="NanumBarunGothicOTF Light" panose="02000303000000000000" pitchFamily="2" charset="-128"/>
-              </a:rPr>
-              <a:t>월</a:t>
-            </a:r>
           </a:p>
         </p:txBody>
       </p:sp>
@@ -3658,7 +3712,7 @@
           </a:ln>
           <a:extLst>
             <a:ext uri="{C572A759-6A51-4108-AA02-DFA0A04FC94B}">
-              <ma14:wrappingTextBoxFlag xmlns="" xmlns:m="http://schemas.openxmlformats.org/officeDocument/2006/math" xmlns:a14="http://schemas.microsoft.com/office/drawing/2010/main" xmlns:ma14="http://schemas.microsoft.com/office/mac/drawingml/2011/main" val="1"/>
+              <ma14:wrappingTextBoxFlag xmlns:ma14="http://schemas.microsoft.com/office/mac/drawingml/2011/main" xmlns:a14="http://schemas.microsoft.com/office/drawing/2010/main" xmlns:m="http://schemas.openxmlformats.org/officeDocument/2006/math" xmlns="" val="1"/>
             </a:ext>
           </a:extLst>
         </p:spPr>
@@ -3679,13 +3733,13 @@
           </a:lstStyle>
           <a:p>
             <a:r>
-              <a:rPr lang="en-US" dirty="0">
+              <a:rPr lang="en-US" b="1" dirty="0">
                 <a:latin typeface="NanumBarunGothicOTF Light" panose="02000303000000000000" pitchFamily="2" charset="-128"/>
                 <a:ea typeface="NanumBarunGothicOTF Light" panose="02000303000000000000" pitchFamily="2" charset="-128"/>
               </a:rPr>
               <a:t>7</a:t>
             </a:r>
-            <a:endParaRPr dirty="0">
+            <a:endParaRPr b="1" dirty="0">
               <a:latin typeface="NanumBarunGothicOTF Light" panose="02000303000000000000" pitchFamily="2" charset="-128"/>
               <a:ea typeface="NanumBarunGothicOTF Light" panose="02000303000000000000" pitchFamily="2" charset="-128"/>
             </a:endParaRPr>
@@ -3711,7 +3765,7 @@
           </a:ln>
           <a:extLst>
             <a:ext uri="{C572A759-6A51-4108-AA02-DFA0A04FC94B}">
-              <ma14:wrappingTextBoxFlag xmlns="" xmlns:m="http://schemas.openxmlformats.org/officeDocument/2006/math" xmlns:a14="http://schemas.microsoft.com/office/drawing/2010/main" xmlns:ma14="http://schemas.microsoft.com/office/mac/drawingml/2011/main" val="1"/>
+              <ma14:wrappingTextBoxFlag xmlns:ma14="http://schemas.microsoft.com/office/mac/drawingml/2011/main" xmlns:a14="http://schemas.microsoft.com/office/drawing/2010/main" xmlns:m="http://schemas.openxmlformats.org/officeDocument/2006/math" xmlns="" val="1"/>
             </a:ext>
           </a:extLst>
         </p:spPr>
@@ -3732,13 +3786,19 @@
           </a:lstStyle>
           <a:p>
             <a:r>
-              <a:rPr lang="en-US" dirty="0">
+              <a:rPr lang="en-US" b="1" dirty="0">
+                <a:solidFill>
+                  <a:schemeClr val="tx1"/>
+                </a:solidFill>
                 <a:latin typeface="NanumBarunGothicOTF Light" panose="02000303000000000000" pitchFamily="2" charset="-128"/>
                 <a:ea typeface="NanumBarunGothicOTF Light" panose="02000303000000000000" pitchFamily="2" charset="-128"/>
               </a:rPr>
               <a:t>8</a:t>
             </a:r>
-            <a:endParaRPr dirty="0">
+            <a:endParaRPr b="1" dirty="0">
+              <a:solidFill>
+                <a:schemeClr val="tx1"/>
+              </a:solidFill>
               <a:latin typeface="NanumBarunGothicOTF Light" panose="02000303000000000000" pitchFamily="2" charset="-128"/>
               <a:ea typeface="NanumBarunGothicOTF Light" panose="02000303000000000000" pitchFamily="2" charset="-128"/>
             </a:endParaRPr>
@@ -3764,7 +3824,7 @@
           </a:ln>
           <a:extLst>
             <a:ext uri="{C572A759-6A51-4108-AA02-DFA0A04FC94B}">
-              <ma14:wrappingTextBoxFlag xmlns="" xmlns:m="http://schemas.openxmlformats.org/officeDocument/2006/math" xmlns:a14="http://schemas.microsoft.com/office/drawing/2010/main" xmlns:ma14="http://schemas.microsoft.com/office/mac/drawingml/2011/main" val="1"/>
+              <ma14:wrappingTextBoxFlag xmlns:ma14="http://schemas.microsoft.com/office/mac/drawingml/2011/main" xmlns:a14="http://schemas.microsoft.com/office/drawing/2010/main" xmlns:m="http://schemas.openxmlformats.org/officeDocument/2006/math" xmlns="" val="1"/>
             </a:ext>
           </a:extLst>
         </p:spPr>
@@ -3785,13 +3845,19 @@
           </a:lstStyle>
           <a:p>
             <a:r>
-              <a:rPr lang="en-US" dirty="0">
+              <a:rPr lang="en-US" b="1" dirty="0">
+                <a:solidFill>
+                  <a:schemeClr val="tx1"/>
+                </a:solidFill>
                 <a:latin typeface="NanumBarunGothicOTF Light" panose="02000303000000000000" pitchFamily="2" charset="-128"/>
                 <a:ea typeface="NanumBarunGothicOTF Light" panose="02000303000000000000" pitchFamily="2" charset="-128"/>
               </a:rPr>
               <a:t>10</a:t>
             </a:r>
-            <a:endParaRPr dirty="0">
+            <a:endParaRPr b="1" dirty="0">
+              <a:solidFill>
+                <a:schemeClr val="tx1"/>
+              </a:solidFill>
               <a:latin typeface="NanumBarunGothicOTF Light" panose="02000303000000000000" pitchFamily="2" charset="-128"/>
               <a:ea typeface="NanumBarunGothicOTF Light" panose="02000303000000000000" pitchFamily="2" charset="-128"/>
             </a:endParaRPr>
@@ -3817,7 +3883,7 @@
           </a:ln>
           <a:extLst>
             <a:ext uri="{C572A759-6A51-4108-AA02-DFA0A04FC94B}">
-              <ma14:wrappingTextBoxFlag xmlns="" xmlns:m="http://schemas.openxmlformats.org/officeDocument/2006/math" xmlns:a14="http://schemas.microsoft.com/office/drawing/2010/main" xmlns:ma14="http://schemas.microsoft.com/office/mac/drawingml/2011/main" val="1"/>
+              <ma14:wrappingTextBoxFlag xmlns:ma14="http://schemas.microsoft.com/office/mac/drawingml/2011/main" xmlns:a14="http://schemas.microsoft.com/office/drawing/2010/main" xmlns:m="http://schemas.openxmlformats.org/officeDocument/2006/math" xmlns="" val="1"/>
             </a:ext>
           </a:extLst>
         </p:spPr>
@@ -3835,13 +3901,13 @@
           </a:lstStyle>
           <a:p>
             <a:r>
-              <a:rPr lang="en-US" dirty="0">
+              <a:rPr lang="en-US" b="1" dirty="0">
                 <a:latin typeface="NanumBarunGothicOTF Light" panose="02000303000000000000" pitchFamily="2" charset="-128"/>
                 <a:ea typeface="NanumBarunGothicOTF Light" panose="02000303000000000000" pitchFamily="2" charset="-128"/>
               </a:rPr>
               <a:t>11</a:t>
             </a:r>
-            <a:endParaRPr dirty="0">
+            <a:endParaRPr b="1" dirty="0">
               <a:latin typeface="NanumBarunGothicOTF Light" panose="02000303000000000000" pitchFamily="2" charset="-128"/>
               <a:ea typeface="NanumBarunGothicOTF Light" panose="02000303000000000000" pitchFamily="2" charset="-128"/>
             </a:endParaRPr>
@@ -3867,7 +3933,7 @@
           </a:ln>
           <a:extLst>
             <a:ext uri="{C572A759-6A51-4108-AA02-DFA0A04FC94B}">
-              <ma14:wrappingTextBoxFlag xmlns="" xmlns:m="http://schemas.openxmlformats.org/officeDocument/2006/math" xmlns:a14="http://schemas.microsoft.com/office/drawing/2010/main" xmlns:ma14="http://schemas.microsoft.com/office/mac/drawingml/2011/main" val="1"/>
+              <ma14:wrappingTextBoxFlag xmlns:ma14="http://schemas.microsoft.com/office/mac/drawingml/2011/main" xmlns:a14="http://schemas.microsoft.com/office/drawing/2010/main" xmlns:m="http://schemas.openxmlformats.org/officeDocument/2006/math" xmlns="" val="1"/>
             </a:ext>
           </a:extLst>
         </p:spPr>
@@ -3885,13 +3951,13 @@
           </a:lstStyle>
           <a:p>
             <a:r>
-              <a:rPr lang="en-US" dirty="0">
+              <a:rPr lang="en-US" b="1" dirty="0">
                 <a:latin typeface="NanumBarunGothicOTF Light" panose="02000303000000000000" pitchFamily="2" charset="-128"/>
                 <a:ea typeface="NanumBarunGothicOTF Light" panose="02000303000000000000" pitchFamily="2" charset="-128"/>
               </a:rPr>
               <a:t>12</a:t>
             </a:r>
-            <a:endParaRPr dirty="0">
+            <a:endParaRPr b="1" dirty="0">
               <a:latin typeface="NanumBarunGothicOTF Light" panose="02000303000000000000" pitchFamily="2" charset="-128"/>
               <a:ea typeface="NanumBarunGothicOTF Light" panose="02000303000000000000" pitchFamily="2" charset="-128"/>
             </a:endParaRPr>
@@ -3917,7 +3983,7 @@
           </a:ln>
           <a:extLst>
             <a:ext uri="{C572A759-6A51-4108-AA02-DFA0A04FC94B}">
-              <ma14:wrappingTextBoxFlag xmlns="" xmlns:m="http://schemas.openxmlformats.org/officeDocument/2006/math" xmlns:a14="http://schemas.microsoft.com/office/drawing/2010/main" xmlns:ma14="http://schemas.microsoft.com/office/mac/drawingml/2011/main" val="1"/>
+              <ma14:wrappingTextBoxFlag xmlns:ma14="http://schemas.microsoft.com/office/mac/drawingml/2011/main" xmlns:a14="http://schemas.microsoft.com/office/drawing/2010/main" xmlns:m="http://schemas.openxmlformats.org/officeDocument/2006/math" xmlns="" val="1"/>
             </a:ext>
           </a:extLst>
         </p:spPr>
@@ -3938,13 +4004,23 @@
           </a:lstStyle>
           <a:p>
             <a:r>
-              <a:rPr lang="en-US" dirty="0">
+              <a:rPr lang="en-US" b="1" dirty="0">
+                <a:solidFill>
+                  <a:schemeClr val="accent1">
+                    <a:lumMod val="50000"/>
+                  </a:schemeClr>
+                </a:solidFill>
                 <a:latin typeface="NanumBarunGothicOTF Light" panose="02000303000000000000" pitchFamily="2" charset="-128"/>
                 <a:ea typeface="NanumBarunGothicOTF Light" panose="02000303000000000000" pitchFamily="2" charset="-128"/>
               </a:rPr>
               <a:t>13</a:t>
             </a:r>
-            <a:endParaRPr dirty="0">
+            <a:endParaRPr b="1" dirty="0">
+              <a:solidFill>
+                <a:schemeClr val="accent1">
+                  <a:lumMod val="50000"/>
+                </a:schemeClr>
+              </a:solidFill>
               <a:latin typeface="NanumBarunGothicOTF Light" panose="02000303000000000000" pitchFamily="2" charset="-128"/>
               <a:ea typeface="NanumBarunGothicOTF Light" panose="02000303000000000000" pitchFamily="2" charset="-128"/>
             </a:endParaRPr>
@@ -3970,7 +4046,7 @@
           </a:ln>
           <a:extLst>
             <a:ext uri="{C572A759-6A51-4108-AA02-DFA0A04FC94B}">
-              <ma14:wrappingTextBoxFlag xmlns="" xmlns:m="http://schemas.openxmlformats.org/officeDocument/2006/math" xmlns:a14="http://schemas.microsoft.com/office/drawing/2010/main" xmlns:ma14="http://schemas.microsoft.com/office/mac/drawingml/2011/main" val="1"/>
+              <ma14:wrappingTextBoxFlag xmlns:ma14="http://schemas.microsoft.com/office/mac/drawingml/2011/main" xmlns:a14="http://schemas.microsoft.com/office/drawing/2010/main" xmlns:m="http://schemas.openxmlformats.org/officeDocument/2006/math" xmlns="" val="1"/>
             </a:ext>
           </a:extLst>
         </p:spPr>
@@ -3991,13 +4067,19 @@
           </a:lstStyle>
           <a:p>
             <a:r>
-              <a:rPr lang="en-US" dirty="0">
+              <a:rPr lang="en-US" b="1" dirty="0">
+                <a:solidFill>
+                  <a:schemeClr val="tx1"/>
+                </a:solidFill>
                 <a:latin typeface="NanumBarunGothicOTF Light" panose="02000303000000000000" pitchFamily="2" charset="-128"/>
                 <a:ea typeface="NanumBarunGothicOTF Light" panose="02000303000000000000" pitchFamily="2" charset="-128"/>
               </a:rPr>
               <a:t>9</a:t>
             </a:r>
-            <a:endParaRPr dirty="0">
+            <a:endParaRPr b="1" dirty="0">
+              <a:solidFill>
+                <a:schemeClr val="tx1"/>
+              </a:solidFill>
               <a:latin typeface="NanumBarunGothicOTF Light" panose="02000303000000000000" pitchFamily="2" charset="-128"/>
               <a:ea typeface="NanumBarunGothicOTF Light" panose="02000303000000000000" pitchFamily="2" charset="-128"/>
             </a:endParaRPr>
@@ -4191,7 +4273,7 @@
           </a:ln>
           <a:extLst>
             <a:ext uri="{C572A759-6A51-4108-AA02-DFA0A04FC94B}">
-              <ma14:wrappingTextBoxFlag xmlns="" xmlns:m="http://schemas.openxmlformats.org/officeDocument/2006/math" xmlns:a14="http://schemas.microsoft.com/office/drawing/2010/main" xmlns:ma14="http://schemas.microsoft.com/office/mac/drawingml/2011/main" val="1"/>
+              <ma14:wrappingTextBoxFlag xmlns:ma14="http://schemas.microsoft.com/office/mac/drawingml/2011/main" xmlns:a14="http://schemas.microsoft.com/office/drawing/2010/main" xmlns:m="http://schemas.openxmlformats.org/officeDocument/2006/math" xmlns="" val="1"/>
             </a:ext>
           </a:extLst>
         </p:spPr>
@@ -4212,13 +4294,13 @@
           </a:lstStyle>
           <a:p>
             <a:r>
-              <a:rPr lang="en-US" dirty="0">
+              <a:rPr lang="en-US" b="1" dirty="0">
                 <a:latin typeface="NanumBarunGothicOTF Light" panose="02000303000000000000" pitchFamily="2" charset="-128"/>
                 <a:ea typeface="NanumBarunGothicOTF Light" panose="02000303000000000000" pitchFamily="2" charset="-128"/>
               </a:rPr>
               <a:t>14</a:t>
             </a:r>
-            <a:endParaRPr dirty="0">
+            <a:endParaRPr b="1" dirty="0">
               <a:latin typeface="NanumBarunGothicOTF Light" panose="02000303000000000000" pitchFamily="2" charset="-128"/>
               <a:ea typeface="NanumBarunGothicOTF Light" panose="02000303000000000000" pitchFamily="2" charset="-128"/>
             </a:endParaRPr>
@@ -4244,7 +4326,7 @@
           </a:ln>
           <a:extLst>
             <a:ext uri="{C572A759-6A51-4108-AA02-DFA0A04FC94B}">
-              <ma14:wrappingTextBoxFlag xmlns="" xmlns:m="http://schemas.openxmlformats.org/officeDocument/2006/math" xmlns:a14="http://schemas.microsoft.com/office/drawing/2010/main" xmlns:ma14="http://schemas.microsoft.com/office/mac/drawingml/2011/main" val="1"/>
+              <ma14:wrappingTextBoxFlag xmlns:ma14="http://schemas.microsoft.com/office/mac/drawingml/2011/main" xmlns:a14="http://schemas.microsoft.com/office/drawing/2010/main" xmlns:m="http://schemas.openxmlformats.org/officeDocument/2006/math" xmlns="" val="1"/>
             </a:ext>
           </a:extLst>
         </p:spPr>
@@ -4262,13 +4344,13 @@
           </a:lstStyle>
           <a:p>
             <a:r>
-              <a:rPr lang="en-US" dirty="0">
+              <a:rPr lang="en-US" b="1" dirty="0">
                 <a:latin typeface="NanumBarunGothicOTF Light" panose="02000303000000000000" pitchFamily="2" charset="-128"/>
                 <a:ea typeface="NanumBarunGothicOTF Light" panose="02000303000000000000" pitchFamily="2" charset="-128"/>
               </a:rPr>
               <a:t>15</a:t>
             </a:r>
-            <a:endParaRPr dirty="0">
+            <a:endParaRPr b="1" dirty="0">
               <a:latin typeface="NanumBarunGothicOTF Light" panose="02000303000000000000" pitchFamily="2" charset="-128"/>
               <a:ea typeface="NanumBarunGothicOTF Light" panose="02000303000000000000" pitchFamily="2" charset="-128"/>
             </a:endParaRPr>
@@ -4294,7 +4376,7 @@
           </a:ln>
           <a:extLst>
             <a:ext uri="{C572A759-6A51-4108-AA02-DFA0A04FC94B}">
-              <ma14:wrappingTextBoxFlag xmlns="" xmlns:m="http://schemas.openxmlformats.org/officeDocument/2006/math" xmlns:a14="http://schemas.microsoft.com/office/drawing/2010/main" xmlns:ma14="http://schemas.microsoft.com/office/mac/drawingml/2011/main" val="1"/>
+              <ma14:wrappingTextBoxFlag xmlns:ma14="http://schemas.microsoft.com/office/mac/drawingml/2011/main" xmlns:a14="http://schemas.microsoft.com/office/drawing/2010/main" xmlns:m="http://schemas.openxmlformats.org/officeDocument/2006/math" xmlns="" val="1"/>
             </a:ext>
           </a:extLst>
         </p:spPr>
@@ -4312,13 +4394,13 @@
           </a:lstStyle>
           <a:p>
             <a:r>
-              <a:rPr lang="en-US" dirty="0">
+              <a:rPr lang="en-US" b="1" dirty="0">
                 <a:latin typeface="NanumBarunGothicOTF Light" panose="02000303000000000000" pitchFamily="2" charset="-128"/>
                 <a:ea typeface="NanumBarunGothicOTF Light" panose="02000303000000000000" pitchFamily="2" charset="-128"/>
               </a:rPr>
               <a:t>17</a:t>
             </a:r>
-            <a:endParaRPr dirty="0">
+            <a:endParaRPr b="1" dirty="0">
               <a:latin typeface="NanumBarunGothicOTF Light" panose="02000303000000000000" pitchFamily="2" charset="-128"/>
               <a:ea typeface="NanumBarunGothicOTF Light" panose="02000303000000000000" pitchFamily="2" charset="-128"/>
             </a:endParaRPr>
@@ -4344,7 +4426,7 @@
           </a:ln>
           <a:extLst>
             <a:ext uri="{C572A759-6A51-4108-AA02-DFA0A04FC94B}">
-              <ma14:wrappingTextBoxFlag xmlns="" xmlns:m="http://schemas.openxmlformats.org/officeDocument/2006/math" xmlns:a14="http://schemas.microsoft.com/office/drawing/2010/main" xmlns:ma14="http://schemas.microsoft.com/office/mac/drawingml/2011/main" val="1"/>
+              <ma14:wrappingTextBoxFlag xmlns:ma14="http://schemas.microsoft.com/office/mac/drawingml/2011/main" xmlns:a14="http://schemas.microsoft.com/office/drawing/2010/main" xmlns:m="http://schemas.openxmlformats.org/officeDocument/2006/math" xmlns="" val="1"/>
             </a:ext>
           </a:extLst>
         </p:spPr>
@@ -4362,13 +4444,13 @@
           </a:lstStyle>
           <a:p>
             <a:r>
-              <a:rPr lang="en-US" dirty="0">
+              <a:rPr lang="en-US" b="1" dirty="0">
                 <a:latin typeface="NanumBarunGothicOTF Light" panose="02000303000000000000" pitchFamily="2" charset="-128"/>
                 <a:ea typeface="NanumBarunGothicOTF Light" panose="02000303000000000000" pitchFamily="2" charset="-128"/>
               </a:rPr>
               <a:t>18</a:t>
             </a:r>
-            <a:endParaRPr dirty="0">
+            <a:endParaRPr b="1" dirty="0">
               <a:latin typeface="NanumBarunGothicOTF Light" panose="02000303000000000000" pitchFamily="2" charset="-128"/>
               <a:ea typeface="NanumBarunGothicOTF Light" panose="02000303000000000000" pitchFamily="2" charset="-128"/>
             </a:endParaRPr>
@@ -4394,7 +4476,7 @@
           </a:ln>
           <a:extLst>
             <a:ext uri="{C572A759-6A51-4108-AA02-DFA0A04FC94B}">
-              <ma14:wrappingTextBoxFlag xmlns="" xmlns:m="http://schemas.openxmlformats.org/officeDocument/2006/math" xmlns:a14="http://schemas.microsoft.com/office/drawing/2010/main" xmlns:ma14="http://schemas.microsoft.com/office/mac/drawingml/2011/main" val="1"/>
+              <ma14:wrappingTextBoxFlag xmlns:ma14="http://schemas.microsoft.com/office/mac/drawingml/2011/main" xmlns:a14="http://schemas.microsoft.com/office/drawing/2010/main" xmlns:m="http://schemas.openxmlformats.org/officeDocument/2006/math" xmlns="" val="1"/>
             </a:ext>
           </a:extLst>
         </p:spPr>
@@ -4412,13 +4494,13 @@
           </a:lstStyle>
           <a:p>
             <a:r>
-              <a:rPr lang="en-US" dirty="0">
+              <a:rPr lang="en-US" b="1" dirty="0">
                 <a:latin typeface="NanumBarunGothicOTF Light" panose="02000303000000000000" pitchFamily="2" charset="-128"/>
                 <a:ea typeface="NanumBarunGothicOTF Light" panose="02000303000000000000" pitchFamily="2" charset="-128"/>
               </a:rPr>
               <a:t>19</a:t>
             </a:r>
-            <a:endParaRPr dirty="0">
+            <a:endParaRPr b="1" dirty="0">
               <a:latin typeface="NanumBarunGothicOTF Light" panose="02000303000000000000" pitchFamily="2" charset="-128"/>
               <a:ea typeface="NanumBarunGothicOTF Light" panose="02000303000000000000" pitchFamily="2" charset="-128"/>
             </a:endParaRPr>
@@ -4444,7 +4526,7 @@
           </a:ln>
           <a:extLst>
             <a:ext uri="{C572A759-6A51-4108-AA02-DFA0A04FC94B}">
-              <ma14:wrappingTextBoxFlag xmlns="" xmlns:m="http://schemas.openxmlformats.org/officeDocument/2006/math" xmlns:a14="http://schemas.microsoft.com/office/drawing/2010/main" xmlns:ma14="http://schemas.microsoft.com/office/mac/drawingml/2011/main" val="1"/>
+              <ma14:wrappingTextBoxFlag xmlns:ma14="http://schemas.microsoft.com/office/mac/drawingml/2011/main" xmlns:a14="http://schemas.microsoft.com/office/drawing/2010/main" xmlns:m="http://schemas.openxmlformats.org/officeDocument/2006/math" xmlns="" val="1"/>
             </a:ext>
           </a:extLst>
         </p:spPr>
@@ -4465,13 +4547,23 @@
           </a:lstStyle>
           <a:p>
             <a:r>
-              <a:rPr lang="en-US" dirty="0">
+              <a:rPr lang="en-US" b="1" dirty="0">
+                <a:solidFill>
+                  <a:schemeClr val="accent1">
+                    <a:lumMod val="50000"/>
+                  </a:schemeClr>
+                </a:solidFill>
                 <a:latin typeface="NanumBarunGothicOTF Light" panose="02000303000000000000" pitchFamily="2" charset="-128"/>
                 <a:ea typeface="NanumBarunGothicOTF Light" panose="02000303000000000000" pitchFamily="2" charset="-128"/>
               </a:rPr>
               <a:t>20</a:t>
             </a:r>
-            <a:endParaRPr dirty="0">
+            <a:endParaRPr b="1" dirty="0">
+              <a:solidFill>
+                <a:schemeClr val="accent1">
+                  <a:lumMod val="50000"/>
+                </a:schemeClr>
+              </a:solidFill>
               <a:latin typeface="NanumBarunGothicOTF Light" panose="02000303000000000000" pitchFamily="2" charset="-128"/>
               <a:ea typeface="NanumBarunGothicOTF Light" panose="02000303000000000000" pitchFamily="2" charset="-128"/>
             </a:endParaRPr>
@@ -4497,7 +4589,7 @@
           </a:ln>
           <a:extLst>
             <a:ext uri="{C572A759-6A51-4108-AA02-DFA0A04FC94B}">
-              <ma14:wrappingTextBoxFlag xmlns="" xmlns:m="http://schemas.openxmlformats.org/officeDocument/2006/math" xmlns:a14="http://schemas.microsoft.com/office/drawing/2010/main" xmlns:ma14="http://schemas.microsoft.com/office/mac/drawingml/2011/main" val="1"/>
+              <ma14:wrappingTextBoxFlag xmlns:ma14="http://schemas.microsoft.com/office/mac/drawingml/2011/main" xmlns:a14="http://schemas.microsoft.com/office/drawing/2010/main" xmlns:m="http://schemas.openxmlformats.org/officeDocument/2006/math" xmlns="" val="1"/>
             </a:ext>
           </a:extLst>
         </p:spPr>
@@ -4515,13 +4607,13 @@
           </a:lstStyle>
           <a:p>
             <a:r>
-              <a:rPr lang="en-US" dirty="0">
+              <a:rPr lang="en-US" b="1" dirty="0">
                 <a:latin typeface="NanumBarunGothicOTF Light" panose="02000303000000000000" pitchFamily="2" charset="-128"/>
                 <a:ea typeface="NanumBarunGothicOTF Light" panose="02000303000000000000" pitchFamily="2" charset="-128"/>
               </a:rPr>
               <a:t>16</a:t>
             </a:r>
-            <a:endParaRPr dirty="0">
+            <a:endParaRPr b="1" dirty="0">
               <a:latin typeface="NanumBarunGothicOTF Light" panose="02000303000000000000" pitchFamily="2" charset="-128"/>
               <a:ea typeface="NanumBarunGothicOTF Light" panose="02000303000000000000" pitchFamily="2" charset="-128"/>
             </a:endParaRPr>
@@ -4715,7 +4807,7 @@
           </a:ln>
           <a:extLst>
             <a:ext uri="{C572A759-6A51-4108-AA02-DFA0A04FC94B}">
-              <ma14:wrappingTextBoxFlag xmlns="" xmlns:m="http://schemas.openxmlformats.org/officeDocument/2006/math" xmlns:a14="http://schemas.microsoft.com/office/drawing/2010/main" xmlns:ma14="http://schemas.microsoft.com/office/mac/drawingml/2011/main" val="1"/>
+              <ma14:wrappingTextBoxFlag xmlns:ma14="http://schemas.microsoft.com/office/mac/drawingml/2011/main" xmlns:a14="http://schemas.microsoft.com/office/drawing/2010/main" xmlns:m="http://schemas.openxmlformats.org/officeDocument/2006/math" xmlns="" val="1"/>
             </a:ext>
           </a:extLst>
         </p:spPr>
@@ -4736,13 +4828,13 @@
           </a:lstStyle>
           <a:p>
             <a:r>
-              <a:rPr lang="en-US" dirty="0">
+              <a:rPr lang="en-US" b="1" dirty="0">
                 <a:latin typeface="NanumBarunGothicOTF Light" panose="02000303000000000000" pitchFamily="2" charset="-128"/>
                 <a:ea typeface="NanumBarunGothicOTF Light" panose="02000303000000000000" pitchFamily="2" charset="-128"/>
               </a:rPr>
               <a:t>21</a:t>
             </a:r>
-            <a:endParaRPr dirty="0">
+            <a:endParaRPr b="1" dirty="0">
               <a:latin typeface="NanumBarunGothicOTF Light" panose="02000303000000000000" pitchFamily="2" charset="-128"/>
               <a:ea typeface="NanumBarunGothicOTF Light" panose="02000303000000000000" pitchFamily="2" charset="-128"/>
             </a:endParaRPr>
@@ -4768,7 +4860,7 @@
           </a:ln>
           <a:extLst>
             <a:ext uri="{C572A759-6A51-4108-AA02-DFA0A04FC94B}">
-              <ma14:wrappingTextBoxFlag xmlns="" xmlns:m="http://schemas.openxmlformats.org/officeDocument/2006/math" xmlns:a14="http://schemas.microsoft.com/office/drawing/2010/main" xmlns:ma14="http://schemas.microsoft.com/office/mac/drawingml/2011/main" val="1"/>
+              <ma14:wrappingTextBoxFlag xmlns:ma14="http://schemas.microsoft.com/office/mac/drawingml/2011/main" xmlns:a14="http://schemas.microsoft.com/office/drawing/2010/main" xmlns:m="http://schemas.openxmlformats.org/officeDocument/2006/math" xmlns="" val="1"/>
             </a:ext>
           </a:extLst>
         </p:spPr>
@@ -4786,13 +4878,13 @@
           </a:lstStyle>
           <a:p>
             <a:r>
-              <a:rPr lang="en-US" dirty="0">
+              <a:rPr lang="en-US" b="1" dirty="0">
                 <a:latin typeface="NanumBarunGothicOTF Light" panose="02000303000000000000" pitchFamily="2" charset="-128"/>
                 <a:ea typeface="NanumBarunGothicOTF Light" panose="02000303000000000000" pitchFamily="2" charset="-128"/>
               </a:rPr>
               <a:t>22</a:t>
             </a:r>
-            <a:endParaRPr dirty="0">
+            <a:endParaRPr b="1" dirty="0">
               <a:latin typeface="NanumBarunGothicOTF Light" panose="02000303000000000000" pitchFamily="2" charset="-128"/>
               <a:ea typeface="NanumBarunGothicOTF Light" panose="02000303000000000000" pitchFamily="2" charset="-128"/>
             </a:endParaRPr>
@@ -4818,7 +4910,7 @@
           </a:ln>
           <a:extLst>
             <a:ext uri="{C572A759-6A51-4108-AA02-DFA0A04FC94B}">
-              <ma14:wrappingTextBoxFlag xmlns="" xmlns:m="http://schemas.openxmlformats.org/officeDocument/2006/math" xmlns:a14="http://schemas.microsoft.com/office/drawing/2010/main" xmlns:ma14="http://schemas.microsoft.com/office/mac/drawingml/2011/main" val="1"/>
+              <ma14:wrappingTextBoxFlag xmlns:ma14="http://schemas.microsoft.com/office/mac/drawingml/2011/main" xmlns:a14="http://schemas.microsoft.com/office/drawing/2010/main" xmlns:m="http://schemas.openxmlformats.org/officeDocument/2006/math" xmlns="" val="1"/>
             </a:ext>
           </a:extLst>
         </p:spPr>
@@ -4836,13 +4928,13 @@
           </a:lstStyle>
           <a:p>
             <a:r>
-              <a:rPr lang="en-US" dirty="0">
+              <a:rPr lang="en-US" b="1" dirty="0">
                 <a:latin typeface="NanumBarunGothicOTF Light" panose="02000303000000000000" pitchFamily="2" charset="-128"/>
                 <a:ea typeface="NanumBarunGothicOTF Light" panose="02000303000000000000" pitchFamily="2" charset="-128"/>
               </a:rPr>
               <a:t>24</a:t>
             </a:r>
-            <a:endParaRPr dirty="0">
+            <a:endParaRPr b="1" dirty="0">
               <a:latin typeface="NanumBarunGothicOTF Light" panose="02000303000000000000" pitchFamily="2" charset="-128"/>
               <a:ea typeface="NanumBarunGothicOTF Light" panose="02000303000000000000" pitchFamily="2" charset="-128"/>
             </a:endParaRPr>
@@ -4868,7 +4960,7 @@
           </a:ln>
           <a:extLst>
             <a:ext uri="{C572A759-6A51-4108-AA02-DFA0A04FC94B}">
-              <ma14:wrappingTextBoxFlag xmlns="" xmlns:m="http://schemas.openxmlformats.org/officeDocument/2006/math" xmlns:a14="http://schemas.microsoft.com/office/drawing/2010/main" xmlns:ma14="http://schemas.microsoft.com/office/mac/drawingml/2011/main" val="1"/>
+              <ma14:wrappingTextBoxFlag xmlns:ma14="http://schemas.microsoft.com/office/mac/drawingml/2011/main" xmlns:a14="http://schemas.microsoft.com/office/drawing/2010/main" xmlns:m="http://schemas.openxmlformats.org/officeDocument/2006/math" xmlns="" val="1"/>
             </a:ext>
           </a:extLst>
         </p:spPr>
@@ -4886,13 +4978,13 @@
           </a:lstStyle>
           <a:p>
             <a:r>
-              <a:rPr lang="en-US" dirty="0">
+              <a:rPr lang="en-US" b="1" dirty="0">
                 <a:latin typeface="NanumBarunGothicOTF Light" panose="02000303000000000000" pitchFamily="2" charset="-128"/>
                 <a:ea typeface="NanumBarunGothicOTF Light" panose="02000303000000000000" pitchFamily="2" charset="-128"/>
               </a:rPr>
               <a:t>25</a:t>
             </a:r>
-            <a:endParaRPr dirty="0">
+            <a:endParaRPr b="1" dirty="0">
               <a:latin typeface="NanumBarunGothicOTF Light" panose="02000303000000000000" pitchFamily="2" charset="-128"/>
               <a:ea typeface="NanumBarunGothicOTF Light" panose="02000303000000000000" pitchFamily="2" charset="-128"/>
             </a:endParaRPr>
@@ -4918,7 +5010,7 @@
           </a:ln>
           <a:extLst>
             <a:ext uri="{C572A759-6A51-4108-AA02-DFA0A04FC94B}">
-              <ma14:wrappingTextBoxFlag xmlns="" xmlns:m="http://schemas.openxmlformats.org/officeDocument/2006/math" xmlns:a14="http://schemas.microsoft.com/office/drawing/2010/main" xmlns:ma14="http://schemas.microsoft.com/office/mac/drawingml/2011/main" val="1"/>
+              <ma14:wrappingTextBoxFlag xmlns:ma14="http://schemas.microsoft.com/office/mac/drawingml/2011/main" xmlns:a14="http://schemas.microsoft.com/office/drawing/2010/main" xmlns:m="http://schemas.openxmlformats.org/officeDocument/2006/math" xmlns="" val="1"/>
             </a:ext>
           </a:extLst>
         </p:spPr>
@@ -4936,13 +5028,13 @@
           </a:lstStyle>
           <a:p>
             <a:r>
-              <a:rPr lang="en-US" dirty="0">
+              <a:rPr lang="en-US" b="1" dirty="0">
                 <a:latin typeface="NanumBarunGothicOTF Light" panose="02000303000000000000" pitchFamily="2" charset="-128"/>
                 <a:ea typeface="NanumBarunGothicOTF Light" panose="02000303000000000000" pitchFamily="2" charset="-128"/>
               </a:rPr>
               <a:t>26</a:t>
             </a:r>
-            <a:endParaRPr dirty="0">
+            <a:endParaRPr b="1" dirty="0">
               <a:latin typeface="NanumBarunGothicOTF Light" panose="02000303000000000000" pitchFamily="2" charset="-128"/>
               <a:ea typeface="NanumBarunGothicOTF Light" panose="02000303000000000000" pitchFamily="2" charset="-128"/>
             </a:endParaRPr>
@@ -4968,7 +5060,7 @@
           </a:ln>
           <a:extLst>
             <a:ext uri="{C572A759-6A51-4108-AA02-DFA0A04FC94B}">
-              <ma14:wrappingTextBoxFlag xmlns="" xmlns:m="http://schemas.openxmlformats.org/officeDocument/2006/math" xmlns:a14="http://schemas.microsoft.com/office/drawing/2010/main" xmlns:ma14="http://schemas.microsoft.com/office/mac/drawingml/2011/main" val="1"/>
+              <ma14:wrappingTextBoxFlag xmlns:ma14="http://schemas.microsoft.com/office/mac/drawingml/2011/main" xmlns:a14="http://schemas.microsoft.com/office/drawing/2010/main" xmlns:m="http://schemas.openxmlformats.org/officeDocument/2006/math" xmlns="" val="1"/>
             </a:ext>
           </a:extLst>
         </p:spPr>
@@ -4989,13 +5081,23 @@
           </a:lstStyle>
           <a:p>
             <a:r>
-              <a:rPr lang="en-US" dirty="0">
+              <a:rPr lang="en-US" b="1" dirty="0">
+                <a:solidFill>
+                  <a:schemeClr val="accent1">
+                    <a:lumMod val="50000"/>
+                  </a:schemeClr>
+                </a:solidFill>
                 <a:latin typeface="NanumBarunGothicOTF Light" panose="02000303000000000000" pitchFamily="2" charset="-128"/>
                 <a:ea typeface="NanumBarunGothicOTF Light" panose="02000303000000000000" pitchFamily="2" charset="-128"/>
               </a:rPr>
               <a:t>27</a:t>
             </a:r>
-            <a:endParaRPr dirty="0">
+            <a:endParaRPr b="1" dirty="0">
+              <a:solidFill>
+                <a:schemeClr val="accent1">
+                  <a:lumMod val="50000"/>
+                </a:schemeClr>
+              </a:solidFill>
               <a:latin typeface="NanumBarunGothicOTF Light" panose="02000303000000000000" pitchFamily="2" charset="-128"/>
               <a:ea typeface="NanumBarunGothicOTF Light" panose="02000303000000000000" pitchFamily="2" charset="-128"/>
             </a:endParaRPr>
@@ -5021,7 +5123,7 @@
           </a:ln>
           <a:extLst>
             <a:ext uri="{C572A759-6A51-4108-AA02-DFA0A04FC94B}">
-              <ma14:wrappingTextBoxFlag xmlns="" xmlns:m="http://schemas.openxmlformats.org/officeDocument/2006/math" xmlns:a14="http://schemas.microsoft.com/office/drawing/2010/main" xmlns:ma14="http://schemas.microsoft.com/office/mac/drawingml/2011/main" val="1"/>
+              <ma14:wrappingTextBoxFlag xmlns:ma14="http://schemas.microsoft.com/office/mac/drawingml/2011/main" xmlns:a14="http://schemas.microsoft.com/office/drawing/2010/main" xmlns:m="http://schemas.openxmlformats.org/officeDocument/2006/math" xmlns="" val="1"/>
             </a:ext>
           </a:extLst>
         </p:spPr>
@@ -5039,13 +5141,13 @@
           </a:lstStyle>
           <a:p>
             <a:r>
-              <a:rPr lang="en-US" dirty="0">
+              <a:rPr lang="en-US" b="1" dirty="0">
                 <a:latin typeface="NanumBarunGothicOTF Light" panose="02000303000000000000" pitchFamily="2" charset="-128"/>
                 <a:ea typeface="NanumBarunGothicOTF Light" panose="02000303000000000000" pitchFamily="2" charset="-128"/>
               </a:rPr>
               <a:t>23</a:t>
             </a:r>
-            <a:endParaRPr dirty="0">
+            <a:endParaRPr b="1" dirty="0">
               <a:latin typeface="NanumBarunGothicOTF Light" panose="02000303000000000000" pitchFamily="2" charset="-128"/>
               <a:ea typeface="NanumBarunGothicOTF Light" panose="02000303000000000000" pitchFamily="2" charset="-128"/>
             </a:endParaRPr>
@@ -5239,7 +5341,7 @@
           </a:ln>
           <a:extLst>
             <a:ext uri="{C572A759-6A51-4108-AA02-DFA0A04FC94B}">
-              <ma14:wrappingTextBoxFlag xmlns="" xmlns:m="http://schemas.openxmlformats.org/officeDocument/2006/math" xmlns:a14="http://schemas.microsoft.com/office/drawing/2010/main" xmlns:ma14="http://schemas.microsoft.com/office/mac/drawingml/2011/main" val="1"/>
+              <ma14:wrappingTextBoxFlag xmlns:ma14="http://schemas.microsoft.com/office/mac/drawingml/2011/main" xmlns:a14="http://schemas.microsoft.com/office/drawing/2010/main" xmlns:m="http://schemas.openxmlformats.org/officeDocument/2006/math" xmlns="" val="1"/>
             </a:ext>
           </a:extLst>
         </p:spPr>
@@ -5260,13 +5362,13 @@
           </a:lstStyle>
           <a:p>
             <a:r>
-              <a:rPr lang="en-US" dirty="0">
+              <a:rPr lang="en-US" b="1" dirty="0">
                 <a:latin typeface="NanumBarunGothicOTF Light" panose="02000303000000000000" pitchFamily="2" charset="-128"/>
                 <a:ea typeface="NanumBarunGothicOTF Light" panose="02000303000000000000" pitchFamily="2" charset="-128"/>
               </a:rPr>
               <a:t>28</a:t>
             </a:r>
-            <a:endParaRPr dirty="0">
+            <a:endParaRPr b="1" dirty="0">
               <a:latin typeface="NanumBarunGothicOTF Light" panose="02000303000000000000" pitchFamily="2" charset="-128"/>
               <a:ea typeface="NanumBarunGothicOTF Light" panose="02000303000000000000" pitchFamily="2" charset="-128"/>
             </a:endParaRPr>
@@ -5292,7 +5394,7 @@
           </a:ln>
           <a:extLst>
             <a:ext uri="{C572A759-6A51-4108-AA02-DFA0A04FC94B}">
-              <ma14:wrappingTextBoxFlag xmlns="" xmlns:m="http://schemas.openxmlformats.org/officeDocument/2006/math" xmlns:a14="http://schemas.microsoft.com/office/drawing/2010/main" xmlns:ma14="http://schemas.microsoft.com/office/mac/drawingml/2011/main" val="1"/>
+              <ma14:wrappingTextBoxFlag xmlns:ma14="http://schemas.microsoft.com/office/mac/drawingml/2011/main" xmlns:a14="http://schemas.microsoft.com/office/drawing/2010/main" xmlns:m="http://schemas.openxmlformats.org/officeDocument/2006/math" xmlns="" val="1"/>
             </a:ext>
           </a:extLst>
         </p:spPr>
@@ -5310,13 +5412,13 @@
           </a:lstStyle>
           <a:p>
             <a:r>
-              <a:rPr lang="en-US" dirty="0">
+              <a:rPr lang="en-US" b="1" dirty="0">
                 <a:latin typeface="NanumBarunGothicOTF Light" panose="02000303000000000000" pitchFamily="2" charset="-128"/>
                 <a:ea typeface="NanumBarunGothicOTF Light" panose="02000303000000000000" pitchFamily="2" charset="-128"/>
               </a:rPr>
               <a:t>29</a:t>
             </a:r>
-            <a:endParaRPr dirty="0">
+            <a:endParaRPr b="1" dirty="0">
               <a:latin typeface="NanumBarunGothicOTF Light" panose="02000303000000000000" pitchFamily="2" charset="-128"/>
               <a:ea typeface="NanumBarunGothicOTF Light" panose="02000303000000000000" pitchFamily="2" charset="-128"/>
             </a:endParaRPr>
@@ -5342,7 +5444,7 @@
           </a:ln>
           <a:extLst>
             <a:ext uri="{C572A759-6A51-4108-AA02-DFA0A04FC94B}">
-              <ma14:wrappingTextBoxFlag xmlns="" xmlns:m="http://schemas.openxmlformats.org/officeDocument/2006/math" xmlns:a14="http://schemas.microsoft.com/office/drawing/2010/main" xmlns:ma14="http://schemas.microsoft.com/office/mac/drawingml/2011/main" val="1"/>
+              <ma14:wrappingTextBoxFlag xmlns:ma14="http://schemas.microsoft.com/office/mac/drawingml/2011/main" xmlns:a14="http://schemas.microsoft.com/office/drawing/2010/main" xmlns:m="http://schemas.openxmlformats.org/officeDocument/2006/math" xmlns="" val="1"/>
             </a:ext>
           </a:extLst>
         </p:spPr>
@@ -5360,13 +5462,13 @@
           </a:lstStyle>
           <a:p>
             <a:r>
-              <a:rPr lang="en-US" dirty="0">
+              <a:rPr lang="en-US" b="1" dirty="0">
                 <a:latin typeface="NanumBarunGothicOTF Light" panose="02000303000000000000" pitchFamily="2" charset="-128"/>
                 <a:ea typeface="NanumBarunGothicOTF Light" panose="02000303000000000000" pitchFamily="2" charset="-128"/>
               </a:rPr>
               <a:t>31</a:t>
             </a:r>
-            <a:endParaRPr dirty="0">
+            <a:endParaRPr b="1" dirty="0">
               <a:latin typeface="NanumBarunGothicOTF Light" panose="02000303000000000000" pitchFamily="2" charset="-128"/>
               <a:ea typeface="NanumBarunGothicOTF Light" panose="02000303000000000000" pitchFamily="2" charset="-128"/>
             </a:endParaRPr>
@@ -5392,7 +5494,7 @@
           </a:ln>
           <a:extLst>
             <a:ext uri="{C572A759-6A51-4108-AA02-DFA0A04FC94B}">
-              <ma14:wrappingTextBoxFlag xmlns="" xmlns:m="http://schemas.openxmlformats.org/officeDocument/2006/math" xmlns:a14="http://schemas.microsoft.com/office/drawing/2010/main" xmlns:ma14="http://schemas.microsoft.com/office/mac/drawingml/2011/main" val="1"/>
+              <ma14:wrappingTextBoxFlag xmlns:ma14="http://schemas.microsoft.com/office/mac/drawingml/2011/main" xmlns:a14="http://schemas.microsoft.com/office/drawing/2010/main" xmlns:m="http://schemas.openxmlformats.org/officeDocument/2006/math" xmlns="" val="1"/>
             </a:ext>
           </a:extLst>
         </p:spPr>
@@ -5411,12 +5513,22 @@
           <a:p>
             <a:r>
               <a:rPr lang="en-US" dirty="0">
+                <a:solidFill>
+                  <a:schemeClr val="bg2">
+                    <a:lumMod val="90000"/>
+                  </a:schemeClr>
+                </a:solidFill>
                 <a:latin typeface="NanumBarunGothicOTF Light" panose="02000303000000000000" pitchFamily="2" charset="-128"/>
                 <a:ea typeface="NanumBarunGothicOTF Light" panose="02000303000000000000" pitchFamily="2" charset="-128"/>
               </a:rPr>
               <a:t>1</a:t>
             </a:r>
             <a:endParaRPr dirty="0">
+              <a:solidFill>
+                <a:schemeClr val="bg2">
+                  <a:lumMod val="90000"/>
+                </a:schemeClr>
+              </a:solidFill>
               <a:latin typeface="NanumBarunGothicOTF Light" panose="02000303000000000000" pitchFamily="2" charset="-128"/>
               <a:ea typeface="NanumBarunGothicOTF Light" panose="02000303000000000000" pitchFamily="2" charset="-128"/>
             </a:endParaRPr>
@@ -5442,7 +5554,7 @@
           </a:ln>
           <a:extLst>
             <a:ext uri="{C572A759-6A51-4108-AA02-DFA0A04FC94B}">
-              <ma14:wrappingTextBoxFlag xmlns="" xmlns:m="http://schemas.openxmlformats.org/officeDocument/2006/math" xmlns:a14="http://schemas.microsoft.com/office/drawing/2010/main" xmlns:ma14="http://schemas.microsoft.com/office/mac/drawingml/2011/main" val="1"/>
+              <ma14:wrappingTextBoxFlag xmlns:ma14="http://schemas.microsoft.com/office/mac/drawingml/2011/main" xmlns:a14="http://schemas.microsoft.com/office/drawing/2010/main" xmlns:m="http://schemas.openxmlformats.org/officeDocument/2006/math" xmlns="" val="1"/>
             </a:ext>
           </a:extLst>
         </p:spPr>
@@ -5461,12 +5573,22 @@
           <a:p>
             <a:r>
               <a:rPr lang="en-US" dirty="0">
+                <a:solidFill>
+                  <a:schemeClr val="bg2">
+                    <a:lumMod val="90000"/>
+                  </a:schemeClr>
+                </a:solidFill>
                 <a:latin typeface="NanumBarunGothicOTF Light" panose="02000303000000000000" pitchFamily="2" charset="-128"/>
                 <a:ea typeface="NanumBarunGothicOTF Light" panose="02000303000000000000" pitchFamily="2" charset="-128"/>
               </a:rPr>
               <a:t>2</a:t>
             </a:r>
             <a:endParaRPr dirty="0">
+              <a:solidFill>
+                <a:schemeClr val="bg2">
+                  <a:lumMod val="90000"/>
+                </a:schemeClr>
+              </a:solidFill>
               <a:latin typeface="NanumBarunGothicOTF Light" panose="02000303000000000000" pitchFamily="2" charset="-128"/>
               <a:ea typeface="NanumBarunGothicOTF Light" panose="02000303000000000000" pitchFamily="2" charset="-128"/>
             </a:endParaRPr>
@@ -5492,7 +5614,7 @@
           </a:ln>
           <a:extLst>
             <a:ext uri="{C572A759-6A51-4108-AA02-DFA0A04FC94B}">
-              <ma14:wrappingTextBoxFlag xmlns="" xmlns:m="http://schemas.openxmlformats.org/officeDocument/2006/math" xmlns:a14="http://schemas.microsoft.com/office/drawing/2010/main" xmlns:ma14="http://schemas.microsoft.com/office/mac/drawingml/2011/main" val="1"/>
+              <ma14:wrappingTextBoxFlag xmlns:ma14="http://schemas.microsoft.com/office/mac/drawingml/2011/main" xmlns:a14="http://schemas.microsoft.com/office/drawing/2010/main" xmlns:m="http://schemas.openxmlformats.org/officeDocument/2006/math" xmlns="" val="1"/>
             </a:ext>
           </a:extLst>
         </p:spPr>
@@ -5514,12 +5636,22 @@
           <a:p>
             <a:r>
               <a:rPr lang="en-US" dirty="0">
+                <a:solidFill>
+                  <a:schemeClr val="bg2">
+                    <a:lumMod val="90000"/>
+                  </a:schemeClr>
+                </a:solidFill>
                 <a:latin typeface="NanumBarunGothicOTF Light" panose="02000303000000000000" pitchFamily="2" charset="-128"/>
                 <a:ea typeface="NanumBarunGothicOTF Light" panose="02000303000000000000" pitchFamily="2" charset="-128"/>
               </a:rPr>
               <a:t>3</a:t>
             </a:r>
             <a:endParaRPr dirty="0">
+              <a:solidFill>
+                <a:schemeClr val="bg2">
+                  <a:lumMod val="90000"/>
+                </a:schemeClr>
+              </a:solidFill>
               <a:latin typeface="NanumBarunGothicOTF Light" panose="02000303000000000000" pitchFamily="2" charset="-128"/>
               <a:ea typeface="NanumBarunGothicOTF Light" panose="02000303000000000000" pitchFamily="2" charset="-128"/>
             </a:endParaRPr>
@@ -5545,7 +5677,7 @@
           </a:ln>
           <a:extLst>
             <a:ext uri="{C572A759-6A51-4108-AA02-DFA0A04FC94B}">
-              <ma14:wrappingTextBoxFlag xmlns="" xmlns:m="http://schemas.openxmlformats.org/officeDocument/2006/math" xmlns:a14="http://schemas.microsoft.com/office/drawing/2010/main" xmlns:ma14="http://schemas.microsoft.com/office/mac/drawingml/2011/main" val="1"/>
+              <ma14:wrappingTextBoxFlag xmlns:ma14="http://schemas.microsoft.com/office/mac/drawingml/2011/main" xmlns:a14="http://schemas.microsoft.com/office/drawing/2010/main" xmlns:m="http://schemas.openxmlformats.org/officeDocument/2006/math" xmlns="" val="1"/>
             </a:ext>
           </a:extLst>
         </p:spPr>
@@ -5563,65 +5695,16 @@
           </a:lstStyle>
           <a:p>
             <a:r>
-              <a:rPr lang="en-US" dirty="0">
+              <a:rPr lang="en-US" b="1" dirty="0">
                 <a:latin typeface="NanumBarunGothicOTF Light" panose="02000303000000000000" pitchFamily="2" charset="-128"/>
                 <a:ea typeface="NanumBarunGothicOTF Light" panose="02000303000000000000" pitchFamily="2" charset="-128"/>
               </a:rPr>
               <a:t>30</a:t>
             </a:r>
-            <a:endParaRPr dirty="0">
+            <a:endParaRPr b="1" dirty="0">
               <a:latin typeface="NanumBarunGothicOTF Light" panose="02000303000000000000" pitchFamily="2" charset="-128"/>
               <a:ea typeface="NanumBarunGothicOTF Light" panose="02000303000000000000" pitchFamily="2" charset="-128"/>
             </a:endParaRPr>
-          </a:p>
-        </p:txBody>
-      </p:sp>
-      <p:sp>
-        <p:nvSpPr>
-          <p:cNvPr id="149" name="3월"/>
-          <p:cNvSpPr txBox="1"/>
-          <p:nvPr/>
-        </p:nvSpPr>
-        <p:spPr>
-          <a:xfrm>
-            <a:off x="17761136" y="11308944"/>
-            <a:ext cx="959583" cy="727076"/>
-          </a:xfrm>
-          <a:prstGeom prst="rect">
-            <a:avLst/>
-          </a:prstGeom>
-          <a:ln w="12700">
-            <a:miter lim="400000"/>
-          </a:ln>
-          <a:extLst>
-            <a:ext uri="{C572A759-6A51-4108-AA02-DFA0A04FC94B}">
-              <ma14:wrappingTextBoxFlag xmlns="" xmlns:m="http://schemas.openxmlformats.org/officeDocument/2006/math" xmlns:a14="http://schemas.microsoft.com/office/drawing/2010/main" xmlns:ma14="http://schemas.microsoft.com/office/mac/drawingml/2011/main" val="1"/>
-            </a:ext>
-          </a:extLst>
-        </p:spPr>
-        <p:txBody>
-          <a:bodyPr lIns="71437" tIns="71437" rIns="71437" bIns="71437"/>
-          <a:lstStyle>
-            <a:lvl1pPr defTabSz="584200">
-              <a:defRPr sz="4000" b="0" spc="-119">
-                <a:solidFill>
-                  <a:srgbClr val="A9A9A9"/>
-                </a:solidFill>
-                <a:latin typeface="나눔바른고딕OTF Light"/>
-                <a:ea typeface="나눔바른고딕OTF Light"/>
-                <a:cs typeface="나눔바른고딕OTF Light"/>
-                <a:sym typeface="나눔바른고딕OTF Light"/>
-              </a:defRPr>
-            </a:lvl1pPr>
-          </a:lstStyle>
-          <a:p>
-            <a:r>
-              <a:rPr dirty="0">
-                <a:latin typeface="NanumBarunGothicOTF Light" panose="02000303000000000000" pitchFamily="2" charset="-128"/>
-                <a:ea typeface="NanumBarunGothicOTF Light" panose="02000303000000000000" pitchFamily="2" charset="-128"/>
-              </a:rPr>
-              <a:t>3월</a:t>
-            </a:r>
           </a:p>
         </p:txBody>
       </p:sp>
@@ -5633,7 +5716,7 @@
         </p:nvSpPr>
         <p:spPr>
           <a:xfrm>
-            <a:off x="1119565" y="12361861"/>
+            <a:off x="1119565" y="11227172"/>
             <a:ext cx="1588900" cy="391039"/>
           </a:xfrm>
           <a:prstGeom prst="rect">
@@ -5649,7 +5732,7 @@
           </a:ln>
           <a:extLst>
             <a:ext uri="{C572A759-6A51-4108-AA02-DFA0A04FC94B}">
-              <ma14:wrappingTextBoxFlag xmlns="" xmlns:m="http://schemas.openxmlformats.org/officeDocument/2006/math" xmlns:a14="http://schemas.microsoft.com/office/drawing/2010/main" xmlns:ma14="http://schemas.microsoft.com/office/mac/drawingml/2011/main" val="1"/>
+              <ma14:wrappingTextBoxFlag xmlns:ma14="http://schemas.microsoft.com/office/mac/drawingml/2011/main" xmlns:a14="http://schemas.microsoft.com/office/drawing/2010/main" xmlns:m="http://schemas.openxmlformats.org/officeDocument/2006/math" xmlns="" val="1"/>
             </a:ext>
           </a:extLst>
         </p:spPr>
@@ -5680,7 +5763,7 @@
         </p:nvSpPr>
         <p:spPr>
           <a:xfrm>
-            <a:off x="1119565" y="10835869"/>
+            <a:off x="1119565" y="11963902"/>
             <a:ext cx="1588900" cy="440311"/>
           </a:xfrm>
           <a:prstGeom prst="rect">
@@ -5696,7 +5779,7 @@
           </a:ln>
           <a:extLst>
             <a:ext uri="{C572A759-6A51-4108-AA02-DFA0A04FC94B}">
-              <ma14:wrappingTextBoxFlag xmlns="" xmlns:m="http://schemas.openxmlformats.org/officeDocument/2006/math" xmlns:a14="http://schemas.microsoft.com/office/drawing/2010/main" xmlns:ma14="http://schemas.microsoft.com/office/mac/drawingml/2011/main" val="1"/>
+              <ma14:wrappingTextBoxFlag xmlns:ma14="http://schemas.microsoft.com/office/mac/drawingml/2011/main" xmlns:a14="http://schemas.microsoft.com/office/drawing/2010/main" xmlns:m="http://schemas.openxmlformats.org/officeDocument/2006/math" xmlns="" val="1"/>
             </a:ext>
           </a:extLst>
         </p:spPr>
@@ -5728,7 +5811,7 @@
         </p:nvSpPr>
         <p:spPr>
           <a:xfrm>
-            <a:off x="1119565" y="11595709"/>
+            <a:off x="1119565" y="12723742"/>
             <a:ext cx="1588900" cy="440311"/>
           </a:xfrm>
           <a:prstGeom prst="rect">
@@ -5744,7 +5827,7 @@
           </a:ln>
           <a:extLst>
             <a:ext uri="{C572A759-6A51-4108-AA02-DFA0A04FC94B}">
-              <ma14:wrappingTextBoxFlag xmlns="" xmlns:m="http://schemas.openxmlformats.org/officeDocument/2006/math" xmlns:a14="http://schemas.microsoft.com/office/drawing/2010/main" xmlns:ma14="http://schemas.microsoft.com/office/mac/drawingml/2011/main" val="1"/>
+              <ma14:wrappingTextBoxFlag xmlns:ma14="http://schemas.microsoft.com/office/mac/drawingml/2011/main" xmlns:a14="http://schemas.microsoft.com/office/drawing/2010/main" xmlns:m="http://schemas.openxmlformats.org/officeDocument/2006/math" xmlns="" val="1"/>
             </a:ext>
           </a:extLst>
         </p:spPr>
@@ -5783,7 +5866,7 @@
         </p:nvSpPr>
         <p:spPr>
           <a:xfrm>
-            <a:off x="2992954" y="10766447"/>
+            <a:off x="2992954" y="11894480"/>
             <a:ext cx="2135015" cy="564257"/>
           </a:xfrm>
           <a:prstGeom prst="rect">
@@ -5869,7 +5952,7 @@
         </p:nvSpPr>
         <p:spPr>
           <a:xfrm>
-            <a:off x="3032112" y="12275251"/>
+            <a:off x="3032112" y="11140562"/>
             <a:ext cx="2135015" cy="564257"/>
           </a:xfrm>
           <a:prstGeom prst="rect">
@@ -5955,7 +6038,7 @@
         </p:nvSpPr>
         <p:spPr>
           <a:xfrm>
-            <a:off x="3007739" y="11520365"/>
+            <a:off x="3007739" y="12648398"/>
             <a:ext cx="2135015" cy="564257"/>
           </a:xfrm>
           <a:prstGeom prst="rect">
@@ -6023,6 +6106,2073 @@
               <a:ea typeface="Helvetica Neue"/>
               <a:cs typeface="Helvetica Neue"/>
               <a:sym typeface="Helvetica Neue"/>
+            </a:endParaRPr>
+          </a:p>
+        </p:txBody>
+      </p:sp>
+      <p:sp>
+        <p:nvSpPr>
+          <p:cNvPr id="97" name="3.선진사 벤치마킹…">
+            <a:extLst>
+              <a:ext uri="{FF2B5EF4-FFF2-40B4-BE49-F238E27FC236}">
+                <a16:creationId xmlns:a16="http://schemas.microsoft.com/office/drawing/2014/main" id="{2E8726AA-E18D-481B-A482-9DC8262D8E55}"/>
+              </a:ext>
+            </a:extLst>
+          </p:cNvPr>
+          <p:cNvSpPr/>
+          <p:nvPr/>
+        </p:nvSpPr>
+        <p:spPr>
+          <a:xfrm>
+            <a:off x="6717816" y="2823596"/>
+            <a:ext cx="16756665" cy="473076"/>
+          </a:xfrm>
+          <a:prstGeom prst="rect">
+            <a:avLst/>
+          </a:prstGeom>
+          <a:solidFill>
+            <a:srgbClr val="D4FB79">
+              <a:alpha val="58136"/>
+            </a:srgbClr>
+          </a:solidFill>
+          <a:ln w="12700">
+            <a:miter lim="400000"/>
+          </a:ln>
+          <a:extLst>
+            <a:ext uri="{C572A759-6A51-4108-AA02-DFA0A04FC94B}">
+              <ma14:wrappingTextBoxFlag xmlns:ma14="http://schemas.microsoft.com/office/mac/drawingml/2011/main" xmlns:a14="http://schemas.microsoft.com/office/drawing/2010/main" xmlns:m="http://schemas.openxmlformats.org/officeDocument/2006/math" xmlns="" val="1"/>
+            </a:ext>
+          </a:extLst>
+        </p:spPr>
+        <p:txBody>
+          <a:bodyPr lIns="71437" tIns="71437" rIns="71437" bIns="71437"/>
+          <a:lstStyle/>
+          <a:p>
+            <a:pPr defTabSz="584200">
+              <a:defRPr sz="2300" b="0" spc="-69">
+                <a:latin typeface="나눔바른고딕OTF Light"/>
+                <a:ea typeface="나눔바른고딕OTF Light"/>
+                <a:cs typeface="나눔바른고딕OTF Light"/>
+                <a:sym typeface="나눔바른고딕OTF Light"/>
+              </a:defRPr>
+            </a:pPr>
+            <a:r>
+              <a:rPr lang="ko-KR" altLang="en-US" b="0" dirty="0">
+                <a:latin typeface="NanumBarunGothicOTF Light" panose="02000303000000000000" pitchFamily="2" charset="-128"/>
+                <a:ea typeface="NanumBarunGothicOTF Light" panose="02000303000000000000" pitchFamily="2" charset="-128"/>
+              </a:rPr>
+              <a:t>레이아웃</a:t>
+            </a:r>
+            <a:r>
+              <a:rPr lang="en-US" altLang="ko-KR" b="0" dirty="0">
+                <a:latin typeface="NanumBarunGothicOTF Light" panose="02000303000000000000" pitchFamily="2" charset="-128"/>
+                <a:ea typeface="NanumBarunGothicOTF Light" panose="02000303000000000000" pitchFamily="2" charset="-128"/>
+              </a:rPr>
+              <a:t>(</a:t>
+            </a:r>
+            <a:r>
+              <a:rPr lang="ko-KR" altLang="en-US" b="0" dirty="0">
+                <a:latin typeface="NanumBarunGothicOTF Light" panose="02000303000000000000" pitchFamily="2" charset="-128"/>
+                <a:ea typeface="NanumBarunGothicOTF Light" panose="02000303000000000000" pitchFamily="2" charset="-128"/>
+              </a:rPr>
+              <a:t>앱</a:t>
+            </a:r>
+            <a:r>
+              <a:rPr lang="en-US" altLang="ko-KR" b="0" dirty="0">
+                <a:latin typeface="NanumBarunGothicOTF Light" panose="02000303000000000000" pitchFamily="2" charset="-128"/>
+                <a:ea typeface="NanumBarunGothicOTF Light" panose="02000303000000000000" pitchFamily="2" charset="-128"/>
+              </a:rPr>
+              <a:t>) </a:t>
+            </a:r>
+            <a:r>
+              <a:rPr lang="ko-KR" altLang="en-US" b="0" dirty="0">
+                <a:latin typeface="NanumBarunGothicOTF Light" panose="02000303000000000000" pitchFamily="2" charset="-128"/>
+                <a:ea typeface="NanumBarunGothicOTF Light" panose="02000303000000000000" pitchFamily="2" charset="-128"/>
+              </a:rPr>
+              <a:t>디자인</a:t>
+            </a:r>
+            <a:endParaRPr b="0" dirty="0">
+              <a:latin typeface="NanumBarunGothicOTF Light" panose="02000303000000000000" pitchFamily="2" charset="-128"/>
+              <a:ea typeface="NanumBarunGothicOTF Light" panose="02000303000000000000" pitchFamily="2" charset="-128"/>
+            </a:endParaRPr>
+          </a:p>
+        </p:txBody>
+      </p:sp>
+      <p:sp>
+        <p:nvSpPr>
+          <p:cNvPr id="99" name="3.선진사 벤치마킹…">
+            <a:extLst>
+              <a:ext uri="{FF2B5EF4-FFF2-40B4-BE49-F238E27FC236}">
+                <a16:creationId xmlns:a16="http://schemas.microsoft.com/office/drawing/2014/main" id="{018B2DAE-FF22-4D4D-9B8F-690E54C1C8FD}"/>
+              </a:ext>
+            </a:extLst>
+          </p:cNvPr>
+          <p:cNvSpPr/>
+          <p:nvPr/>
+        </p:nvSpPr>
+        <p:spPr>
+          <a:xfrm>
+            <a:off x="6700710" y="5103745"/>
+            <a:ext cx="10643857" cy="469746"/>
+          </a:xfrm>
+          <a:prstGeom prst="rect">
+            <a:avLst/>
+          </a:prstGeom>
+          <a:solidFill>
+            <a:srgbClr val="D4FB79">
+              <a:alpha val="58136"/>
+            </a:srgbClr>
+          </a:solidFill>
+          <a:ln w="12700">
+            <a:miter lim="400000"/>
+          </a:ln>
+          <a:extLst>
+            <a:ext uri="{C572A759-6A51-4108-AA02-DFA0A04FC94B}">
+              <ma14:wrappingTextBoxFlag xmlns:ma14="http://schemas.microsoft.com/office/mac/drawingml/2011/main" xmlns:a14="http://schemas.microsoft.com/office/drawing/2010/main" xmlns:m="http://schemas.openxmlformats.org/officeDocument/2006/math" xmlns="" val="1"/>
+            </a:ext>
+          </a:extLst>
+        </p:spPr>
+        <p:txBody>
+          <a:bodyPr lIns="71437" tIns="71437" rIns="71437" bIns="71437"/>
+          <a:lstStyle/>
+          <a:p>
+            <a:pPr defTabSz="584200">
+              <a:defRPr sz="2300" b="0" spc="-69">
+                <a:latin typeface="나눔바른고딕OTF Light"/>
+                <a:ea typeface="나눔바른고딕OTF Light"/>
+                <a:cs typeface="나눔바른고딕OTF Light"/>
+                <a:sym typeface="나눔바른고딕OTF Light"/>
+              </a:defRPr>
+            </a:pPr>
+            <a:endParaRPr b="0" dirty="0">
+              <a:latin typeface="NanumBarunGothicOTF Light" panose="02000303000000000000" pitchFamily="2" charset="-128"/>
+              <a:ea typeface="NanumBarunGothicOTF Light" panose="02000303000000000000" pitchFamily="2" charset="-128"/>
+            </a:endParaRPr>
+          </a:p>
+        </p:txBody>
+      </p:sp>
+      <p:sp>
+        <p:nvSpPr>
+          <p:cNvPr id="112" name="3.선진사 벤치마킹…">
+            <a:extLst>
+              <a:ext uri="{FF2B5EF4-FFF2-40B4-BE49-F238E27FC236}">
+                <a16:creationId xmlns:a16="http://schemas.microsoft.com/office/drawing/2014/main" id="{8B857E7A-A926-4600-A3CD-BE04C1CC42C0}"/>
+              </a:ext>
+            </a:extLst>
+          </p:cNvPr>
+          <p:cNvSpPr/>
+          <p:nvPr/>
+        </p:nvSpPr>
+        <p:spPr>
+          <a:xfrm>
+            <a:off x="17761137" y="5082680"/>
+            <a:ext cx="5713335" cy="469746"/>
+          </a:xfrm>
+          <a:prstGeom prst="rect">
+            <a:avLst/>
+          </a:prstGeom>
+          <a:solidFill>
+            <a:srgbClr val="D4FB79">
+              <a:alpha val="58136"/>
+            </a:srgbClr>
+          </a:solidFill>
+          <a:ln w="12700">
+            <a:miter lim="400000"/>
+          </a:ln>
+          <a:extLst>
+            <a:ext uri="{C572A759-6A51-4108-AA02-DFA0A04FC94B}">
+              <ma14:wrappingTextBoxFlag xmlns:ma14="http://schemas.microsoft.com/office/mac/drawingml/2011/main" xmlns:a14="http://schemas.microsoft.com/office/drawing/2010/main" xmlns:m="http://schemas.openxmlformats.org/officeDocument/2006/math" xmlns="" val="1"/>
+            </a:ext>
+          </a:extLst>
+        </p:spPr>
+        <p:txBody>
+          <a:bodyPr lIns="71437" tIns="71437" rIns="71437" bIns="71437"/>
+          <a:lstStyle/>
+          <a:p>
+            <a:pPr defTabSz="584200">
+              <a:defRPr sz="2300" b="0" spc="-69">
+                <a:latin typeface="나눔바른고딕OTF Light"/>
+                <a:ea typeface="나눔바른고딕OTF Light"/>
+                <a:cs typeface="나눔바른고딕OTF Light"/>
+                <a:sym typeface="나눔바른고딕OTF Light"/>
+              </a:defRPr>
+            </a:pPr>
+            <a:endParaRPr b="0" dirty="0">
+              <a:latin typeface="NanumBarunGothicOTF Light" panose="02000303000000000000" pitchFamily="2" charset="-128"/>
+              <a:ea typeface="NanumBarunGothicOTF Light" panose="02000303000000000000" pitchFamily="2" charset="-128"/>
+            </a:endParaRPr>
+          </a:p>
+        </p:txBody>
+      </p:sp>
+      <p:sp>
+        <p:nvSpPr>
+          <p:cNvPr id="114" name="3.선진사 벤치마킹…">
+            <a:extLst>
+              <a:ext uri="{FF2B5EF4-FFF2-40B4-BE49-F238E27FC236}">
+                <a16:creationId xmlns:a16="http://schemas.microsoft.com/office/drawing/2014/main" id="{5480C3D4-D58C-4926-AA76-47A3080E8490}"/>
+              </a:ext>
+            </a:extLst>
+          </p:cNvPr>
+          <p:cNvSpPr/>
+          <p:nvPr/>
+        </p:nvSpPr>
+        <p:spPr>
+          <a:xfrm>
+            <a:off x="6720826" y="7480668"/>
+            <a:ext cx="10623742" cy="469746"/>
+          </a:xfrm>
+          <a:prstGeom prst="rect">
+            <a:avLst/>
+          </a:prstGeom>
+          <a:solidFill>
+            <a:srgbClr val="D4FB79">
+              <a:alpha val="58136"/>
+            </a:srgbClr>
+          </a:solidFill>
+          <a:ln w="12700">
+            <a:miter lim="400000"/>
+          </a:ln>
+          <a:extLst>
+            <a:ext uri="{C572A759-6A51-4108-AA02-DFA0A04FC94B}">
+              <ma14:wrappingTextBoxFlag xmlns:ma14="http://schemas.microsoft.com/office/mac/drawingml/2011/main" xmlns:a14="http://schemas.microsoft.com/office/drawing/2010/main" xmlns:m="http://schemas.openxmlformats.org/officeDocument/2006/math" xmlns="" val="1"/>
+            </a:ext>
+          </a:extLst>
+        </p:spPr>
+        <p:txBody>
+          <a:bodyPr lIns="71437" tIns="71437" rIns="71437" bIns="71437"/>
+          <a:lstStyle/>
+          <a:p>
+            <a:pPr defTabSz="584200">
+              <a:defRPr sz="2300" b="0" spc="-69">
+                <a:latin typeface="나눔바른고딕OTF Light"/>
+                <a:ea typeface="나눔바른고딕OTF Light"/>
+                <a:cs typeface="나눔바른고딕OTF Light"/>
+                <a:sym typeface="나눔바른고딕OTF Light"/>
+              </a:defRPr>
+            </a:pPr>
+            <a:r>
+              <a:rPr lang="ko-KR" altLang="en-US" b="0" dirty="0">
+                <a:latin typeface="NanumBarunGothicOTF Light" panose="02000303000000000000" pitchFamily="2" charset="-128"/>
+                <a:ea typeface="NanumBarunGothicOTF Light" panose="02000303000000000000" pitchFamily="2" charset="-128"/>
+              </a:rPr>
+              <a:t>회원 가입 </a:t>
+            </a:r>
+            <a:r>
+              <a:rPr lang="en-US" altLang="ko-KR" b="0" dirty="0">
+                <a:latin typeface="NanumBarunGothicOTF Light" panose="02000303000000000000" pitchFamily="2" charset="-128"/>
+                <a:ea typeface="NanumBarunGothicOTF Light" panose="02000303000000000000" pitchFamily="2" charset="-128"/>
+              </a:rPr>
+              <a:t>/ </a:t>
+            </a:r>
+            <a:r>
+              <a:rPr lang="ko-KR" altLang="en-US" b="0" dirty="0">
+                <a:latin typeface="NanumBarunGothicOTF Light" panose="02000303000000000000" pitchFamily="2" charset="-128"/>
+                <a:ea typeface="NanumBarunGothicOTF Light" panose="02000303000000000000" pitchFamily="2" charset="-128"/>
+              </a:rPr>
+              <a:t>로그인 </a:t>
+            </a:r>
+            <a:r>
+              <a:rPr lang="en-US" altLang="ko-KR" b="0" dirty="0">
+                <a:latin typeface="NanumBarunGothicOTF Light" panose="02000303000000000000" pitchFamily="2" charset="-128"/>
+                <a:ea typeface="NanumBarunGothicOTF Light" panose="02000303000000000000" pitchFamily="2" charset="-128"/>
+              </a:rPr>
+              <a:t>(</a:t>
+            </a:r>
+            <a:r>
+              <a:rPr lang="ko-KR" altLang="en-US" b="0" dirty="0">
+                <a:latin typeface="NanumBarunGothicOTF Light" panose="02000303000000000000" pitchFamily="2" charset="-128"/>
+                <a:ea typeface="NanumBarunGothicOTF Light" panose="02000303000000000000" pitchFamily="2" charset="-128"/>
+              </a:rPr>
+              <a:t>앱</a:t>
+            </a:r>
+            <a:r>
+              <a:rPr lang="en-US" altLang="ko-KR" b="0" dirty="0">
+                <a:latin typeface="NanumBarunGothicOTF Light" panose="02000303000000000000" pitchFamily="2" charset="-128"/>
+                <a:ea typeface="NanumBarunGothicOTF Light" panose="02000303000000000000" pitchFamily="2" charset="-128"/>
+              </a:rPr>
+              <a:t>)</a:t>
+            </a:r>
+            <a:endParaRPr lang="ko-KR" altLang="en-US" b="0" dirty="0">
+              <a:latin typeface="NanumBarunGothicOTF Light" panose="02000303000000000000" pitchFamily="2" charset="-128"/>
+              <a:ea typeface="NanumBarunGothicOTF Light" panose="02000303000000000000" pitchFamily="2" charset="-128"/>
+            </a:endParaRPr>
+          </a:p>
+          <a:p>
+            <a:pPr defTabSz="584200">
+              <a:defRPr sz="2300" b="0" spc="-69">
+                <a:latin typeface="나눔바른고딕OTF Light"/>
+                <a:ea typeface="나눔바른고딕OTF Light"/>
+                <a:cs typeface="나눔바른고딕OTF Light"/>
+                <a:sym typeface="나눔바른고딕OTF Light"/>
+              </a:defRPr>
+            </a:pPr>
+            <a:endParaRPr b="0" dirty="0">
+              <a:latin typeface="NanumBarunGothicOTF Light" panose="02000303000000000000" pitchFamily="2" charset="-128"/>
+              <a:ea typeface="NanumBarunGothicOTF Light" panose="02000303000000000000" pitchFamily="2" charset="-128"/>
+            </a:endParaRPr>
+          </a:p>
+        </p:txBody>
+      </p:sp>
+      <p:sp>
+        <p:nvSpPr>
+          <p:cNvPr id="116" name="3.선진사 벤치마킹…">
+            <a:extLst>
+              <a:ext uri="{FF2B5EF4-FFF2-40B4-BE49-F238E27FC236}">
+                <a16:creationId xmlns:a16="http://schemas.microsoft.com/office/drawing/2014/main" id="{CC9228D8-C856-41E1-B728-522B08C1E26C}"/>
+              </a:ext>
+            </a:extLst>
+          </p:cNvPr>
+          <p:cNvSpPr/>
+          <p:nvPr/>
+        </p:nvSpPr>
+        <p:spPr>
+          <a:xfrm>
+            <a:off x="17761126" y="7461687"/>
+            <a:ext cx="5713345" cy="469746"/>
+          </a:xfrm>
+          <a:prstGeom prst="rect">
+            <a:avLst/>
+          </a:prstGeom>
+          <a:solidFill>
+            <a:srgbClr val="D4FB79">
+              <a:alpha val="58136"/>
+            </a:srgbClr>
+          </a:solidFill>
+          <a:ln w="12700">
+            <a:miter lim="400000"/>
+          </a:ln>
+          <a:extLst>
+            <a:ext uri="{C572A759-6A51-4108-AA02-DFA0A04FC94B}">
+              <ma14:wrappingTextBoxFlag xmlns:ma14="http://schemas.microsoft.com/office/mac/drawingml/2011/main" xmlns:a14="http://schemas.microsoft.com/office/drawing/2010/main" xmlns:m="http://schemas.openxmlformats.org/officeDocument/2006/math" xmlns="" val="1"/>
+            </a:ext>
+          </a:extLst>
+        </p:spPr>
+        <p:txBody>
+          <a:bodyPr lIns="71437" tIns="71437" rIns="71437" bIns="71437"/>
+          <a:lstStyle/>
+          <a:p>
+            <a:pPr defTabSz="584200">
+              <a:defRPr sz="2300" b="0" spc="-69">
+                <a:latin typeface="나눔바른고딕OTF Light"/>
+                <a:ea typeface="나눔바른고딕OTF Light"/>
+                <a:cs typeface="나눔바른고딕OTF Light"/>
+                <a:sym typeface="나눔바른고딕OTF Light"/>
+              </a:defRPr>
+            </a:pPr>
+            <a:endParaRPr b="0" dirty="0">
+              <a:latin typeface="NanumBarunGothicOTF Light" panose="02000303000000000000" pitchFamily="2" charset="-128"/>
+              <a:ea typeface="NanumBarunGothicOTF Light" panose="02000303000000000000" pitchFamily="2" charset="-128"/>
+            </a:endParaRPr>
+          </a:p>
+        </p:txBody>
+      </p:sp>
+      <p:sp>
+        <p:nvSpPr>
+          <p:cNvPr id="118" name="3.선진사 벤치마킹…">
+            <a:extLst>
+              <a:ext uri="{FF2B5EF4-FFF2-40B4-BE49-F238E27FC236}">
+                <a16:creationId xmlns:a16="http://schemas.microsoft.com/office/drawing/2014/main" id="{F486C296-CCEC-422D-B3CB-2808C3969AA8}"/>
+              </a:ext>
+            </a:extLst>
+          </p:cNvPr>
+          <p:cNvSpPr/>
+          <p:nvPr/>
+        </p:nvSpPr>
+        <p:spPr>
+          <a:xfrm>
+            <a:off x="6744024" y="9732460"/>
+            <a:ext cx="16730443" cy="469746"/>
+          </a:xfrm>
+          <a:prstGeom prst="rect">
+            <a:avLst/>
+          </a:prstGeom>
+          <a:solidFill>
+            <a:srgbClr val="D4FB79">
+              <a:alpha val="58136"/>
+            </a:srgbClr>
+          </a:solidFill>
+          <a:ln w="12700">
+            <a:miter lim="400000"/>
+          </a:ln>
+          <a:extLst>
+            <a:ext uri="{C572A759-6A51-4108-AA02-DFA0A04FC94B}">
+              <ma14:wrappingTextBoxFlag xmlns:ma14="http://schemas.microsoft.com/office/mac/drawingml/2011/main" xmlns:a14="http://schemas.microsoft.com/office/drawing/2010/main" xmlns:m="http://schemas.openxmlformats.org/officeDocument/2006/math" xmlns="" val="1"/>
+            </a:ext>
+          </a:extLst>
+        </p:spPr>
+        <p:txBody>
+          <a:bodyPr lIns="71437" tIns="71437" rIns="71437" bIns="71437"/>
+          <a:lstStyle/>
+          <a:p>
+            <a:pPr defTabSz="584200">
+              <a:defRPr sz="2300" b="0" spc="-69">
+                <a:latin typeface="나눔바른고딕OTF Light"/>
+                <a:ea typeface="나눔바른고딕OTF Light"/>
+                <a:cs typeface="나눔바른고딕OTF Light"/>
+                <a:sym typeface="나눔바른고딕OTF Light"/>
+              </a:defRPr>
+            </a:pPr>
+            <a:r>
+              <a:rPr lang="ko-KR" altLang="en-US" b="0" dirty="0">
+                <a:latin typeface="NanumBarunGothicOTF Light" panose="02000303000000000000" pitchFamily="2" charset="-128"/>
+                <a:ea typeface="NanumBarunGothicOTF Light" panose="02000303000000000000" pitchFamily="2" charset="-128"/>
+              </a:rPr>
+              <a:t>사업자 기능 구현 </a:t>
+            </a:r>
+            <a:r>
+              <a:rPr lang="en-US" altLang="ko-KR" b="0" dirty="0">
+                <a:latin typeface="NanumBarunGothicOTF Light" panose="02000303000000000000" pitchFamily="2" charset="-128"/>
+                <a:ea typeface="NanumBarunGothicOTF Light" panose="02000303000000000000" pitchFamily="2" charset="-128"/>
+              </a:rPr>
+              <a:t>(</a:t>
+            </a:r>
+            <a:r>
+              <a:rPr lang="ko-KR" altLang="en-US" b="0" dirty="0">
+                <a:latin typeface="NanumBarunGothicOTF Light" panose="02000303000000000000" pitchFamily="2" charset="-128"/>
+                <a:ea typeface="NanumBarunGothicOTF Light" panose="02000303000000000000" pitchFamily="2" charset="-128"/>
+              </a:rPr>
+              <a:t>앱</a:t>
+            </a:r>
+            <a:r>
+              <a:rPr lang="en-US" altLang="ko-KR" b="0" dirty="0">
+                <a:latin typeface="NanumBarunGothicOTF Light" panose="02000303000000000000" pitchFamily="2" charset="-128"/>
+                <a:ea typeface="NanumBarunGothicOTF Light" panose="02000303000000000000" pitchFamily="2" charset="-128"/>
+              </a:rPr>
+              <a:t>)</a:t>
+            </a:r>
+            <a:endParaRPr lang="ko-KR" altLang="en-US" b="0" dirty="0">
+              <a:latin typeface="NanumBarunGothicOTF Light" panose="02000303000000000000" pitchFamily="2" charset="-128"/>
+              <a:ea typeface="NanumBarunGothicOTF Light" panose="02000303000000000000" pitchFamily="2" charset="-128"/>
+            </a:endParaRPr>
+          </a:p>
+          <a:p>
+            <a:pPr defTabSz="584200">
+              <a:defRPr sz="2300" b="0" spc="-69">
+                <a:latin typeface="나눔바른고딕OTF Light"/>
+                <a:ea typeface="나눔바른고딕OTF Light"/>
+                <a:cs typeface="나눔바른고딕OTF Light"/>
+                <a:sym typeface="나눔바른고딕OTF Light"/>
+              </a:defRPr>
+            </a:pPr>
+            <a:endParaRPr b="0" dirty="0">
+              <a:latin typeface="NanumBarunGothicOTF Light" panose="02000303000000000000" pitchFamily="2" charset="-128"/>
+              <a:ea typeface="NanumBarunGothicOTF Light" panose="02000303000000000000" pitchFamily="2" charset="-128"/>
+            </a:endParaRPr>
+          </a:p>
+        </p:txBody>
+      </p:sp>
+      <p:sp>
+        <p:nvSpPr>
+          <p:cNvPr id="120" name="3.선진사 벤치마킹…">
+            <a:extLst>
+              <a:ext uri="{FF2B5EF4-FFF2-40B4-BE49-F238E27FC236}">
+                <a16:creationId xmlns:a16="http://schemas.microsoft.com/office/drawing/2014/main" id="{D2D06B3E-F0B7-49E7-B215-FFF639629A0F}"/>
+              </a:ext>
+            </a:extLst>
+          </p:cNvPr>
+          <p:cNvSpPr/>
+          <p:nvPr/>
+        </p:nvSpPr>
+        <p:spPr>
+          <a:xfrm>
+            <a:off x="6744023" y="11876352"/>
+            <a:ext cx="10600541" cy="469746"/>
+          </a:xfrm>
+          <a:prstGeom prst="rect">
+            <a:avLst/>
+          </a:prstGeom>
+          <a:solidFill>
+            <a:srgbClr val="D4FB79">
+              <a:alpha val="58136"/>
+            </a:srgbClr>
+          </a:solidFill>
+          <a:ln w="12700">
+            <a:miter lim="400000"/>
+          </a:ln>
+          <a:extLst>
+            <a:ext uri="{C572A759-6A51-4108-AA02-DFA0A04FC94B}">
+              <ma14:wrappingTextBoxFlag xmlns:ma14="http://schemas.microsoft.com/office/mac/drawingml/2011/main" xmlns:a14="http://schemas.microsoft.com/office/drawing/2010/main" xmlns:m="http://schemas.openxmlformats.org/officeDocument/2006/math" xmlns="" val="1"/>
+            </a:ext>
+          </a:extLst>
+        </p:spPr>
+        <p:txBody>
+          <a:bodyPr lIns="71437" tIns="71437" rIns="71437" bIns="71437"/>
+          <a:lstStyle/>
+          <a:p>
+            <a:pPr defTabSz="584200">
+              <a:defRPr sz="2300" b="0" spc="-69">
+                <a:latin typeface="나눔바른고딕OTF Light"/>
+                <a:ea typeface="나눔바른고딕OTF Light"/>
+                <a:cs typeface="나눔바른고딕OTF Light"/>
+                <a:sym typeface="나눔바른고딕OTF Light"/>
+              </a:defRPr>
+            </a:pPr>
+            <a:endParaRPr b="0" dirty="0">
+              <a:latin typeface="NanumBarunGothicOTF Light" panose="02000303000000000000" pitchFamily="2" charset="-128"/>
+              <a:ea typeface="NanumBarunGothicOTF Light" panose="02000303000000000000" pitchFamily="2" charset="-128"/>
+            </a:endParaRPr>
+          </a:p>
+        </p:txBody>
+      </p:sp>
+      <p:sp>
+        <p:nvSpPr>
+          <p:cNvPr id="131" name="6. 사용자 교육">
+            <a:extLst>
+              <a:ext uri="{FF2B5EF4-FFF2-40B4-BE49-F238E27FC236}">
+                <a16:creationId xmlns:a16="http://schemas.microsoft.com/office/drawing/2014/main" id="{2FD0A604-A317-42BC-A1F6-5CE1A0257700}"/>
+              </a:ext>
+            </a:extLst>
+          </p:cNvPr>
+          <p:cNvSpPr/>
+          <p:nvPr/>
+        </p:nvSpPr>
+        <p:spPr>
+          <a:xfrm>
+            <a:off x="6725844" y="3398838"/>
+            <a:ext cx="10618724" cy="440311"/>
+          </a:xfrm>
+          <a:prstGeom prst="rect">
+            <a:avLst/>
+          </a:prstGeom>
+          <a:solidFill>
+            <a:srgbClr val="FFD479">
+              <a:alpha val="56884"/>
+            </a:srgbClr>
+          </a:solidFill>
+          <a:ln w="12700">
+            <a:miter lim="400000"/>
+          </a:ln>
+          <a:extLst>
+            <a:ext uri="{C572A759-6A51-4108-AA02-DFA0A04FC94B}">
+              <ma14:wrappingTextBoxFlag xmlns:ma14="http://schemas.microsoft.com/office/mac/drawingml/2011/main" xmlns:a14="http://schemas.microsoft.com/office/drawing/2010/main" xmlns:m="http://schemas.openxmlformats.org/officeDocument/2006/math" xmlns="" val="1"/>
+            </a:ext>
+          </a:extLst>
+        </p:spPr>
+        <p:txBody>
+          <a:bodyPr lIns="71437" tIns="71437" rIns="71437" bIns="71437"/>
+          <a:lstStyle>
+            <a:lvl1pPr algn="l" defTabSz="584200">
+              <a:defRPr sz="2300" b="0" spc="-69">
+                <a:latin typeface="나눔바른고딕OTF Light"/>
+                <a:ea typeface="나눔바른고딕OTF Light"/>
+                <a:cs typeface="나눔바른고딕OTF Light"/>
+                <a:sym typeface="나눔바른고딕OTF Light"/>
+              </a:defRPr>
+            </a:lvl1pPr>
+          </a:lstStyle>
+          <a:p>
+            <a:pPr algn="ctr"/>
+            <a:r>
+              <a:rPr lang="ko-KR" altLang="en-US" dirty="0">
+                <a:latin typeface="NanumBarunGothicOTF Light" panose="02000303000000000000" pitchFamily="2" charset="-128"/>
+                <a:ea typeface="NanumBarunGothicOTF Light" panose="02000303000000000000" pitchFamily="2" charset="-128"/>
+              </a:rPr>
+              <a:t>로그인</a:t>
+            </a:r>
+            <a:r>
+              <a:rPr lang="en-US" altLang="ko-KR" dirty="0">
+                <a:latin typeface="NanumBarunGothicOTF Light" panose="02000303000000000000" pitchFamily="2" charset="-128"/>
+                <a:ea typeface="NanumBarunGothicOTF Light" panose="02000303000000000000" pitchFamily="2" charset="-128"/>
+              </a:rPr>
+              <a:t>/</a:t>
+            </a:r>
+            <a:r>
+              <a:rPr lang="ko-KR" altLang="en-US" dirty="0">
+                <a:latin typeface="NanumBarunGothicOTF Light" panose="02000303000000000000" pitchFamily="2" charset="-128"/>
+                <a:ea typeface="NanumBarunGothicOTF Light" panose="02000303000000000000" pitchFamily="2" charset="-128"/>
+              </a:rPr>
+              <a:t>회원가입</a:t>
+            </a:r>
+            <a:r>
+              <a:rPr lang="en-US" altLang="ko-KR" dirty="0">
+                <a:latin typeface="NanumBarunGothicOTF Light" panose="02000303000000000000" pitchFamily="2" charset="-128"/>
+                <a:ea typeface="NanumBarunGothicOTF Light" panose="02000303000000000000" pitchFamily="2" charset="-128"/>
+              </a:rPr>
+              <a:t>, </a:t>
+            </a:r>
+            <a:r>
+              <a:rPr lang="ko-KR" altLang="en-US" dirty="0">
+                <a:latin typeface="NanumBarunGothicOTF Light" panose="02000303000000000000" pitchFamily="2" charset="-128"/>
+                <a:ea typeface="NanumBarunGothicOTF Light" panose="02000303000000000000" pitchFamily="2" charset="-128"/>
+              </a:rPr>
+              <a:t>사업자 매장 등록 페이지</a:t>
+            </a:r>
+          </a:p>
+        </p:txBody>
+      </p:sp>
+      <p:sp>
+        <p:nvSpPr>
+          <p:cNvPr id="133" name="8 .  ERP 가동">
+            <a:extLst>
+              <a:ext uri="{FF2B5EF4-FFF2-40B4-BE49-F238E27FC236}">
+                <a16:creationId xmlns:a16="http://schemas.microsoft.com/office/drawing/2014/main" id="{C3E1308E-E25F-4849-B964-4C1A29C3AF5C}"/>
+              </a:ext>
+            </a:extLst>
+          </p:cNvPr>
+          <p:cNvSpPr/>
+          <p:nvPr/>
+        </p:nvSpPr>
+        <p:spPr>
+          <a:xfrm>
+            <a:off x="6714995" y="3940239"/>
+            <a:ext cx="10617875" cy="440311"/>
+          </a:xfrm>
+          <a:prstGeom prst="rect">
+            <a:avLst/>
+          </a:prstGeom>
+          <a:solidFill>
+            <a:srgbClr val="D5D5D5">
+              <a:alpha val="69849"/>
+            </a:srgbClr>
+          </a:solidFill>
+          <a:ln w="12700">
+            <a:miter lim="400000"/>
+          </a:ln>
+          <a:extLst>
+            <a:ext uri="{C572A759-6A51-4108-AA02-DFA0A04FC94B}">
+              <ma14:wrappingTextBoxFlag xmlns:ma14="http://schemas.microsoft.com/office/mac/drawingml/2011/main" xmlns:a14="http://schemas.microsoft.com/office/drawing/2010/main" xmlns:m="http://schemas.openxmlformats.org/officeDocument/2006/math" xmlns="" val="1"/>
+            </a:ext>
+          </a:extLst>
+        </p:spPr>
+        <p:txBody>
+          <a:bodyPr lIns="71437" tIns="71437" rIns="71437" bIns="71437"/>
+          <a:lstStyle>
+            <a:lvl1pPr algn="l" defTabSz="584200">
+              <a:defRPr sz="2300" b="0" spc="-69">
+                <a:latin typeface="나눔바른고딕OTF Light"/>
+                <a:ea typeface="나눔바른고딕OTF Light"/>
+                <a:cs typeface="나눔바른고딕OTF Light"/>
+                <a:sym typeface="나눔바른고딕OTF Light"/>
+              </a:defRPr>
+            </a:lvl1pPr>
+          </a:lstStyle>
+          <a:p>
+            <a:pPr algn="ctr"/>
+            <a:r>
+              <a:rPr lang="ko-KR" altLang="en-US" dirty="0">
+                <a:latin typeface="NanumBarunGothicOTF Light" panose="02000303000000000000" pitchFamily="2" charset="-128"/>
+                <a:ea typeface="NanumBarunGothicOTF Light" panose="02000303000000000000" pitchFamily="2" charset="-128"/>
+              </a:rPr>
+              <a:t>로그인</a:t>
+            </a:r>
+            <a:r>
+              <a:rPr lang="en-US" altLang="ko-KR" dirty="0">
+                <a:latin typeface="NanumBarunGothicOTF Light" panose="02000303000000000000" pitchFamily="2" charset="-128"/>
+                <a:ea typeface="NanumBarunGothicOTF Light" panose="02000303000000000000" pitchFamily="2" charset="-128"/>
+              </a:rPr>
+              <a:t>/</a:t>
+            </a:r>
+            <a:r>
+              <a:rPr lang="ko-KR" altLang="en-US" dirty="0">
+                <a:latin typeface="NanumBarunGothicOTF Light" panose="02000303000000000000" pitchFamily="2" charset="-128"/>
+                <a:ea typeface="NanumBarunGothicOTF Light" panose="02000303000000000000" pitchFamily="2" charset="-128"/>
+              </a:rPr>
+              <a:t>회원가입 </a:t>
+            </a:r>
+            <a:r>
+              <a:rPr lang="en-US" altLang="ko-KR" dirty="0">
+                <a:latin typeface="NanumBarunGothicOTF Light" panose="02000303000000000000" pitchFamily="2" charset="-128"/>
+                <a:ea typeface="NanumBarunGothicOTF Light" panose="02000303000000000000" pitchFamily="2" charset="-128"/>
+              </a:rPr>
+              <a:t>, </a:t>
+            </a:r>
+            <a:r>
+              <a:rPr lang="ko-KR" altLang="en-US" dirty="0">
+                <a:latin typeface="NanumBarunGothicOTF Light" panose="02000303000000000000" pitchFamily="2" charset="-128"/>
+                <a:ea typeface="NanumBarunGothicOTF Light" panose="02000303000000000000" pitchFamily="2" charset="-128"/>
+              </a:rPr>
+              <a:t>사업자 매장 등록 기능 구현 </a:t>
+            </a:r>
+            <a:endParaRPr dirty="0">
+              <a:latin typeface="NanumBarunGothicOTF Light" panose="02000303000000000000" pitchFamily="2" charset="-128"/>
+              <a:ea typeface="NanumBarunGothicOTF Light" panose="02000303000000000000" pitchFamily="2" charset="-128"/>
+            </a:endParaRPr>
+          </a:p>
+        </p:txBody>
+      </p:sp>
+      <p:sp>
+        <p:nvSpPr>
+          <p:cNvPr id="135" name="6. 사용자 교육">
+            <a:extLst>
+              <a:ext uri="{FF2B5EF4-FFF2-40B4-BE49-F238E27FC236}">
+                <a16:creationId xmlns:a16="http://schemas.microsoft.com/office/drawing/2014/main" id="{F1254AB5-2CAC-433D-921A-317827CDC7DE}"/>
+              </a:ext>
+            </a:extLst>
+          </p:cNvPr>
+          <p:cNvSpPr/>
+          <p:nvPr/>
+        </p:nvSpPr>
+        <p:spPr>
+          <a:xfrm>
+            <a:off x="17761136" y="3391883"/>
+            <a:ext cx="5713345" cy="440311"/>
+          </a:xfrm>
+          <a:prstGeom prst="rect">
+            <a:avLst/>
+          </a:prstGeom>
+          <a:solidFill>
+            <a:srgbClr val="FFD479">
+              <a:alpha val="56884"/>
+            </a:srgbClr>
+          </a:solidFill>
+          <a:ln w="12700">
+            <a:miter lim="400000"/>
+          </a:ln>
+          <a:extLst>
+            <a:ext uri="{C572A759-6A51-4108-AA02-DFA0A04FC94B}">
+              <ma14:wrappingTextBoxFlag xmlns:ma14="http://schemas.microsoft.com/office/mac/drawingml/2011/main" xmlns:a14="http://schemas.microsoft.com/office/drawing/2010/main" xmlns:m="http://schemas.openxmlformats.org/officeDocument/2006/math" xmlns="" val="1"/>
+            </a:ext>
+          </a:extLst>
+        </p:spPr>
+        <p:txBody>
+          <a:bodyPr lIns="71437" tIns="71437" rIns="71437" bIns="71437"/>
+          <a:lstStyle>
+            <a:lvl1pPr algn="l" defTabSz="584200">
+              <a:defRPr sz="2300" b="0" spc="-69">
+                <a:latin typeface="나눔바른고딕OTF Light"/>
+                <a:ea typeface="나눔바른고딕OTF Light"/>
+                <a:cs typeface="나눔바른고딕OTF Light"/>
+                <a:sym typeface="나눔바른고딕OTF Light"/>
+              </a:defRPr>
+            </a:lvl1pPr>
+          </a:lstStyle>
+          <a:p>
+            <a:pPr algn="ctr"/>
+            <a:endParaRPr lang="ko-KR" altLang="en-US" dirty="0">
+              <a:latin typeface="NanumBarunGothicOTF Light" panose="02000303000000000000" pitchFamily="2" charset="-128"/>
+              <a:ea typeface="NanumBarunGothicOTF Light" panose="02000303000000000000" pitchFamily="2" charset="-128"/>
+            </a:endParaRPr>
+          </a:p>
+          <a:p>
+            <a:pPr algn="ctr"/>
+            <a:endParaRPr dirty="0">
+              <a:latin typeface="NanumBarunGothicOTF Light" panose="02000303000000000000" pitchFamily="2" charset="-128"/>
+              <a:ea typeface="NanumBarunGothicOTF Light" panose="02000303000000000000" pitchFamily="2" charset="-128"/>
+            </a:endParaRPr>
+          </a:p>
+        </p:txBody>
+      </p:sp>
+      <p:sp>
+        <p:nvSpPr>
+          <p:cNvPr id="137" name="6. 사용자 교육">
+            <a:extLst>
+              <a:ext uri="{FF2B5EF4-FFF2-40B4-BE49-F238E27FC236}">
+                <a16:creationId xmlns:a16="http://schemas.microsoft.com/office/drawing/2014/main" id="{AF016064-5F78-4FD3-B84C-0B5E037744CE}"/>
+              </a:ext>
+            </a:extLst>
+          </p:cNvPr>
+          <p:cNvSpPr/>
+          <p:nvPr/>
+        </p:nvSpPr>
+        <p:spPr>
+          <a:xfrm>
+            <a:off x="6700710" y="5678189"/>
+            <a:ext cx="10643857" cy="440311"/>
+          </a:xfrm>
+          <a:prstGeom prst="rect">
+            <a:avLst/>
+          </a:prstGeom>
+          <a:solidFill>
+            <a:srgbClr val="FFD479">
+              <a:alpha val="56884"/>
+            </a:srgbClr>
+          </a:solidFill>
+          <a:ln w="12700">
+            <a:miter lim="400000"/>
+          </a:ln>
+          <a:extLst>
+            <a:ext uri="{C572A759-6A51-4108-AA02-DFA0A04FC94B}">
+              <ma14:wrappingTextBoxFlag xmlns:ma14="http://schemas.microsoft.com/office/mac/drawingml/2011/main" xmlns:a14="http://schemas.microsoft.com/office/drawing/2010/main" xmlns:m="http://schemas.openxmlformats.org/officeDocument/2006/math" xmlns="" val="1"/>
+            </a:ext>
+          </a:extLst>
+        </p:spPr>
+        <p:txBody>
+          <a:bodyPr lIns="71437" tIns="71437" rIns="71437" bIns="71437"/>
+          <a:lstStyle>
+            <a:lvl1pPr algn="l" defTabSz="584200">
+              <a:defRPr sz="2300" b="0" spc="-69">
+                <a:latin typeface="나눔바른고딕OTF Light"/>
+                <a:ea typeface="나눔바른고딕OTF Light"/>
+                <a:cs typeface="나눔바른고딕OTF Light"/>
+                <a:sym typeface="나눔바른고딕OTF Light"/>
+              </a:defRPr>
+            </a:lvl1pPr>
+          </a:lstStyle>
+          <a:p>
+            <a:pPr algn="ctr"/>
+            <a:r>
+              <a:rPr lang="ko-KR" altLang="en-US" dirty="0">
+                <a:latin typeface="NanumBarunGothicOTF Light" panose="02000303000000000000" pitchFamily="2" charset="-128"/>
+                <a:ea typeface="NanumBarunGothicOTF Light" panose="02000303000000000000" pitchFamily="2" charset="-128"/>
+              </a:rPr>
+              <a:t>사업자 메뉴</a:t>
+            </a:r>
+            <a:r>
+              <a:rPr lang="en-US" altLang="ko-KR" dirty="0">
+                <a:latin typeface="NanumBarunGothicOTF Light" panose="02000303000000000000" pitchFamily="2" charset="-128"/>
+                <a:ea typeface="NanumBarunGothicOTF Light" panose="02000303000000000000" pitchFamily="2" charset="-128"/>
+              </a:rPr>
+              <a:t>, </a:t>
+            </a:r>
+            <a:r>
+              <a:rPr lang="ko-KR" altLang="en-US" dirty="0">
+                <a:latin typeface="NanumBarunGothicOTF Light" panose="02000303000000000000" pitchFamily="2" charset="-128"/>
+                <a:ea typeface="NanumBarunGothicOTF Light" panose="02000303000000000000" pitchFamily="2" charset="-128"/>
+              </a:rPr>
+              <a:t>사업자 매장 관리 페이지</a:t>
+            </a:r>
+            <a:endParaRPr dirty="0">
+              <a:latin typeface="NanumBarunGothicOTF Light" panose="02000303000000000000" pitchFamily="2" charset="-128"/>
+              <a:ea typeface="NanumBarunGothicOTF Light" panose="02000303000000000000" pitchFamily="2" charset="-128"/>
+            </a:endParaRPr>
+          </a:p>
+        </p:txBody>
+      </p:sp>
+      <p:sp>
+        <p:nvSpPr>
+          <p:cNvPr id="139" name="6. 사용자 교육">
+            <a:extLst>
+              <a:ext uri="{FF2B5EF4-FFF2-40B4-BE49-F238E27FC236}">
+                <a16:creationId xmlns:a16="http://schemas.microsoft.com/office/drawing/2014/main" id="{5388D7E7-6729-435D-9EDB-1CE100E2EB91}"/>
+              </a:ext>
+            </a:extLst>
+          </p:cNvPr>
+          <p:cNvSpPr/>
+          <p:nvPr/>
+        </p:nvSpPr>
+        <p:spPr>
+          <a:xfrm>
+            <a:off x="17761137" y="5679278"/>
+            <a:ext cx="5713345" cy="440311"/>
+          </a:xfrm>
+          <a:prstGeom prst="rect">
+            <a:avLst/>
+          </a:prstGeom>
+          <a:solidFill>
+            <a:srgbClr val="FFD479">
+              <a:alpha val="56884"/>
+            </a:srgbClr>
+          </a:solidFill>
+          <a:ln w="12700">
+            <a:miter lim="400000"/>
+          </a:ln>
+          <a:extLst>
+            <a:ext uri="{C572A759-6A51-4108-AA02-DFA0A04FC94B}">
+              <ma14:wrappingTextBoxFlag xmlns:ma14="http://schemas.microsoft.com/office/mac/drawingml/2011/main" xmlns:a14="http://schemas.microsoft.com/office/drawing/2010/main" xmlns:m="http://schemas.openxmlformats.org/officeDocument/2006/math" xmlns="" val="1"/>
+            </a:ext>
+          </a:extLst>
+        </p:spPr>
+        <p:txBody>
+          <a:bodyPr lIns="71437" tIns="71437" rIns="71437" bIns="71437"/>
+          <a:lstStyle>
+            <a:lvl1pPr algn="l" defTabSz="584200">
+              <a:defRPr sz="2300" b="0" spc="-69">
+                <a:latin typeface="나눔바른고딕OTF Light"/>
+                <a:ea typeface="나눔바른고딕OTF Light"/>
+                <a:cs typeface="나눔바른고딕OTF Light"/>
+                <a:sym typeface="나눔바른고딕OTF Light"/>
+              </a:defRPr>
+            </a:lvl1pPr>
+          </a:lstStyle>
+          <a:p>
+            <a:pPr algn="ctr"/>
+            <a:endParaRPr dirty="0">
+              <a:latin typeface="NanumBarunGothicOTF Light" panose="02000303000000000000" pitchFamily="2" charset="-128"/>
+              <a:ea typeface="NanumBarunGothicOTF Light" panose="02000303000000000000" pitchFamily="2" charset="-128"/>
+            </a:endParaRPr>
+          </a:p>
+        </p:txBody>
+      </p:sp>
+      <p:sp>
+        <p:nvSpPr>
+          <p:cNvPr id="141" name="6. 사용자 교육">
+            <a:extLst>
+              <a:ext uri="{FF2B5EF4-FFF2-40B4-BE49-F238E27FC236}">
+                <a16:creationId xmlns:a16="http://schemas.microsoft.com/office/drawing/2014/main" id="{83E0C24D-78D4-4355-9316-D32A51A60630}"/>
+              </a:ext>
+            </a:extLst>
+          </p:cNvPr>
+          <p:cNvSpPr/>
+          <p:nvPr/>
+        </p:nvSpPr>
+        <p:spPr>
+          <a:xfrm>
+            <a:off x="6713277" y="8036363"/>
+            <a:ext cx="10643857" cy="440311"/>
+          </a:xfrm>
+          <a:prstGeom prst="rect">
+            <a:avLst/>
+          </a:prstGeom>
+          <a:solidFill>
+            <a:srgbClr val="FFD479">
+              <a:alpha val="56884"/>
+            </a:srgbClr>
+          </a:solidFill>
+          <a:ln w="12700">
+            <a:miter lim="400000"/>
+          </a:ln>
+          <a:extLst>
+            <a:ext uri="{C572A759-6A51-4108-AA02-DFA0A04FC94B}">
+              <ma14:wrappingTextBoxFlag xmlns:ma14="http://schemas.microsoft.com/office/mac/drawingml/2011/main" xmlns:a14="http://schemas.microsoft.com/office/drawing/2010/main" xmlns:m="http://schemas.openxmlformats.org/officeDocument/2006/math" xmlns="" val="1"/>
+            </a:ext>
+          </a:extLst>
+        </p:spPr>
+        <p:txBody>
+          <a:bodyPr lIns="71437" tIns="71437" rIns="71437" bIns="71437"/>
+          <a:lstStyle>
+            <a:lvl1pPr algn="l" defTabSz="584200">
+              <a:defRPr sz="2300" b="0" spc="-69">
+                <a:latin typeface="나눔바른고딕OTF Light"/>
+                <a:ea typeface="나눔바른고딕OTF Light"/>
+                <a:cs typeface="나눔바른고딕OTF Light"/>
+                <a:sym typeface="나눔바른고딕OTF Light"/>
+              </a:defRPr>
+            </a:lvl1pPr>
+          </a:lstStyle>
+          <a:p>
+            <a:pPr algn="ctr"/>
+            <a:r>
+              <a:rPr lang="ko-KR" altLang="en-US" dirty="0">
+                <a:latin typeface="NanumBarunGothicOTF Light" panose="02000303000000000000" pitchFamily="2" charset="-128"/>
+                <a:ea typeface="NanumBarunGothicOTF Light" panose="02000303000000000000" pitchFamily="2" charset="-128"/>
+              </a:rPr>
+              <a:t>사업자 리뷰 관리</a:t>
+            </a:r>
+            <a:r>
+              <a:rPr lang="en-US" altLang="ko-KR" dirty="0">
+                <a:latin typeface="NanumBarunGothicOTF Light" panose="02000303000000000000" pitchFamily="2" charset="-128"/>
+                <a:ea typeface="NanumBarunGothicOTF Light" panose="02000303000000000000" pitchFamily="2" charset="-128"/>
+              </a:rPr>
+              <a:t>, </a:t>
+            </a:r>
+            <a:r>
+              <a:rPr lang="ko-KR" altLang="en-US" dirty="0">
+                <a:latin typeface="NanumBarunGothicOTF Light" panose="02000303000000000000" pitchFamily="2" charset="-128"/>
+                <a:ea typeface="NanumBarunGothicOTF Light" panose="02000303000000000000" pitchFamily="2" charset="-128"/>
+              </a:rPr>
+              <a:t>사업자 정보 페이지</a:t>
+            </a:r>
+            <a:endParaRPr dirty="0">
+              <a:latin typeface="NanumBarunGothicOTF Light" panose="02000303000000000000" pitchFamily="2" charset="-128"/>
+              <a:ea typeface="NanumBarunGothicOTF Light" panose="02000303000000000000" pitchFamily="2" charset="-128"/>
+            </a:endParaRPr>
+          </a:p>
+        </p:txBody>
+      </p:sp>
+      <p:sp>
+        <p:nvSpPr>
+          <p:cNvPr id="151" name="6. 사용자 교육">
+            <a:extLst>
+              <a:ext uri="{FF2B5EF4-FFF2-40B4-BE49-F238E27FC236}">
+                <a16:creationId xmlns:a16="http://schemas.microsoft.com/office/drawing/2014/main" id="{1FAF3517-5316-4058-8747-2EAB12965923}"/>
+              </a:ext>
+            </a:extLst>
+          </p:cNvPr>
+          <p:cNvSpPr/>
+          <p:nvPr/>
+        </p:nvSpPr>
+        <p:spPr>
+          <a:xfrm>
+            <a:off x="17761137" y="8033897"/>
+            <a:ext cx="5713345" cy="440311"/>
+          </a:xfrm>
+          <a:prstGeom prst="rect">
+            <a:avLst/>
+          </a:prstGeom>
+          <a:solidFill>
+            <a:srgbClr val="FFD479">
+              <a:alpha val="56884"/>
+            </a:srgbClr>
+          </a:solidFill>
+          <a:ln w="12700">
+            <a:miter lim="400000"/>
+          </a:ln>
+          <a:extLst>
+            <a:ext uri="{C572A759-6A51-4108-AA02-DFA0A04FC94B}">
+              <ma14:wrappingTextBoxFlag xmlns:ma14="http://schemas.microsoft.com/office/mac/drawingml/2011/main" xmlns:a14="http://schemas.microsoft.com/office/drawing/2010/main" xmlns:m="http://schemas.openxmlformats.org/officeDocument/2006/math" xmlns="" val="1"/>
+            </a:ext>
+          </a:extLst>
+        </p:spPr>
+        <p:txBody>
+          <a:bodyPr lIns="71437" tIns="71437" rIns="71437" bIns="71437"/>
+          <a:lstStyle>
+            <a:lvl1pPr algn="l" defTabSz="584200">
+              <a:defRPr sz="2300" b="0" spc="-69">
+                <a:latin typeface="나눔바른고딕OTF Light"/>
+                <a:ea typeface="나눔바른고딕OTF Light"/>
+                <a:cs typeface="나눔바른고딕OTF Light"/>
+                <a:sym typeface="나눔바른고딕OTF Light"/>
+              </a:defRPr>
+            </a:lvl1pPr>
+          </a:lstStyle>
+          <a:p>
+            <a:pPr algn="ctr"/>
+            <a:endParaRPr dirty="0">
+              <a:latin typeface="NanumBarunGothicOTF Light" panose="02000303000000000000" pitchFamily="2" charset="-128"/>
+              <a:ea typeface="NanumBarunGothicOTF Light" panose="02000303000000000000" pitchFamily="2" charset="-128"/>
+            </a:endParaRPr>
+          </a:p>
+        </p:txBody>
+      </p:sp>
+      <p:sp>
+        <p:nvSpPr>
+          <p:cNvPr id="152" name="6. 사용자 교육">
+            <a:extLst>
+              <a:ext uri="{FF2B5EF4-FFF2-40B4-BE49-F238E27FC236}">
+                <a16:creationId xmlns:a16="http://schemas.microsoft.com/office/drawing/2014/main" id="{8A370A87-8192-45A1-A01B-263C622816B2}"/>
+              </a:ext>
+            </a:extLst>
+          </p:cNvPr>
+          <p:cNvSpPr/>
+          <p:nvPr/>
+        </p:nvSpPr>
+        <p:spPr>
+          <a:xfrm>
+            <a:off x="6746059" y="10268092"/>
+            <a:ext cx="10643857" cy="440311"/>
+          </a:xfrm>
+          <a:prstGeom prst="rect">
+            <a:avLst/>
+          </a:prstGeom>
+          <a:solidFill>
+            <a:srgbClr val="FFD479">
+              <a:alpha val="56884"/>
+            </a:srgbClr>
+          </a:solidFill>
+          <a:ln w="12700">
+            <a:miter lim="400000"/>
+          </a:ln>
+          <a:extLst>
+            <a:ext uri="{C572A759-6A51-4108-AA02-DFA0A04FC94B}">
+              <ma14:wrappingTextBoxFlag xmlns:ma14="http://schemas.microsoft.com/office/mac/drawingml/2011/main" xmlns:a14="http://schemas.microsoft.com/office/drawing/2010/main" xmlns:m="http://schemas.openxmlformats.org/officeDocument/2006/math" xmlns="" val="1"/>
+            </a:ext>
+          </a:extLst>
+        </p:spPr>
+        <p:txBody>
+          <a:bodyPr lIns="71437" tIns="71437" rIns="71437" bIns="71437"/>
+          <a:lstStyle>
+            <a:lvl1pPr algn="l" defTabSz="584200">
+              <a:defRPr sz="2300" b="0" spc="-69">
+                <a:latin typeface="나눔바른고딕OTF Light"/>
+                <a:ea typeface="나눔바른고딕OTF Light"/>
+                <a:cs typeface="나눔바른고딕OTF Light"/>
+                <a:sym typeface="나눔바른고딕OTF Light"/>
+              </a:defRPr>
+            </a:lvl1pPr>
+          </a:lstStyle>
+          <a:p>
+            <a:pPr algn="ctr"/>
+            <a:r>
+              <a:rPr lang="ko-KR" altLang="en-US" dirty="0">
+                <a:latin typeface="NanumBarunGothicOTF Light" panose="02000303000000000000" pitchFamily="2" charset="-128"/>
+                <a:ea typeface="NanumBarunGothicOTF Light" panose="02000303000000000000" pitchFamily="2" charset="-128"/>
+              </a:rPr>
+              <a:t>고객 메인 페이지</a:t>
+            </a:r>
+            <a:r>
+              <a:rPr lang="en-US" altLang="ko-KR" dirty="0">
+                <a:latin typeface="NanumBarunGothicOTF Light" panose="02000303000000000000" pitchFamily="2" charset="-128"/>
+                <a:ea typeface="NanumBarunGothicOTF Light" panose="02000303000000000000" pitchFamily="2" charset="-128"/>
+              </a:rPr>
+              <a:t>, </a:t>
+            </a:r>
+            <a:r>
+              <a:rPr lang="ko-KR" altLang="en-US" dirty="0">
+                <a:latin typeface="NanumBarunGothicOTF Light" panose="02000303000000000000" pitchFamily="2" charset="-128"/>
+                <a:ea typeface="NanumBarunGothicOTF Light" panose="02000303000000000000" pitchFamily="2" charset="-128"/>
+              </a:rPr>
+              <a:t>고객 매장 조회 페이지</a:t>
+            </a:r>
+            <a:endParaRPr dirty="0">
+              <a:latin typeface="NanumBarunGothicOTF Light" panose="02000303000000000000" pitchFamily="2" charset="-128"/>
+              <a:ea typeface="NanumBarunGothicOTF Light" panose="02000303000000000000" pitchFamily="2" charset="-128"/>
+            </a:endParaRPr>
+          </a:p>
+        </p:txBody>
+      </p:sp>
+      <p:sp>
+        <p:nvSpPr>
+          <p:cNvPr id="153" name="8 .  ERP 가동">
+            <a:extLst>
+              <a:ext uri="{FF2B5EF4-FFF2-40B4-BE49-F238E27FC236}">
+                <a16:creationId xmlns:a16="http://schemas.microsoft.com/office/drawing/2014/main" id="{40E3716B-37E6-47DE-8166-B79C553ADA50}"/>
+              </a:ext>
+            </a:extLst>
+          </p:cNvPr>
+          <p:cNvSpPr/>
+          <p:nvPr/>
+        </p:nvSpPr>
+        <p:spPr>
+          <a:xfrm>
+            <a:off x="6714996" y="6218028"/>
+            <a:ext cx="10642138" cy="440311"/>
+          </a:xfrm>
+          <a:prstGeom prst="rect">
+            <a:avLst/>
+          </a:prstGeom>
+          <a:solidFill>
+            <a:srgbClr val="D5D5D5">
+              <a:alpha val="69849"/>
+            </a:srgbClr>
+          </a:solidFill>
+          <a:ln w="12700">
+            <a:miter lim="400000"/>
+          </a:ln>
+          <a:extLst>
+            <a:ext uri="{C572A759-6A51-4108-AA02-DFA0A04FC94B}">
+              <ma14:wrappingTextBoxFlag xmlns:ma14="http://schemas.microsoft.com/office/mac/drawingml/2011/main" xmlns:a14="http://schemas.microsoft.com/office/drawing/2010/main" xmlns:m="http://schemas.openxmlformats.org/officeDocument/2006/math" xmlns="" val="1"/>
+            </a:ext>
+          </a:extLst>
+        </p:spPr>
+        <p:txBody>
+          <a:bodyPr lIns="71437" tIns="71437" rIns="71437" bIns="71437"/>
+          <a:lstStyle>
+            <a:lvl1pPr algn="l" defTabSz="584200">
+              <a:defRPr sz="2300" b="0" spc="-69">
+                <a:latin typeface="나눔바른고딕OTF Light"/>
+                <a:ea typeface="나눔바른고딕OTF Light"/>
+                <a:cs typeface="나눔바른고딕OTF Light"/>
+                <a:sym typeface="나눔바른고딕OTF Light"/>
+              </a:defRPr>
+            </a:lvl1pPr>
+          </a:lstStyle>
+          <a:p>
+            <a:pPr algn="ctr"/>
+            <a:r>
+              <a:rPr lang="ko-KR" altLang="en-US" dirty="0">
+                <a:latin typeface="NanumBarunGothicOTF Light" panose="02000303000000000000" pitchFamily="2" charset="-128"/>
+                <a:ea typeface="NanumBarunGothicOTF Light" panose="02000303000000000000" pitchFamily="2" charset="-128"/>
+              </a:rPr>
+              <a:t>사업자 메뉴</a:t>
+            </a:r>
+            <a:r>
+              <a:rPr lang="en-US" altLang="ko-KR" dirty="0">
+                <a:latin typeface="NanumBarunGothicOTF Light" panose="02000303000000000000" pitchFamily="2" charset="-128"/>
+                <a:ea typeface="NanumBarunGothicOTF Light" panose="02000303000000000000" pitchFamily="2" charset="-128"/>
+              </a:rPr>
+              <a:t>, </a:t>
+            </a:r>
+            <a:r>
+              <a:rPr lang="ko-KR" altLang="en-US" dirty="0">
+                <a:latin typeface="NanumBarunGothicOTF Light" panose="02000303000000000000" pitchFamily="2" charset="-128"/>
+                <a:ea typeface="NanumBarunGothicOTF Light" panose="02000303000000000000" pitchFamily="2" charset="-128"/>
+              </a:rPr>
+              <a:t>사업자 매장 관리 기능 구현</a:t>
+            </a:r>
+          </a:p>
+          <a:p>
+            <a:pPr algn="ctr"/>
+            <a:endParaRPr dirty="0">
+              <a:latin typeface="NanumBarunGothicOTF Light" panose="02000303000000000000" pitchFamily="2" charset="-128"/>
+              <a:ea typeface="NanumBarunGothicOTF Light" panose="02000303000000000000" pitchFamily="2" charset="-128"/>
+            </a:endParaRPr>
+          </a:p>
+        </p:txBody>
+      </p:sp>
+      <p:sp>
+        <p:nvSpPr>
+          <p:cNvPr id="154" name="8 .  ERP 가동">
+            <a:extLst>
+              <a:ext uri="{FF2B5EF4-FFF2-40B4-BE49-F238E27FC236}">
+                <a16:creationId xmlns:a16="http://schemas.microsoft.com/office/drawing/2014/main" id="{1F6DDB91-E03C-49B7-A56E-A486D66940AE}"/>
+              </a:ext>
+            </a:extLst>
+          </p:cNvPr>
+          <p:cNvSpPr/>
+          <p:nvPr/>
+        </p:nvSpPr>
+        <p:spPr>
+          <a:xfrm>
+            <a:off x="6714995" y="8569139"/>
+            <a:ext cx="10617877" cy="440311"/>
+          </a:xfrm>
+          <a:prstGeom prst="rect">
+            <a:avLst/>
+          </a:prstGeom>
+          <a:solidFill>
+            <a:srgbClr val="D5D5D5">
+              <a:alpha val="69849"/>
+            </a:srgbClr>
+          </a:solidFill>
+          <a:ln w="12700">
+            <a:miter lim="400000"/>
+          </a:ln>
+          <a:extLst>
+            <a:ext uri="{C572A759-6A51-4108-AA02-DFA0A04FC94B}">
+              <ma14:wrappingTextBoxFlag xmlns:ma14="http://schemas.microsoft.com/office/mac/drawingml/2011/main" xmlns:a14="http://schemas.microsoft.com/office/drawing/2010/main" xmlns:m="http://schemas.openxmlformats.org/officeDocument/2006/math" xmlns="" val="1"/>
+            </a:ext>
+          </a:extLst>
+        </p:spPr>
+        <p:txBody>
+          <a:bodyPr lIns="71437" tIns="71437" rIns="71437" bIns="71437"/>
+          <a:lstStyle>
+            <a:lvl1pPr algn="l" defTabSz="584200">
+              <a:defRPr sz="2300" b="0" spc="-69">
+                <a:latin typeface="나눔바른고딕OTF Light"/>
+                <a:ea typeface="나눔바른고딕OTF Light"/>
+                <a:cs typeface="나눔바른고딕OTF Light"/>
+                <a:sym typeface="나눔바른고딕OTF Light"/>
+              </a:defRPr>
+            </a:lvl1pPr>
+          </a:lstStyle>
+          <a:p>
+            <a:pPr algn="ctr"/>
+            <a:r>
+              <a:rPr lang="ko-KR" altLang="en-US" dirty="0">
+                <a:latin typeface="NanumBarunGothicOTF Light" panose="02000303000000000000" pitchFamily="2" charset="-128"/>
+                <a:ea typeface="NanumBarunGothicOTF Light" panose="02000303000000000000" pitchFamily="2" charset="-128"/>
+              </a:rPr>
+              <a:t>사업자 리뷰 조회 및 관리 기능 구현</a:t>
+            </a:r>
+            <a:endParaRPr dirty="0">
+              <a:latin typeface="NanumBarunGothicOTF Light" panose="02000303000000000000" pitchFamily="2" charset="-128"/>
+              <a:ea typeface="NanumBarunGothicOTF Light" panose="02000303000000000000" pitchFamily="2" charset="-128"/>
+            </a:endParaRPr>
+          </a:p>
+        </p:txBody>
+      </p:sp>
+      <p:sp>
+        <p:nvSpPr>
+          <p:cNvPr id="155" name="8 .  ERP 가동">
+            <a:extLst>
+              <a:ext uri="{FF2B5EF4-FFF2-40B4-BE49-F238E27FC236}">
+                <a16:creationId xmlns:a16="http://schemas.microsoft.com/office/drawing/2014/main" id="{D6A6AA82-D02D-493B-AC71-B24CBC9EA2C9}"/>
+              </a:ext>
+            </a:extLst>
+          </p:cNvPr>
+          <p:cNvSpPr/>
+          <p:nvPr/>
+        </p:nvSpPr>
+        <p:spPr>
+          <a:xfrm>
+            <a:off x="6744024" y="10776460"/>
+            <a:ext cx="10645892" cy="440311"/>
+          </a:xfrm>
+          <a:prstGeom prst="rect">
+            <a:avLst/>
+          </a:prstGeom>
+          <a:solidFill>
+            <a:srgbClr val="D5D5D5">
+              <a:alpha val="69849"/>
+            </a:srgbClr>
+          </a:solidFill>
+          <a:ln w="12700">
+            <a:miter lim="400000"/>
+          </a:ln>
+          <a:extLst>
+            <a:ext uri="{C572A759-6A51-4108-AA02-DFA0A04FC94B}">
+              <ma14:wrappingTextBoxFlag xmlns:ma14="http://schemas.microsoft.com/office/mac/drawingml/2011/main" xmlns:a14="http://schemas.microsoft.com/office/drawing/2010/main" xmlns:m="http://schemas.openxmlformats.org/officeDocument/2006/math" xmlns="" val="1"/>
+            </a:ext>
+          </a:extLst>
+        </p:spPr>
+        <p:txBody>
+          <a:bodyPr lIns="71437" tIns="71437" rIns="71437" bIns="71437"/>
+          <a:lstStyle>
+            <a:lvl1pPr algn="l" defTabSz="584200">
+              <a:defRPr sz="2300" b="0" spc="-69">
+                <a:latin typeface="나눔바른고딕OTF Light"/>
+                <a:ea typeface="나눔바른고딕OTF Light"/>
+                <a:cs typeface="나눔바른고딕OTF Light"/>
+                <a:sym typeface="나눔바른고딕OTF Light"/>
+              </a:defRPr>
+            </a:lvl1pPr>
+          </a:lstStyle>
+          <a:p>
+            <a:pPr algn="ctr"/>
+            <a:r>
+              <a:rPr lang="ko-KR" altLang="en-US" dirty="0">
+                <a:latin typeface="NanumBarunGothicOTF Light" panose="02000303000000000000" pitchFamily="2" charset="-128"/>
+                <a:ea typeface="NanumBarunGothicOTF Light" panose="02000303000000000000" pitchFamily="2" charset="-128"/>
+              </a:rPr>
+              <a:t>고객 매장 리스트 구현</a:t>
+            </a:r>
+            <a:endParaRPr dirty="0">
+              <a:latin typeface="NanumBarunGothicOTF Light" panose="02000303000000000000" pitchFamily="2" charset="-128"/>
+              <a:ea typeface="NanumBarunGothicOTF Light" panose="02000303000000000000" pitchFamily="2" charset="-128"/>
+            </a:endParaRPr>
+          </a:p>
+        </p:txBody>
+      </p:sp>
+      <p:sp>
+        <p:nvSpPr>
+          <p:cNvPr id="157" name="6. 사용자 교육">
+            <a:extLst>
+              <a:ext uri="{FF2B5EF4-FFF2-40B4-BE49-F238E27FC236}">
+                <a16:creationId xmlns:a16="http://schemas.microsoft.com/office/drawing/2014/main" id="{22A5BCA4-092F-4113-B2F4-44D77D9F1A31}"/>
+              </a:ext>
+            </a:extLst>
+          </p:cNvPr>
+          <p:cNvSpPr/>
+          <p:nvPr/>
+        </p:nvSpPr>
+        <p:spPr>
+          <a:xfrm>
+            <a:off x="17761137" y="10253583"/>
+            <a:ext cx="5713345" cy="440311"/>
+          </a:xfrm>
+          <a:prstGeom prst="rect">
+            <a:avLst/>
+          </a:prstGeom>
+          <a:solidFill>
+            <a:srgbClr val="FFD479">
+              <a:alpha val="56884"/>
+            </a:srgbClr>
+          </a:solidFill>
+          <a:ln w="12700">
+            <a:miter lim="400000"/>
+          </a:ln>
+          <a:extLst>
+            <a:ext uri="{C572A759-6A51-4108-AA02-DFA0A04FC94B}">
+              <ma14:wrappingTextBoxFlag xmlns:ma14="http://schemas.microsoft.com/office/mac/drawingml/2011/main" xmlns:a14="http://schemas.microsoft.com/office/drawing/2010/main" xmlns:m="http://schemas.openxmlformats.org/officeDocument/2006/math" xmlns="" val="1"/>
+            </a:ext>
+          </a:extLst>
+        </p:spPr>
+        <p:txBody>
+          <a:bodyPr lIns="71437" tIns="71437" rIns="71437" bIns="71437"/>
+          <a:lstStyle>
+            <a:lvl1pPr algn="l" defTabSz="584200">
+              <a:defRPr sz="2300" b="0" spc="-69">
+                <a:latin typeface="나눔바른고딕OTF Light"/>
+                <a:ea typeface="나눔바른고딕OTF Light"/>
+                <a:cs typeface="나눔바른고딕OTF Light"/>
+                <a:sym typeface="나눔바른고딕OTF Light"/>
+              </a:defRPr>
+            </a:lvl1pPr>
+          </a:lstStyle>
+          <a:p>
+            <a:pPr algn="ctr"/>
+            <a:endParaRPr dirty="0">
+              <a:latin typeface="NanumBarunGothicOTF Light" panose="02000303000000000000" pitchFamily="2" charset="-128"/>
+              <a:ea typeface="NanumBarunGothicOTF Light" panose="02000303000000000000" pitchFamily="2" charset="-128"/>
+            </a:endParaRPr>
+          </a:p>
+        </p:txBody>
+      </p:sp>
+      <p:sp>
+        <p:nvSpPr>
+          <p:cNvPr id="159" name="6. 사용자 교육">
+            <a:extLst>
+              <a:ext uri="{FF2B5EF4-FFF2-40B4-BE49-F238E27FC236}">
+                <a16:creationId xmlns:a16="http://schemas.microsoft.com/office/drawing/2014/main" id="{17428EE4-AB8D-4B1D-8D7A-9EE437CBD37C}"/>
+              </a:ext>
+            </a:extLst>
+          </p:cNvPr>
+          <p:cNvSpPr/>
+          <p:nvPr/>
+        </p:nvSpPr>
+        <p:spPr>
+          <a:xfrm>
+            <a:off x="6732331" y="12427853"/>
+            <a:ext cx="10600542" cy="440311"/>
+          </a:xfrm>
+          <a:prstGeom prst="rect">
+            <a:avLst/>
+          </a:prstGeom>
+          <a:solidFill>
+            <a:srgbClr val="FFD479">
+              <a:alpha val="56884"/>
+            </a:srgbClr>
+          </a:solidFill>
+          <a:ln w="12700">
+            <a:miter lim="400000"/>
+          </a:ln>
+          <a:extLst>
+            <a:ext uri="{C572A759-6A51-4108-AA02-DFA0A04FC94B}">
+              <ma14:wrappingTextBoxFlag xmlns:ma14="http://schemas.microsoft.com/office/mac/drawingml/2011/main" xmlns:a14="http://schemas.microsoft.com/office/drawing/2010/main" xmlns:m="http://schemas.openxmlformats.org/officeDocument/2006/math" xmlns="" val="1"/>
+            </a:ext>
+          </a:extLst>
+        </p:spPr>
+        <p:txBody>
+          <a:bodyPr lIns="71437" tIns="71437" rIns="71437" bIns="71437"/>
+          <a:lstStyle>
+            <a:lvl1pPr algn="l" defTabSz="584200">
+              <a:defRPr sz="2300" b="0" spc="-69">
+                <a:latin typeface="나눔바른고딕OTF Light"/>
+                <a:ea typeface="나눔바른고딕OTF Light"/>
+                <a:cs typeface="나눔바른고딕OTF Light"/>
+                <a:sym typeface="나눔바른고딕OTF Light"/>
+              </a:defRPr>
+            </a:lvl1pPr>
+          </a:lstStyle>
+          <a:p>
+            <a:pPr algn="ctr"/>
+            <a:r>
+              <a:rPr lang="ko-KR" altLang="en-US" dirty="0">
+                <a:latin typeface="NanumBarunGothicOTF Light" panose="02000303000000000000" pitchFamily="2" charset="-128"/>
+                <a:ea typeface="NanumBarunGothicOTF Light" panose="02000303000000000000" pitchFamily="2" charset="-128"/>
+              </a:rPr>
+              <a:t>고객 매장 상세 페이지</a:t>
+            </a:r>
+            <a:r>
+              <a:rPr lang="en-US" altLang="ko-KR" dirty="0">
+                <a:latin typeface="NanumBarunGothicOTF Light" panose="02000303000000000000" pitchFamily="2" charset="-128"/>
+                <a:ea typeface="NanumBarunGothicOTF Light" panose="02000303000000000000" pitchFamily="2" charset="-128"/>
+              </a:rPr>
+              <a:t>, </a:t>
+            </a:r>
+            <a:r>
+              <a:rPr lang="ko-KR" altLang="en-US" dirty="0">
+                <a:latin typeface="NanumBarunGothicOTF Light" panose="02000303000000000000" pitchFamily="2" charset="-128"/>
+                <a:ea typeface="NanumBarunGothicOTF Light" panose="02000303000000000000" pitchFamily="2" charset="-128"/>
+              </a:rPr>
+              <a:t>고객 정보 페이지</a:t>
+            </a:r>
+            <a:endParaRPr dirty="0">
+              <a:latin typeface="NanumBarunGothicOTF Light" panose="02000303000000000000" pitchFamily="2" charset="-128"/>
+              <a:ea typeface="NanumBarunGothicOTF Light" panose="02000303000000000000" pitchFamily="2" charset="-128"/>
+            </a:endParaRPr>
+          </a:p>
+        </p:txBody>
+      </p:sp>
+      <p:sp>
+        <p:nvSpPr>
+          <p:cNvPr id="160" name="8 .  ERP 가동">
+            <a:extLst>
+              <a:ext uri="{FF2B5EF4-FFF2-40B4-BE49-F238E27FC236}">
+                <a16:creationId xmlns:a16="http://schemas.microsoft.com/office/drawing/2014/main" id="{A1C4332E-2714-4F5C-9B59-DEC13D2F2682}"/>
+              </a:ext>
+            </a:extLst>
+          </p:cNvPr>
+          <p:cNvSpPr/>
+          <p:nvPr/>
+        </p:nvSpPr>
+        <p:spPr>
+          <a:xfrm>
+            <a:off x="17779828" y="10785244"/>
+            <a:ext cx="5689067" cy="440311"/>
+          </a:xfrm>
+          <a:prstGeom prst="rect">
+            <a:avLst/>
+          </a:prstGeom>
+          <a:solidFill>
+            <a:srgbClr val="D5D5D5">
+              <a:alpha val="69849"/>
+            </a:srgbClr>
+          </a:solidFill>
+          <a:ln w="12700">
+            <a:miter lim="400000"/>
+          </a:ln>
+          <a:extLst>
+            <a:ext uri="{C572A759-6A51-4108-AA02-DFA0A04FC94B}">
+              <ma14:wrappingTextBoxFlag xmlns:ma14="http://schemas.microsoft.com/office/mac/drawingml/2011/main" xmlns:a14="http://schemas.microsoft.com/office/drawing/2010/main" xmlns:m="http://schemas.openxmlformats.org/officeDocument/2006/math" xmlns="" val="1"/>
+            </a:ext>
+          </a:extLst>
+        </p:spPr>
+        <p:txBody>
+          <a:bodyPr lIns="71437" tIns="71437" rIns="71437" bIns="71437"/>
+          <a:lstStyle>
+            <a:lvl1pPr algn="l" defTabSz="584200">
+              <a:defRPr sz="2300" b="0" spc="-69">
+                <a:latin typeface="나눔바른고딕OTF Light"/>
+                <a:ea typeface="나눔바른고딕OTF Light"/>
+                <a:cs typeface="나눔바른고딕OTF Light"/>
+                <a:sym typeface="나눔바른고딕OTF Light"/>
+              </a:defRPr>
+            </a:lvl1pPr>
+          </a:lstStyle>
+          <a:p>
+            <a:pPr algn="ctr"/>
+            <a:endParaRPr dirty="0">
+              <a:latin typeface="NanumBarunGothicOTF Light" panose="02000303000000000000" pitchFamily="2" charset="-128"/>
+              <a:ea typeface="NanumBarunGothicOTF Light" panose="02000303000000000000" pitchFamily="2" charset="-128"/>
+            </a:endParaRPr>
+          </a:p>
+        </p:txBody>
+      </p:sp>
+      <p:sp>
+        <p:nvSpPr>
+          <p:cNvPr id="129" name="8 .  ERP 가동">
+            <a:extLst>
+              <a:ext uri="{FF2B5EF4-FFF2-40B4-BE49-F238E27FC236}">
+                <a16:creationId xmlns:a16="http://schemas.microsoft.com/office/drawing/2014/main" id="{57542A24-2F9F-4EE3-87D0-34D75914EBD3}"/>
+              </a:ext>
+            </a:extLst>
+          </p:cNvPr>
+          <p:cNvSpPr/>
+          <p:nvPr/>
+        </p:nvSpPr>
+        <p:spPr>
+          <a:xfrm>
+            <a:off x="17761126" y="3940239"/>
+            <a:ext cx="5713334" cy="440311"/>
+          </a:xfrm>
+          <a:prstGeom prst="rect">
+            <a:avLst/>
+          </a:prstGeom>
+          <a:solidFill>
+            <a:srgbClr val="D5D5D5">
+              <a:alpha val="69849"/>
+            </a:srgbClr>
+          </a:solidFill>
+          <a:ln w="12700">
+            <a:miter lim="400000"/>
+          </a:ln>
+          <a:extLst>
+            <a:ext uri="{C572A759-6A51-4108-AA02-DFA0A04FC94B}">
+              <ma14:wrappingTextBoxFlag xmlns:ma14="http://schemas.microsoft.com/office/mac/drawingml/2011/main" xmlns:a14="http://schemas.microsoft.com/office/drawing/2010/main" xmlns:m="http://schemas.openxmlformats.org/officeDocument/2006/math" xmlns="" val="1"/>
+            </a:ext>
+          </a:extLst>
+        </p:spPr>
+        <p:txBody>
+          <a:bodyPr lIns="71437" tIns="71437" rIns="71437" bIns="71437"/>
+          <a:lstStyle>
+            <a:lvl1pPr algn="l" defTabSz="584200">
+              <a:defRPr sz="2300" b="0" spc="-69">
+                <a:latin typeface="나눔바른고딕OTF Light"/>
+                <a:ea typeface="나눔바른고딕OTF Light"/>
+                <a:cs typeface="나눔바른고딕OTF Light"/>
+                <a:sym typeface="나눔바른고딕OTF Light"/>
+              </a:defRPr>
+            </a:lvl1pPr>
+          </a:lstStyle>
+          <a:p>
+            <a:pPr algn="ctr"/>
+            <a:endParaRPr dirty="0">
+              <a:latin typeface="NanumBarunGothicOTF Light" panose="02000303000000000000" pitchFamily="2" charset="-128"/>
+              <a:ea typeface="NanumBarunGothicOTF Light" panose="02000303000000000000" pitchFamily="2" charset="-128"/>
+            </a:endParaRPr>
+          </a:p>
+        </p:txBody>
+      </p:sp>
+      <p:sp>
+        <p:nvSpPr>
+          <p:cNvPr id="161" name="8 .  ERP 가동">
+            <a:extLst>
+              <a:ext uri="{FF2B5EF4-FFF2-40B4-BE49-F238E27FC236}">
+                <a16:creationId xmlns:a16="http://schemas.microsoft.com/office/drawing/2014/main" id="{8C383BEA-C902-4561-9272-F91A6954FAC3}"/>
+              </a:ext>
+            </a:extLst>
+          </p:cNvPr>
+          <p:cNvSpPr/>
+          <p:nvPr/>
+        </p:nvSpPr>
+        <p:spPr>
+          <a:xfrm>
+            <a:off x="17779828" y="6212829"/>
+            <a:ext cx="5713334" cy="440311"/>
+          </a:xfrm>
+          <a:prstGeom prst="rect">
+            <a:avLst/>
+          </a:prstGeom>
+          <a:solidFill>
+            <a:srgbClr val="D5D5D5">
+              <a:alpha val="69849"/>
+            </a:srgbClr>
+          </a:solidFill>
+          <a:ln w="12700">
+            <a:miter lim="400000"/>
+          </a:ln>
+          <a:extLst>
+            <a:ext uri="{C572A759-6A51-4108-AA02-DFA0A04FC94B}">
+              <ma14:wrappingTextBoxFlag xmlns:ma14="http://schemas.microsoft.com/office/mac/drawingml/2011/main" xmlns:a14="http://schemas.microsoft.com/office/drawing/2010/main" xmlns:m="http://schemas.openxmlformats.org/officeDocument/2006/math" xmlns="" val="1"/>
+            </a:ext>
+          </a:extLst>
+        </p:spPr>
+        <p:txBody>
+          <a:bodyPr lIns="71437" tIns="71437" rIns="71437" bIns="71437"/>
+          <a:lstStyle>
+            <a:lvl1pPr algn="l" defTabSz="584200">
+              <a:defRPr sz="2300" b="0" spc="-69">
+                <a:latin typeface="나눔바른고딕OTF Light"/>
+                <a:ea typeface="나눔바른고딕OTF Light"/>
+                <a:cs typeface="나눔바른고딕OTF Light"/>
+                <a:sym typeface="나눔바른고딕OTF Light"/>
+              </a:defRPr>
+            </a:lvl1pPr>
+          </a:lstStyle>
+          <a:p>
+            <a:pPr algn="ctr"/>
+            <a:endParaRPr dirty="0">
+              <a:latin typeface="NanumBarunGothicOTF Light" panose="02000303000000000000" pitchFamily="2" charset="-128"/>
+              <a:ea typeface="NanumBarunGothicOTF Light" panose="02000303000000000000" pitchFamily="2" charset="-128"/>
+            </a:endParaRPr>
+          </a:p>
+        </p:txBody>
+      </p:sp>
+      <p:sp>
+        <p:nvSpPr>
+          <p:cNvPr id="3" name="TextBox 2">
+            <a:extLst>
+              <a:ext uri="{FF2B5EF4-FFF2-40B4-BE49-F238E27FC236}">
+                <a16:creationId xmlns:a16="http://schemas.microsoft.com/office/drawing/2014/main" id="{17831321-A3FB-410B-A887-C1D8A7097A0C}"/>
+              </a:ext>
+            </a:extLst>
+          </p:cNvPr>
+          <p:cNvSpPr txBox="1"/>
+          <p:nvPr/>
+        </p:nvSpPr>
+        <p:spPr>
+          <a:xfrm>
+            <a:off x="905262" y="5806719"/>
+            <a:ext cx="5086612" cy="3765133"/>
+          </a:xfrm>
+          <a:prstGeom prst="rect">
+            <a:avLst/>
+          </a:prstGeom>
+          <a:noFill/>
+          <a:ln w="12700" cap="flat">
+            <a:noFill/>
+            <a:miter lim="400000"/>
+          </a:ln>
+          <a:effectLst/>
+          <a:sp3d/>
+        </p:spPr>
+        <p:style>
+          <a:lnRef idx="0">
+            <a:scrgbClr r="0" g="0" b="0"/>
+          </a:lnRef>
+          <a:fillRef idx="0">
+            <a:scrgbClr r="0" g="0" b="0"/>
+          </a:fillRef>
+          <a:effectRef idx="0">
+            <a:scrgbClr r="0" g="0" b="0"/>
+          </a:effectRef>
+          <a:fontRef idx="none"/>
+        </p:style>
+        <p:txBody>
+          <a:bodyPr rot="0" spcFirstLastPara="1" vertOverflow="overflow" horzOverflow="overflow" vert="horz" wrap="square" lIns="50800" tIns="50800" rIns="50800" bIns="50800" numCol="1" spcCol="38100" rtlCol="0" anchor="ctr">
+            <a:spAutoFit/>
+          </a:bodyPr>
+          <a:lstStyle/>
+          <a:p>
+            <a:pPr algn="l" defTabSz="584200">
+              <a:buSzPct val="100000"/>
+              <a:defRPr sz="3400" b="0" spc="-102">
+                <a:latin typeface="나눔바른고딕OTF Light"/>
+                <a:ea typeface="나눔바른고딕OTF Light"/>
+                <a:cs typeface="나눔바른고딕OTF Light"/>
+                <a:sym typeface="나눔바른고딕OTF Light"/>
+              </a:defRPr>
+            </a:pPr>
+            <a:r>
+              <a:rPr lang="ko-KR" altLang="en-US" b="0" dirty="0">
+                <a:latin typeface="NanumBarunGothicOTF Light" panose="02000303000000000000" pitchFamily="2" charset="-128"/>
+                <a:ea typeface="NanumBarunGothicOTF Light" panose="02000303000000000000" pitchFamily="2" charset="-128"/>
+              </a:rPr>
+              <a:t>웹</a:t>
+            </a:r>
+            <a:r>
+              <a:rPr lang="en-US" altLang="ko-KR" b="0" dirty="0">
+                <a:latin typeface="NanumBarunGothicOTF Light" panose="02000303000000000000" pitchFamily="2" charset="-128"/>
+                <a:ea typeface="NanumBarunGothicOTF Light" panose="02000303000000000000" pitchFamily="2" charset="-128"/>
+              </a:rPr>
+              <a:t>-</a:t>
+            </a:r>
+            <a:r>
+              <a:rPr lang="ko-KR" altLang="en-US" b="0" dirty="0">
+                <a:latin typeface="NanumBarunGothicOTF Light" panose="02000303000000000000" pitchFamily="2" charset="-128"/>
+                <a:ea typeface="NanumBarunGothicOTF Light" panose="02000303000000000000" pitchFamily="2" charset="-128"/>
+              </a:rPr>
+              <a:t>사업자</a:t>
+            </a:r>
+            <a:endParaRPr lang="en-US" altLang="ko-KR" b="0" dirty="0">
+              <a:latin typeface="NanumBarunGothicOTF Light" panose="02000303000000000000" pitchFamily="2" charset="-128"/>
+              <a:ea typeface="NanumBarunGothicOTF Light" panose="02000303000000000000" pitchFamily="2" charset="-128"/>
+            </a:endParaRPr>
+          </a:p>
+          <a:p>
+            <a:pPr algn="l" defTabSz="584200">
+              <a:buSzPct val="100000"/>
+              <a:defRPr sz="3400" b="0" spc="-102">
+                <a:latin typeface="나눔바른고딕OTF Light"/>
+                <a:ea typeface="나눔바른고딕OTF Light"/>
+                <a:cs typeface="나눔바른고딕OTF Light"/>
+                <a:sym typeface="나눔바른고딕OTF Light"/>
+              </a:defRPr>
+            </a:pPr>
+            <a:r>
+              <a:rPr lang="en-US" altLang="ko-KR" sz="2500" dirty="0">
+                <a:latin typeface="+mj-ea"/>
+                <a:ea typeface="+mj-ea"/>
+              </a:rPr>
+              <a:t>1. </a:t>
+            </a:r>
+            <a:r>
+              <a:rPr lang="ko-KR" altLang="en-US" sz="2500" dirty="0">
+                <a:latin typeface="+mj-ea"/>
+                <a:ea typeface="+mj-ea"/>
+              </a:rPr>
+              <a:t>로그인</a:t>
+            </a:r>
+            <a:r>
+              <a:rPr lang="en-US" altLang="ko-KR" sz="2500" dirty="0">
+                <a:latin typeface="+mj-ea"/>
+                <a:ea typeface="+mj-ea"/>
+              </a:rPr>
+              <a:t>,</a:t>
+            </a:r>
+            <a:r>
+              <a:rPr lang="ko-KR" altLang="en-US" sz="2500" dirty="0">
+                <a:latin typeface="+mj-ea"/>
+                <a:ea typeface="+mj-ea"/>
+              </a:rPr>
+              <a:t> 회원가입</a:t>
+            </a:r>
+            <a:r>
+              <a:rPr lang="en-US" altLang="ko-KR" sz="2500" dirty="0">
+                <a:latin typeface="+mj-ea"/>
+                <a:ea typeface="+mj-ea"/>
+              </a:rPr>
+              <a:t>, </a:t>
+            </a:r>
+            <a:r>
+              <a:rPr lang="ko-KR" altLang="en-US" sz="2500" dirty="0">
+                <a:latin typeface="+mj-ea"/>
+                <a:ea typeface="+mj-ea"/>
+              </a:rPr>
+              <a:t>매장등록</a:t>
+            </a:r>
+            <a:endParaRPr lang="en-US" altLang="ko-KR" sz="1500" dirty="0">
+              <a:latin typeface="+mj-ea"/>
+              <a:ea typeface="+mj-ea"/>
+            </a:endParaRPr>
+          </a:p>
+          <a:p>
+            <a:pPr algn="l" defTabSz="584200">
+              <a:buSzPct val="100000"/>
+              <a:defRPr sz="3400" b="0" spc="-102">
+                <a:latin typeface="나눔바른고딕OTF Light"/>
+                <a:ea typeface="나눔바른고딕OTF Light"/>
+                <a:cs typeface="나눔바른고딕OTF Light"/>
+                <a:sym typeface="나눔바른고딕OTF Light"/>
+              </a:defRPr>
+            </a:pPr>
+            <a:r>
+              <a:rPr lang="en-US" altLang="ko-KR" sz="2500" dirty="0">
+                <a:latin typeface="+mj-ea"/>
+                <a:ea typeface="+mj-ea"/>
+              </a:rPr>
+              <a:t>2. </a:t>
+            </a:r>
+            <a:r>
+              <a:rPr lang="ko-KR" altLang="en-US" sz="2500" dirty="0">
+                <a:latin typeface="+mj-ea"/>
+                <a:ea typeface="+mj-ea"/>
+              </a:rPr>
+              <a:t>메뉴</a:t>
+            </a:r>
+            <a:r>
+              <a:rPr lang="en-US" altLang="ko-KR" sz="2500" dirty="0">
+                <a:latin typeface="+mj-ea"/>
+                <a:ea typeface="+mj-ea"/>
+              </a:rPr>
+              <a:t>, </a:t>
+            </a:r>
+            <a:r>
+              <a:rPr lang="ko-KR" altLang="en-US" sz="2500" dirty="0">
+                <a:latin typeface="+mj-ea"/>
+                <a:ea typeface="+mj-ea"/>
+              </a:rPr>
+              <a:t>매장 관리</a:t>
+            </a:r>
+            <a:endParaRPr lang="en-US" altLang="ko-KR" sz="1500" dirty="0">
+              <a:latin typeface="+mj-ea"/>
+              <a:ea typeface="+mj-ea"/>
+            </a:endParaRPr>
+          </a:p>
+          <a:p>
+            <a:pPr algn="l" defTabSz="584200">
+              <a:buSzPct val="100000"/>
+              <a:defRPr sz="3400" b="0" spc="-102">
+                <a:latin typeface="나눔바른고딕OTF Light"/>
+                <a:ea typeface="나눔바른고딕OTF Light"/>
+                <a:cs typeface="나눔바른고딕OTF Light"/>
+                <a:sym typeface="나눔바른고딕OTF Light"/>
+              </a:defRPr>
+            </a:pPr>
+            <a:r>
+              <a:rPr lang="en-US" altLang="ko-KR" sz="2500" dirty="0">
+                <a:latin typeface="+mj-ea"/>
+                <a:ea typeface="+mj-ea"/>
+              </a:rPr>
+              <a:t>3. </a:t>
+            </a:r>
+            <a:r>
+              <a:rPr lang="ko-KR" altLang="en-US" sz="2500" dirty="0">
+                <a:latin typeface="+mj-ea"/>
+                <a:ea typeface="+mj-ea"/>
+              </a:rPr>
+              <a:t>리뷰 관리</a:t>
+            </a:r>
+            <a:r>
+              <a:rPr lang="en-US" altLang="ko-KR" sz="2500" dirty="0">
+                <a:latin typeface="+mj-ea"/>
+                <a:ea typeface="+mj-ea"/>
+              </a:rPr>
+              <a:t>, </a:t>
+            </a:r>
+            <a:r>
+              <a:rPr lang="ko-KR" altLang="en-US" sz="2500" dirty="0">
+                <a:latin typeface="+mj-ea"/>
+                <a:ea typeface="+mj-ea"/>
+              </a:rPr>
+              <a:t>마이페이지</a:t>
+            </a:r>
+            <a:endParaRPr lang="en-US" altLang="ko-KR" sz="2500" dirty="0">
+              <a:latin typeface="+mj-ea"/>
+              <a:ea typeface="+mj-ea"/>
+            </a:endParaRPr>
+          </a:p>
+          <a:p>
+            <a:pPr algn="l" defTabSz="584200">
+              <a:buSzPct val="100000"/>
+              <a:defRPr sz="3400" b="0" spc="-102">
+                <a:latin typeface="나눔바른고딕OTF Light"/>
+                <a:ea typeface="나눔바른고딕OTF Light"/>
+                <a:cs typeface="나눔바른고딕OTF Light"/>
+                <a:sym typeface="나눔바른고딕OTF Light"/>
+              </a:defRPr>
+            </a:pPr>
+            <a:endParaRPr lang="en-US" altLang="ko-KR" sz="2000" b="0" dirty="0">
+              <a:ea typeface="NanumBarunGothicOTF Light" panose="02000303000000000000" pitchFamily="2" charset="-128"/>
+            </a:endParaRPr>
+          </a:p>
+          <a:p>
+            <a:pPr algn="l" defTabSz="584200">
+              <a:buSzPct val="100000"/>
+              <a:defRPr sz="3400" b="0" spc="-102">
+                <a:latin typeface="나눔바른고딕OTF Light"/>
+                <a:ea typeface="나눔바른고딕OTF Light"/>
+                <a:cs typeface="나눔바른고딕OTF Light"/>
+                <a:sym typeface="나눔바른고딕OTF Light"/>
+              </a:defRPr>
+            </a:pPr>
+            <a:r>
+              <a:rPr lang="ko-KR" altLang="en-US" sz="3400" b="0" dirty="0">
+                <a:ea typeface="NanumBarunGothicOTF Light" panose="02000303000000000000" pitchFamily="2" charset="-128"/>
+              </a:rPr>
+              <a:t>웹</a:t>
+            </a:r>
+            <a:r>
+              <a:rPr lang="en-US" altLang="ko-KR" sz="3400" b="0" dirty="0">
+                <a:ea typeface="NanumBarunGothicOTF Light" panose="02000303000000000000" pitchFamily="2" charset="-128"/>
+              </a:rPr>
+              <a:t>-</a:t>
+            </a:r>
+            <a:r>
+              <a:rPr lang="ko-KR" altLang="en-US" sz="3400" b="0" dirty="0">
+                <a:ea typeface="NanumBarunGothicOTF Light" panose="02000303000000000000" pitchFamily="2" charset="-128"/>
+              </a:rPr>
+              <a:t>고객</a:t>
+            </a:r>
+          </a:p>
+          <a:p>
+            <a:pPr algn="l" defTabSz="584200">
+              <a:buSzPct val="100000"/>
+              <a:defRPr sz="3400" b="0" spc="-102">
+                <a:latin typeface="나눔바른고딕OTF Light"/>
+                <a:ea typeface="나눔바른고딕OTF Light"/>
+                <a:cs typeface="나눔바른고딕OTF Light"/>
+                <a:sym typeface="나눔바른고딕OTF Light"/>
+              </a:defRPr>
+            </a:pPr>
+            <a:r>
+              <a:rPr lang="en-US" altLang="ko-KR" sz="2500" b="0" dirty="0">
+                <a:ea typeface="NanumBarunGothicOTF Light" panose="02000303000000000000" pitchFamily="2" charset="-128"/>
+              </a:rPr>
+              <a:t>1. </a:t>
+            </a:r>
+            <a:r>
+              <a:rPr lang="ko-KR" altLang="en-US" sz="2500" b="0" dirty="0">
+                <a:ea typeface="NanumBarunGothicOTF Light" panose="02000303000000000000" pitchFamily="2" charset="-128"/>
+              </a:rPr>
+              <a:t>메인 페이지</a:t>
+            </a:r>
+            <a:r>
+              <a:rPr lang="en-US" altLang="ko-KR" sz="2500" b="0" dirty="0">
+                <a:ea typeface="NanumBarunGothicOTF Light" panose="02000303000000000000" pitchFamily="2" charset="-128"/>
+              </a:rPr>
+              <a:t>, </a:t>
+            </a:r>
+            <a:r>
+              <a:rPr lang="ko-KR" altLang="en-US" sz="2500" b="0" dirty="0">
+                <a:ea typeface="NanumBarunGothicOTF Light" panose="02000303000000000000" pitchFamily="2" charset="-128"/>
+              </a:rPr>
+              <a:t>매장 조회</a:t>
+            </a:r>
+            <a:endParaRPr lang="en-US" altLang="ko-KR" sz="2000" b="0" dirty="0">
+              <a:ea typeface="NanumBarunGothicOTF Light" panose="02000303000000000000" pitchFamily="2" charset="-128"/>
+            </a:endParaRPr>
+          </a:p>
+          <a:p>
+            <a:pPr algn="l" defTabSz="584200">
+              <a:buSzPct val="100000"/>
+              <a:defRPr sz="3400" b="0" spc="-102">
+                <a:latin typeface="나눔바른고딕OTF Light"/>
+                <a:ea typeface="나눔바른고딕OTF Light"/>
+                <a:cs typeface="나눔바른고딕OTF Light"/>
+                <a:sym typeface="나눔바른고딕OTF Light"/>
+              </a:defRPr>
+            </a:pPr>
+            <a:r>
+              <a:rPr lang="en-US" altLang="ko-KR" sz="2500" b="0" dirty="0">
+                <a:ea typeface="NanumBarunGothicOTF Light" panose="02000303000000000000" pitchFamily="2" charset="-128"/>
+              </a:rPr>
+              <a:t>2. </a:t>
+            </a:r>
+            <a:r>
+              <a:rPr lang="ko-KR" altLang="en-US" sz="2500" b="0" dirty="0">
+                <a:ea typeface="NanumBarunGothicOTF Light" panose="02000303000000000000" pitchFamily="2" charset="-128"/>
+              </a:rPr>
+              <a:t>매장 상세 보기</a:t>
+            </a:r>
+            <a:r>
+              <a:rPr lang="en-US" altLang="ko-KR" sz="2500" b="0" dirty="0">
+                <a:ea typeface="NanumBarunGothicOTF Light" panose="02000303000000000000" pitchFamily="2" charset="-128"/>
+              </a:rPr>
+              <a:t>, </a:t>
+            </a:r>
+            <a:r>
+              <a:rPr lang="ko-KR" altLang="en-US" sz="2500" b="0" dirty="0">
+                <a:ea typeface="NanumBarunGothicOTF Light" panose="02000303000000000000" pitchFamily="2" charset="-128"/>
+              </a:rPr>
+              <a:t>마이페이지</a:t>
+            </a:r>
+            <a:endParaRPr lang="en-US" altLang="ko-KR" sz="2500" b="0" dirty="0">
+              <a:ea typeface="NanumBarunGothicOTF Light" panose="02000303000000000000" pitchFamily="2" charset="-128"/>
+            </a:endParaRPr>
+          </a:p>
+          <a:p>
+            <a:pPr algn="l" defTabSz="584200">
+              <a:buSzPct val="100000"/>
+              <a:defRPr sz="3400" b="0" spc="-102">
+                <a:latin typeface="나눔바른고딕OTF Light"/>
+                <a:ea typeface="나눔바른고딕OTF Light"/>
+                <a:cs typeface="나눔바른고딕OTF Light"/>
+                <a:sym typeface="나눔바른고딕OTF Light"/>
+              </a:defRPr>
+            </a:pPr>
+            <a:r>
+              <a:rPr lang="en-US" altLang="ko-KR" sz="2500" b="0" dirty="0">
+                <a:ea typeface="NanumBarunGothicOTF Light" panose="02000303000000000000" pitchFamily="2" charset="-128"/>
+              </a:rPr>
+              <a:t>3. </a:t>
+            </a:r>
+            <a:r>
+              <a:rPr lang="ko-KR" altLang="en-US" sz="2500" b="0" dirty="0">
+                <a:ea typeface="NanumBarunGothicOTF Light" panose="02000303000000000000" pitchFamily="2" charset="-128"/>
+              </a:rPr>
+              <a:t>내 정보 관리</a:t>
+            </a:r>
+            <a:endParaRPr lang="en-US" altLang="ko-KR" sz="2500" b="0" dirty="0">
+              <a:ea typeface="NanumBarunGothicOTF Light" panose="02000303000000000000" pitchFamily="2" charset="-128"/>
+            </a:endParaRPr>
+          </a:p>
+        </p:txBody>
+      </p:sp>
+      <p:sp>
+        <p:nvSpPr>
+          <p:cNvPr id="162" name="8 .  ERP 가동">
+            <a:extLst>
+              <a:ext uri="{FF2B5EF4-FFF2-40B4-BE49-F238E27FC236}">
+                <a16:creationId xmlns:a16="http://schemas.microsoft.com/office/drawing/2014/main" id="{EB76EDE4-0AF4-4056-800A-BA126C79FB0E}"/>
+              </a:ext>
+            </a:extLst>
+          </p:cNvPr>
+          <p:cNvSpPr/>
+          <p:nvPr/>
+        </p:nvSpPr>
+        <p:spPr>
+          <a:xfrm>
+            <a:off x="17755565" y="8570722"/>
+            <a:ext cx="5713333" cy="440311"/>
+          </a:xfrm>
+          <a:prstGeom prst="rect">
+            <a:avLst/>
+          </a:prstGeom>
+          <a:solidFill>
+            <a:srgbClr val="D5D5D5">
+              <a:alpha val="69849"/>
+            </a:srgbClr>
+          </a:solidFill>
+          <a:ln w="12700">
+            <a:miter lim="400000"/>
+          </a:ln>
+          <a:extLst>
+            <a:ext uri="{C572A759-6A51-4108-AA02-DFA0A04FC94B}">
+              <ma14:wrappingTextBoxFlag xmlns:ma14="http://schemas.microsoft.com/office/mac/drawingml/2011/main" xmlns:a14="http://schemas.microsoft.com/office/drawing/2010/main" xmlns:m="http://schemas.openxmlformats.org/officeDocument/2006/math" xmlns="" val="1"/>
+            </a:ext>
+          </a:extLst>
+        </p:spPr>
+        <p:txBody>
+          <a:bodyPr lIns="71437" tIns="71437" rIns="71437" bIns="71437"/>
+          <a:lstStyle>
+            <a:lvl1pPr algn="l" defTabSz="584200">
+              <a:defRPr sz="2300" b="0" spc="-69">
+                <a:latin typeface="나눔바른고딕OTF Light"/>
+                <a:ea typeface="나눔바른고딕OTF Light"/>
+                <a:cs typeface="나눔바른고딕OTF Light"/>
+                <a:sym typeface="나눔바른고딕OTF Light"/>
+              </a:defRPr>
+            </a:lvl1pPr>
+          </a:lstStyle>
+          <a:p>
+            <a:pPr algn="ctr"/>
+            <a:endParaRPr dirty="0">
+              <a:latin typeface="NanumBarunGothicOTF Light" panose="02000303000000000000" pitchFamily="2" charset="-128"/>
+              <a:ea typeface="NanumBarunGothicOTF Light" panose="02000303000000000000" pitchFamily="2" charset="-128"/>
+            </a:endParaRPr>
+          </a:p>
+        </p:txBody>
+      </p:sp>
+      <p:sp>
+        <p:nvSpPr>
+          <p:cNvPr id="163" name="8 .  ERP 가동">
+            <a:extLst>
+              <a:ext uri="{FF2B5EF4-FFF2-40B4-BE49-F238E27FC236}">
+                <a16:creationId xmlns:a16="http://schemas.microsoft.com/office/drawing/2014/main" id="{8C322B0F-2A95-46C5-B7D6-D62968D1122C}"/>
+              </a:ext>
+            </a:extLst>
+          </p:cNvPr>
+          <p:cNvSpPr/>
+          <p:nvPr/>
+        </p:nvSpPr>
+        <p:spPr>
+          <a:xfrm>
+            <a:off x="6732331" y="12973893"/>
+            <a:ext cx="10600542" cy="440311"/>
+          </a:xfrm>
+          <a:prstGeom prst="rect">
+            <a:avLst/>
+          </a:prstGeom>
+          <a:solidFill>
+            <a:srgbClr val="D5D5D5">
+              <a:alpha val="69849"/>
+            </a:srgbClr>
+          </a:solidFill>
+          <a:ln w="12700">
+            <a:miter lim="400000"/>
+          </a:ln>
+          <a:extLst>
+            <a:ext uri="{C572A759-6A51-4108-AA02-DFA0A04FC94B}">
+              <ma14:wrappingTextBoxFlag xmlns:ma14="http://schemas.microsoft.com/office/mac/drawingml/2011/main" xmlns:a14="http://schemas.microsoft.com/office/drawing/2010/main" xmlns:m="http://schemas.openxmlformats.org/officeDocument/2006/math" xmlns="" val="1"/>
+            </a:ext>
+          </a:extLst>
+        </p:spPr>
+        <p:txBody>
+          <a:bodyPr lIns="71437" tIns="71437" rIns="71437" bIns="71437"/>
+          <a:lstStyle>
+            <a:lvl1pPr algn="l" defTabSz="584200">
+              <a:defRPr sz="2300" b="0" spc="-69">
+                <a:latin typeface="나눔바른고딕OTF Light"/>
+                <a:ea typeface="나눔바른고딕OTF Light"/>
+                <a:cs typeface="나눔바른고딕OTF Light"/>
+                <a:sym typeface="나눔바른고딕OTF Light"/>
+              </a:defRPr>
+            </a:lvl1pPr>
+          </a:lstStyle>
+          <a:p>
+            <a:pPr algn="ctr"/>
+            <a:r>
+              <a:rPr lang="ko-KR" altLang="en-US" dirty="0">
+                <a:latin typeface="NanumBarunGothicOTF Light" panose="02000303000000000000" pitchFamily="2" charset="-128"/>
+                <a:ea typeface="NanumBarunGothicOTF Light" panose="02000303000000000000" pitchFamily="2" charset="-128"/>
+              </a:rPr>
+              <a:t>고객 정보 관리 기능 구현</a:t>
+            </a:r>
+            <a:endParaRPr dirty="0">
+              <a:latin typeface="NanumBarunGothicOTF Light" panose="02000303000000000000" pitchFamily="2" charset="-128"/>
+              <a:ea typeface="NanumBarunGothicOTF Light" panose="02000303000000000000" pitchFamily="2" charset="-128"/>
             </a:endParaRPr>
           </a:p>
         </p:txBody>
